--- a/docs/2025_0725_発表用スライド.pptx
+++ b/docs/2025_0725_発表用スライド.pptx
@@ -11033,31 +11033,41 @@
           </a:p>
         </p:txBody>
       </p:sp>
-      <p:sp>
-        <p:nvSpPr>
-          <p:cNvPr id="3" name="コンテンツ プレースホルダー 2">
+      <p:pic>
+        <p:nvPicPr>
+          <p:cNvPr id="5" name="コンテンツ プレースホルダー 4" descr="グラフィカル ユーザー インターフェイス&#10;&#10;AI 生成コンテンツは誤りを含む可能性があります。">
             <a:extLst>
               <a:ext uri="{FF2B5EF4-FFF2-40B4-BE49-F238E27FC236}">
-                <a16:creationId xmlns:a16="http://schemas.microsoft.com/office/drawing/2014/main" id="{0CFB2611-924B-7189-CC7A-E14B335422A2}"/>
+                <a16:creationId xmlns:a16="http://schemas.microsoft.com/office/drawing/2014/main" id="{268DA070-C279-1D73-06D5-793FCF0D7688}"/>
               </a:ext>
             </a:extLst>
           </p:cNvPr>
-          <p:cNvSpPr>
-            <a:spLocks noGrp="1"/>
-          </p:cNvSpPr>
+          <p:cNvPicPr>
+            <a:picLocks noGrp="1" noChangeAspect="1"/>
+          </p:cNvPicPr>
           <p:nvPr>
             <p:ph sz="quarter" idx="13"/>
           </p:nvPr>
-        </p:nvSpPr>
-        <p:spPr/>
-        <p:txBody>
-          <a:bodyPr/>
-          <a:lstStyle/>
-          <a:p>
-            <a:endParaRPr kumimoji="1" lang="ja-JP" altLang="en-US"/>
-          </a:p>
-        </p:txBody>
-      </p:sp>
+        </p:nvPicPr>
+        <p:blipFill>
+          <a:blip r:embed="rId2">
+            <a:extLst>
+              <a:ext uri="{28A0092B-C50C-407E-A947-70E740481C1C}">
+                <a14:useLocalDpi xmlns:a14="http://schemas.microsoft.com/office/drawing/2010/main" val="0"/>
+              </a:ext>
+            </a:extLst>
+          </a:blip>
+          <a:stretch>
+            <a:fillRect/>
+          </a:stretch>
+        </p:blipFill>
+        <p:spPr>
+          <a:xfrm>
+            <a:off x="838200" y="1777777"/>
+            <a:ext cx="6454140" cy="4972050"/>
+          </a:xfrm>
+        </p:spPr>
+      </p:pic>
     </p:spTree>
     <p:extLst>
       <p:ext uri="{BB962C8B-B14F-4D97-AF65-F5344CB8AC3E}">
@@ -12562,31 +12572,41 @@
           </a:p>
         </p:txBody>
       </p:sp>
-      <p:sp>
-        <p:nvSpPr>
-          <p:cNvPr id="3" name="コンテンツ プレースホルダー 2">
+      <p:pic>
+        <p:nvPicPr>
+          <p:cNvPr id="5" name="コンテンツ プレースホルダー 4" descr="グラフィカル ユーザー インターフェイス, テキスト, アプリケーション, チャットまたはテキスト メッセージ">
             <a:extLst>
               <a:ext uri="{FF2B5EF4-FFF2-40B4-BE49-F238E27FC236}">
-                <a16:creationId xmlns:a16="http://schemas.microsoft.com/office/drawing/2014/main" id="{3A433280-AEEA-3B99-202F-A2538339C90A}"/>
+                <a16:creationId xmlns:a16="http://schemas.microsoft.com/office/drawing/2014/main" id="{FA237A76-39A4-86AB-314C-A31DA4530B19}"/>
               </a:ext>
             </a:extLst>
           </p:cNvPr>
-          <p:cNvSpPr>
-            <a:spLocks noGrp="1"/>
-          </p:cNvSpPr>
+          <p:cNvPicPr>
+            <a:picLocks noGrp="1" noChangeAspect="1"/>
+          </p:cNvPicPr>
           <p:nvPr>
             <p:ph sz="quarter" idx="13"/>
           </p:nvPr>
-        </p:nvSpPr>
-        <p:spPr/>
-        <p:txBody>
-          <a:bodyPr/>
-          <a:lstStyle/>
-          <a:p>
-            <a:endParaRPr kumimoji="1" lang="ja-JP" altLang="en-US"/>
-          </a:p>
-        </p:txBody>
-      </p:sp>
+        </p:nvPicPr>
+        <p:blipFill>
+          <a:blip r:embed="rId2">
+            <a:extLst>
+              <a:ext uri="{28A0092B-C50C-407E-A947-70E740481C1C}">
+                <a14:useLocalDpi xmlns:a14="http://schemas.microsoft.com/office/drawing/2010/main" val="0"/>
+              </a:ext>
+            </a:extLst>
+          </a:blip>
+          <a:stretch>
+            <a:fillRect/>
+          </a:stretch>
+        </p:blipFill>
+        <p:spPr>
+          <a:xfrm>
+            <a:off x="838200" y="1603607"/>
+            <a:ext cx="10080171" cy="4579480"/>
+          </a:xfrm>
+        </p:spPr>
+      </p:pic>
     </p:spTree>
     <p:extLst>
       <p:ext uri="{BB962C8B-B14F-4D97-AF65-F5344CB8AC3E}">
@@ -12647,36 +12667,51 @@
             </a:br>
             <a:r>
               <a:rPr kumimoji="1" lang="ja-JP" altLang="en-US" sz="3600" u="sng" dirty="0"/>
-              <a:t>物理ノード追加画面</a:t>
-            </a:r>
+              <a:t>物理ノード関連</a:t>
+            </a:r>
+            <a:r>
+              <a:rPr lang="ja-JP" altLang="en-US" sz="3600" u="sng" dirty="0"/>
+              <a:t>ダッシュボード画面</a:t>
+            </a:r>
+            <a:endParaRPr kumimoji="1" lang="ja-JP" altLang="en-US" sz="3600" u="sng" dirty="0"/>
           </a:p>
         </p:txBody>
       </p:sp>
-      <p:sp>
-        <p:nvSpPr>
-          <p:cNvPr id="3" name="コンテンツ プレースホルダー 2">
+      <p:pic>
+        <p:nvPicPr>
+          <p:cNvPr id="5" name="コンテンツ プレースホルダー 4" descr="グラフィカル ユーザー インターフェイス, テキスト, アプリケーション, メール&#10;&#10;AI 生成コンテンツは誤りを含む可能性があります。">
             <a:extLst>
               <a:ext uri="{FF2B5EF4-FFF2-40B4-BE49-F238E27FC236}">
-                <a16:creationId xmlns:a16="http://schemas.microsoft.com/office/drawing/2014/main" id="{F6C297DF-635C-4A65-2AEA-3387F33A7F41}"/>
+                <a16:creationId xmlns:a16="http://schemas.microsoft.com/office/drawing/2014/main" id="{7C40EE0B-3A14-5631-2588-610259F63A5A}"/>
               </a:ext>
             </a:extLst>
           </p:cNvPr>
-          <p:cNvSpPr>
-            <a:spLocks noGrp="1"/>
-          </p:cNvSpPr>
+          <p:cNvPicPr>
+            <a:picLocks noGrp="1" noChangeAspect="1"/>
+          </p:cNvPicPr>
           <p:nvPr>
             <p:ph sz="quarter" idx="13"/>
           </p:nvPr>
-        </p:nvSpPr>
-        <p:spPr/>
-        <p:txBody>
-          <a:bodyPr/>
-          <a:lstStyle/>
-          <a:p>
-            <a:endParaRPr kumimoji="1" lang="ja-JP" altLang="en-US"/>
-          </a:p>
-        </p:txBody>
-      </p:sp>
+        </p:nvPicPr>
+        <p:blipFill>
+          <a:blip r:embed="rId2">
+            <a:extLst>
+              <a:ext uri="{28A0092B-C50C-407E-A947-70E740481C1C}">
+                <a14:useLocalDpi xmlns:a14="http://schemas.microsoft.com/office/drawing/2010/main" val="0"/>
+              </a:ext>
+            </a:extLst>
+          </a:blip>
+          <a:stretch>
+            <a:fillRect/>
+          </a:stretch>
+        </p:blipFill>
+        <p:spPr>
+          <a:xfrm>
+            <a:off x="838200" y="1777776"/>
+            <a:ext cx="10111740" cy="4417283"/>
+          </a:xfrm>
+        </p:spPr>
+      </p:pic>
     </p:spTree>
     <p:extLst>
       <p:ext uri="{BB962C8B-B14F-4D97-AF65-F5344CB8AC3E}">
@@ -12742,31 +12777,41 @@
           </a:p>
         </p:txBody>
       </p:sp>
-      <p:sp>
-        <p:nvSpPr>
-          <p:cNvPr id="3" name="コンテンツ プレースホルダー 2">
+      <p:pic>
+        <p:nvPicPr>
+          <p:cNvPr id="5" name="コンテンツ プレースホルダー 4" descr="テーブル が含まれている画像">
             <a:extLst>
               <a:ext uri="{FF2B5EF4-FFF2-40B4-BE49-F238E27FC236}">
-                <a16:creationId xmlns:a16="http://schemas.microsoft.com/office/drawing/2014/main" id="{5B2431C2-C14E-001F-3BE4-3E0E2353DB98}"/>
+                <a16:creationId xmlns:a16="http://schemas.microsoft.com/office/drawing/2014/main" id="{EF414F7A-9964-34A0-B91F-4FACD84996C3}"/>
               </a:ext>
             </a:extLst>
           </p:cNvPr>
-          <p:cNvSpPr>
-            <a:spLocks noGrp="1"/>
-          </p:cNvSpPr>
+          <p:cNvPicPr>
+            <a:picLocks noGrp="1" noChangeAspect="1"/>
+          </p:cNvPicPr>
           <p:nvPr>
             <p:ph sz="quarter" idx="13"/>
           </p:nvPr>
-        </p:nvSpPr>
-        <p:spPr/>
-        <p:txBody>
-          <a:bodyPr/>
-          <a:lstStyle/>
-          <a:p>
-            <a:endParaRPr kumimoji="1" lang="ja-JP" altLang="en-US"/>
-          </a:p>
-        </p:txBody>
-      </p:sp>
+        </p:nvPicPr>
+        <p:blipFill>
+          <a:blip r:embed="rId2">
+            <a:extLst>
+              <a:ext uri="{28A0092B-C50C-407E-A947-70E740481C1C}">
+                <a14:useLocalDpi xmlns:a14="http://schemas.microsoft.com/office/drawing/2010/main" val="0"/>
+              </a:ext>
+            </a:extLst>
+          </a:blip>
+          <a:stretch>
+            <a:fillRect/>
+          </a:stretch>
+        </p:blipFill>
+        <p:spPr>
+          <a:xfrm>
+            <a:off x="838200" y="1632858"/>
+            <a:ext cx="10003971" cy="4604656"/>
+          </a:xfrm>
+        </p:spPr>
+      </p:pic>
     </p:spTree>
     <p:extLst>
       <p:ext uri="{BB962C8B-B14F-4D97-AF65-F5344CB8AC3E}">
@@ -13612,11 +13657,12 @@
 </file>
 
 <file path=customXml/item1.xml><?xml version="1.0" encoding="utf-8"?>
-<p:properties xmlns:p="http://schemas.microsoft.com/office/2006/metadata/properties" xmlns:xsi="http://www.w3.org/2001/XMLSchema-instance" xmlns:pc="http://schemas.microsoft.com/office/infopath/2007/PartnerControls">
-  <documentManagement>
-    <_activity xmlns="ee5c7c0c-f424-41b1-a195-3825f1d1e3c5" xsi:nil="true"/>
-  </documentManagement>
-</p:properties>
+<?mso-contentType ?>
+<FormTemplates xmlns="http://schemas.microsoft.com/sharepoint/v3/contenttype/forms">
+  <Display>DocumentLibraryForm</Display>
+  <Edit>DocumentLibraryForm</Edit>
+  <New>DocumentLibraryForm</New>
+</FormTemplates>
 </file>
 
 <file path=customXml/item2.xml><?xml version="1.0" encoding="utf-8"?>
@@ -13776,26 +13822,17 @@
 </file>
 
 <file path=customXml/item3.xml><?xml version="1.0" encoding="utf-8"?>
-<?mso-contentType ?>
-<FormTemplates xmlns="http://schemas.microsoft.com/sharepoint/v3/contenttype/forms">
-  <Display>DocumentLibraryForm</Display>
-  <Edit>DocumentLibraryForm</Edit>
-  <New>DocumentLibraryForm</New>
-</FormTemplates>
+<p:properties xmlns:p="http://schemas.microsoft.com/office/2006/metadata/properties" xmlns:xsi="http://www.w3.org/2001/XMLSchema-instance" xmlns:pc="http://schemas.microsoft.com/office/infopath/2007/PartnerControls">
+  <documentManagement>
+    <_activity xmlns="ee5c7c0c-f424-41b1-a195-3825f1d1e3c5" xsi:nil="true"/>
+  </documentManagement>
+</p:properties>
 </file>
 
 <file path=customXml/itemProps1.xml><?xml version="1.0" encoding="utf-8"?>
-<ds:datastoreItem xmlns:ds="http://schemas.openxmlformats.org/officeDocument/2006/customXml" ds:itemID="{E130005B-6102-4F3C-A26F-485DF1BF9717}">
+<ds:datastoreItem xmlns:ds="http://schemas.openxmlformats.org/officeDocument/2006/customXml" ds:itemID="{4E60708A-6461-4D7F-883F-7E25D731D326}">
   <ds:schemaRefs>
-    <ds:schemaRef ds:uri="ee5c7c0c-f424-41b1-a195-3825f1d1e3c5"/>
-    <ds:schemaRef ds:uri="http://purl.org/dc/dcmitype/"/>
-    <ds:schemaRef ds:uri="http://purl.org/dc/elements/1.1/"/>
-    <ds:schemaRef ds:uri="http://purl.org/dc/terms/"/>
-    <ds:schemaRef ds:uri="http://schemas.microsoft.com/office/2006/documentManagement/types"/>
-    <ds:schemaRef ds:uri="http://schemas.microsoft.com/office/2006/metadata/properties"/>
-    <ds:schemaRef ds:uri="http://schemas.microsoft.com/office/infopath/2007/PartnerControls"/>
-    <ds:schemaRef ds:uri="http://schemas.openxmlformats.org/package/2006/metadata/core-properties"/>
-    <ds:schemaRef ds:uri="http://www.w3.org/XML/1998/namespace"/>
+    <ds:schemaRef ds:uri="http://schemas.microsoft.com/sharepoint/v3/contenttype/forms"/>
   </ds:schemaRefs>
 </ds:datastoreItem>
 </file>
@@ -13819,9 +13856,17 @@
 </file>
 
 <file path=customXml/itemProps3.xml><?xml version="1.0" encoding="utf-8"?>
-<ds:datastoreItem xmlns:ds="http://schemas.openxmlformats.org/officeDocument/2006/customXml" ds:itemID="{4E60708A-6461-4D7F-883F-7E25D731D326}">
+<ds:datastoreItem xmlns:ds="http://schemas.openxmlformats.org/officeDocument/2006/customXml" ds:itemID="{E130005B-6102-4F3C-A26F-485DF1BF9717}">
   <ds:schemaRefs>
-    <ds:schemaRef ds:uri="http://schemas.microsoft.com/sharepoint/v3/contenttype/forms"/>
+    <ds:schemaRef ds:uri="ee5c7c0c-f424-41b1-a195-3825f1d1e3c5"/>
+    <ds:schemaRef ds:uri="http://purl.org/dc/dcmitype/"/>
+    <ds:schemaRef ds:uri="http://purl.org/dc/elements/1.1/"/>
+    <ds:schemaRef ds:uri="http://purl.org/dc/terms/"/>
+    <ds:schemaRef ds:uri="http://schemas.microsoft.com/office/2006/documentManagement/types"/>
+    <ds:schemaRef ds:uri="http://schemas.microsoft.com/office/2006/metadata/properties"/>
+    <ds:schemaRef ds:uri="http://schemas.microsoft.com/office/infopath/2007/PartnerControls"/>
+    <ds:schemaRef ds:uri="http://schemas.openxmlformats.org/package/2006/metadata/core-properties"/>
+    <ds:schemaRef ds:uri="http://www.w3.org/XML/1998/namespace"/>
   </ds:schemaRefs>
 </ds:datastoreItem>
 </file>

--- a/docs/2025_0725_発表用スライド.pptx
+++ b/docs/2025_0725_発表用スライド.pptx
@@ -5,10 +5,10 @@
     <p:sldMasterId id="2147483648" r:id="rId4"/>
   </p:sldMasterIdLst>
   <p:notesMasterIdLst>
-    <p:notesMasterId r:id="rId15"/>
+    <p:notesMasterId r:id="rId16"/>
   </p:notesMasterIdLst>
   <p:handoutMasterIdLst>
-    <p:handoutMasterId r:id="rId16"/>
+    <p:handoutMasterId r:id="rId17"/>
   </p:handoutMasterIdLst>
   <p:sldIdLst>
     <p:sldId id="256" r:id="rId5"/>
@@ -20,7 +20,8 @@
     <p:sldId id="265" r:id="rId11"/>
     <p:sldId id="270" r:id="rId12"/>
     <p:sldId id="266" r:id="rId13"/>
-    <p:sldId id="269" r:id="rId14"/>
+    <p:sldId id="271" r:id="rId14"/>
+    <p:sldId id="269" r:id="rId15"/>
   </p:sldIdLst>
   <p:sldSz cx="12192000" cy="6858000"/>
   <p:notesSz cx="6858000" cy="9144000"/>
@@ -11003,7 +11004,7 @@
           <p:cNvPr id="2" name="タイトル 1">
             <a:extLst>
               <a:ext uri="{FF2B5EF4-FFF2-40B4-BE49-F238E27FC236}">
-                <a16:creationId xmlns:a16="http://schemas.microsoft.com/office/drawing/2014/main" id="{85DEDF33-14C9-D978-1FFF-25FFAE2879E3}"/>
+                <a16:creationId xmlns:a16="http://schemas.microsoft.com/office/drawing/2014/main" id="{50FA3A84-ED02-D675-82C5-0D0B250E177D}"/>
               </a:ext>
             </a:extLst>
           </p:cNvPr>
@@ -11028,17 +11029,17 @@
             </a:br>
             <a:r>
               <a:rPr kumimoji="1" lang="ja-JP" altLang="en-US" sz="3600" u="sng" dirty="0"/>
-              <a:t>仮想マシン作成画面</a:t>
+              <a:t>仮想マシン管理ダッシュボード画面</a:t>
             </a:r>
           </a:p>
         </p:txBody>
       </p:sp>
       <p:pic>
         <p:nvPicPr>
-          <p:cNvPr id="5" name="コンテンツ プレースホルダー 4" descr="グラフィカル ユーザー インターフェイス&#10;&#10;AI 生成コンテンツは誤りを含む可能性があります。">
+          <p:cNvPr id="5" name="コンテンツ プレースホルダー 4" descr="グラフィカル ユーザー インターフェイス, アプリケーション&#10;&#10;AI 生成コンテンツは誤りを含む可能性があります。">
             <a:extLst>
               <a:ext uri="{FF2B5EF4-FFF2-40B4-BE49-F238E27FC236}">
-                <a16:creationId xmlns:a16="http://schemas.microsoft.com/office/drawing/2014/main" id="{268DA070-C279-1D73-06D5-793FCF0D7688}"/>
+                <a16:creationId xmlns:a16="http://schemas.microsoft.com/office/drawing/2014/main" id="{2B30F296-B02B-493F-B656-56866ED63269}"/>
               </a:ext>
             </a:extLst>
           </p:cNvPr>
@@ -11063,8 +11064,108 @@
         </p:blipFill>
         <p:spPr>
           <a:xfrm>
-            <a:off x="838200" y="1777777"/>
-            <a:ext cx="6454140" cy="4972050"/>
+            <a:off x="838200" y="1691640"/>
+            <a:ext cx="10751820" cy="4994909"/>
+          </a:xfrm>
+        </p:spPr>
+      </p:pic>
+    </p:spTree>
+    <p:extLst>
+      <p:ext uri="{BB962C8B-B14F-4D97-AF65-F5344CB8AC3E}">
+        <p14:creationId xmlns:p14="http://schemas.microsoft.com/office/powerpoint/2010/main" val="1721121268"/>
+      </p:ext>
+    </p:extLst>
+  </p:cSld>
+  <p:clrMapOvr>
+    <a:masterClrMapping/>
+  </p:clrMapOvr>
+</p:sld>
+</file>
+
+<file path=ppt/slides/slide11.xml><?xml version="1.0" encoding="utf-8"?>
+<p:sld xmlns:a="http://schemas.openxmlformats.org/drawingml/2006/main" xmlns:r="http://schemas.openxmlformats.org/officeDocument/2006/relationships" xmlns:p="http://schemas.openxmlformats.org/presentationml/2006/main">
+  <p:cSld>
+    <p:spTree>
+      <p:nvGrpSpPr>
+        <p:cNvPr id="1" name=""/>
+        <p:cNvGrpSpPr/>
+        <p:nvPr/>
+      </p:nvGrpSpPr>
+      <p:grpSpPr>
+        <a:xfrm>
+          <a:off x="0" y="0"/>
+          <a:ext cx="0" cy="0"/>
+          <a:chOff x="0" y="0"/>
+          <a:chExt cx="0" cy="0"/>
+        </a:xfrm>
+      </p:grpSpPr>
+      <p:sp>
+        <p:nvSpPr>
+          <p:cNvPr id="2" name="タイトル 1">
+            <a:extLst>
+              <a:ext uri="{FF2B5EF4-FFF2-40B4-BE49-F238E27FC236}">
+                <a16:creationId xmlns:a16="http://schemas.microsoft.com/office/drawing/2014/main" id="{85DEDF33-14C9-D978-1FFF-25FFAE2879E3}"/>
+              </a:ext>
+            </a:extLst>
+          </p:cNvPr>
+          <p:cNvSpPr>
+            <a:spLocks noGrp="1"/>
+          </p:cNvSpPr>
+          <p:nvPr>
+            <p:ph type="title"/>
+          </p:nvPr>
+        </p:nvSpPr>
+        <p:spPr/>
+        <p:txBody>
+          <a:bodyPr/>
+          <a:lstStyle/>
+          <a:p>
+            <a:r>
+              <a:rPr kumimoji="1" lang="ja-JP" altLang="en-US" sz="2800" dirty="0"/>
+              <a:t>画面レイアウト</a:t>
+            </a:r>
+            <a:br>
+              <a:rPr kumimoji="1" lang="en-US" altLang="ja-JP" dirty="0"/>
+            </a:br>
+            <a:r>
+              <a:rPr kumimoji="1" lang="ja-JP" altLang="en-US" sz="3600" u="sng" dirty="0"/>
+              <a:t>仮想マシン作成画面</a:t>
+            </a:r>
+          </a:p>
+        </p:txBody>
+      </p:sp>
+      <p:pic>
+        <p:nvPicPr>
+          <p:cNvPr id="9" name="コンテンツ プレースホルダー 8" descr="グラフィカル ユーザー インターフェイス, アプリケーション">
+            <a:extLst>
+              <a:ext uri="{FF2B5EF4-FFF2-40B4-BE49-F238E27FC236}">
+                <a16:creationId xmlns:a16="http://schemas.microsoft.com/office/drawing/2014/main" id="{34619503-48B0-55FD-A9CE-0336F2FEBF09}"/>
+              </a:ext>
+            </a:extLst>
+          </p:cNvPr>
+          <p:cNvPicPr>
+            <a:picLocks noGrp="1" noChangeAspect="1"/>
+          </p:cNvPicPr>
+          <p:nvPr>
+            <p:ph sz="quarter" idx="13"/>
+          </p:nvPr>
+        </p:nvPicPr>
+        <p:blipFill>
+          <a:blip r:embed="rId2">
+            <a:extLst>
+              <a:ext uri="{28A0092B-C50C-407E-A947-70E740481C1C}">
+                <a14:useLocalDpi xmlns:a14="http://schemas.microsoft.com/office/drawing/2010/main" val="0"/>
+              </a:ext>
+            </a:extLst>
+          </a:blip>
+          <a:stretch>
+            <a:fillRect/>
+          </a:stretch>
+        </p:blipFill>
+        <p:spPr>
+          <a:xfrm>
+            <a:off x="5464630" y="304803"/>
+            <a:ext cx="6106884" cy="6411683"/>
           </a:xfrm>
         </p:spPr>
       </p:pic>

--- a/docs/2025_0725_発表用スライド.pptx
+++ b/docs/2025_0725_発表用スライド.pptx
@@ -5,10 +5,10 @@
     <p:sldMasterId id="2147483648" r:id="rId4"/>
   </p:sldMasterIdLst>
   <p:notesMasterIdLst>
-    <p:notesMasterId r:id="rId16"/>
+    <p:notesMasterId r:id="rId20"/>
   </p:notesMasterIdLst>
   <p:handoutMasterIdLst>
-    <p:handoutMasterId r:id="rId17"/>
+    <p:handoutMasterId r:id="rId21"/>
   </p:handoutMasterIdLst>
   <p:sldIdLst>
     <p:sldId id="256" r:id="rId5"/>
@@ -17,11 +17,15 @@
     <p:sldId id="262" r:id="rId8"/>
     <p:sldId id="263" r:id="rId9"/>
     <p:sldId id="264" r:id="rId10"/>
-    <p:sldId id="265" r:id="rId11"/>
-    <p:sldId id="270" r:id="rId12"/>
-    <p:sldId id="266" r:id="rId13"/>
-    <p:sldId id="271" r:id="rId14"/>
-    <p:sldId id="269" r:id="rId15"/>
+    <p:sldId id="272" r:id="rId11"/>
+    <p:sldId id="273" r:id="rId12"/>
+    <p:sldId id="274" r:id="rId13"/>
+    <p:sldId id="275" r:id="rId14"/>
+    <p:sldId id="265" r:id="rId15"/>
+    <p:sldId id="270" r:id="rId16"/>
+    <p:sldId id="266" r:id="rId17"/>
+    <p:sldId id="271" r:id="rId18"/>
+    <p:sldId id="269" r:id="rId19"/>
   </p:sldIdLst>
   <p:sldSz cx="12192000" cy="6858000"/>
   <p:notesSz cx="6858000" cy="9144000"/>
@@ -242,7 +246,7 @@
                 <a:latin typeface="Meiryo UI" panose="020B0604030504040204" pitchFamily="50" charset="-128"/>
                 <a:ea typeface="Meiryo UI" panose="020B0604030504040204" pitchFamily="50" charset="-128"/>
               </a:rPr>
-              <a:t>2025/7/8</a:t>
+              <a:t>2025/7/10</a:t>
             </a:fld>
             <a:endParaRPr lang="ja-JP">
               <a:latin typeface="Meiryo UI" panose="020B0604030504040204" pitchFamily="50" charset="-128"/>
@@ -443,7 +447,7 @@
             <a:fld id="{C32454D1-07A7-49B5-9163-2710EBC39ACF}" type="datetime1">
               <a:rPr lang="en-US" altLang="ja-JP" smtClean="0"/>
               <a:pPr/>
-              <a:t>7/8/2025</a:t>
+              <a:t>7/10/2025</a:t>
             </a:fld>
             <a:endParaRPr lang="ja-JP" altLang="en-US"/>
           </a:p>
@@ -2445,7 +2449,7 @@
           <a:p>
             <a:fld id="{E56C9E45-5C44-475F-ABDB-05E3656D4AE5}" type="datetime1">
               <a:rPr lang="ja-JP" altLang="en-US" smtClean="0"/>
-              <a:t>2025/7/8</a:t>
+              <a:t>2025/7/10</a:t>
             </a:fld>
             <a:endParaRPr lang="en-US"/>
           </a:p>
@@ -2619,7 +2623,7 @@
             <a:pPr rtl="0"/>
             <a:fld id="{55C255E9-EAE6-4714-9373-FE191EBB4CFC}" type="datetime1">
               <a:rPr lang="ja-JP" altLang="en-US" smtClean="0"/>
-              <a:t>2025/7/8</a:t>
+              <a:t>2025/7/10</a:t>
             </a:fld>
             <a:endParaRPr lang="ja-JP"/>
           </a:p>
@@ -3827,7 +3831,7 @@
           <a:p>
             <a:fld id="{A692C6CF-BE75-44EF-B2C2-D75DE95177B6}" type="datetime1">
               <a:rPr lang="ja-JP" altLang="en-US" smtClean="0"/>
-              <a:t>2025/7/8</a:t>
+              <a:t>2025/7/10</a:t>
             </a:fld>
             <a:endParaRPr lang="en-US"/>
           </a:p>
@@ -5252,7 +5256,7 @@
           <a:p>
             <a:fld id="{23A5F171-EF5C-4534-902D-25B0D2AA90CB}" type="datetime1">
               <a:rPr lang="ja-JP" altLang="en-US" smtClean="0"/>
-              <a:t>2025/7/8</a:t>
+              <a:t>2025/7/10</a:t>
             </a:fld>
             <a:endParaRPr lang="en-US"/>
           </a:p>
@@ -6591,7 +6595,7 @@
           <a:p>
             <a:fld id="{E814C7A4-397F-4B10-8CC5-FA63D1EA50DA}" type="datetime1">
               <a:rPr lang="ja-JP" altLang="en-US" smtClean="0"/>
-              <a:t>2025/7/8</a:t>
+              <a:t>2025/7/10</a:t>
             </a:fld>
             <a:endParaRPr lang="en-US"/>
           </a:p>
@@ -7797,7 +7801,7 @@
           <a:p>
             <a:fld id="{01CA49A7-3342-4780-8B59-9E8A8D6D5799}" type="datetime1">
               <a:rPr lang="ja-JP" altLang="en-US" noProof="0" smtClean="0"/>
-              <a:t>2025/7/8</a:t>
+              <a:t>2025/7/10</a:t>
             </a:fld>
             <a:endParaRPr lang="ja-JP" altLang="en-US" noProof="0"/>
           </a:p>
@@ -8278,7 +8282,7 @@
           <a:p>
             <a:fld id="{F15C0196-7E5D-4577-A8C9-47054227B8B7}" type="datetime1">
               <a:rPr lang="ja-JP" altLang="en-US" smtClean="0"/>
-              <a:t>2025/7/8</a:t>
+              <a:t>2025/7/10</a:t>
             </a:fld>
             <a:endParaRPr lang="en-US"/>
           </a:p>
@@ -9318,7 +9322,7 @@
           <a:p>
             <a:fld id="{AF70EE60-4AF6-408C-98B4-4FDED71820DA}" type="datetime1">
               <a:rPr lang="ja-JP" altLang="en-US" smtClean="0"/>
-              <a:t>2025/7/8</a:t>
+              <a:t>2025/7/10</a:t>
             </a:fld>
             <a:endParaRPr lang="en-US"/>
           </a:p>
@@ -10216,7 +10220,7 @@
           <a:p>
             <a:fld id="{FB068E81-CE6A-48DE-9989-E92DA7C01D68}" type="datetime1">
               <a:rPr lang="ja-JP" altLang="en-US" smtClean="0"/>
-              <a:t>2025/7/8</a:t>
+              <a:t>2025/7/10</a:t>
             </a:fld>
             <a:endParaRPr lang="en-US"/>
           </a:p>
@@ -10489,7 +10493,7 @@
           <a:p>
             <a:fld id="{7264615F-7B45-47C1-BC62-23C82EBBF08C}" type="datetime1">
               <a:rPr lang="ja-JP" altLang="en-US" smtClean="0"/>
-              <a:t>2025/7/8</a:t>
+              <a:t>2025/7/10</a:t>
             </a:fld>
             <a:endParaRPr lang="en-US">
               <a:latin typeface="Meiryo UI" panose="020B0604030504040204" pitchFamily="50" charset="-128"/>
@@ -11004,6 +11008,392 @@
           <p:cNvPr id="2" name="タイトル 1">
             <a:extLst>
               <a:ext uri="{FF2B5EF4-FFF2-40B4-BE49-F238E27FC236}">
+                <a16:creationId xmlns:a16="http://schemas.microsoft.com/office/drawing/2014/main" id="{62FE3716-B823-8719-0539-B73C3620DBDB}"/>
+              </a:ext>
+            </a:extLst>
+          </p:cNvPr>
+          <p:cNvSpPr>
+            <a:spLocks noGrp="1"/>
+          </p:cNvSpPr>
+          <p:nvPr>
+            <p:ph type="title"/>
+          </p:nvPr>
+        </p:nvSpPr>
+        <p:spPr/>
+        <p:txBody>
+          <a:bodyPr/>
+          <a:lstStyle/>
+          <a:p>
+            <a:endParaRPr kumimoji="1" lang="ja-JP" altLang="en-US"/>
+          </a:p>
+        </p:txBody>
+      </p:sp>
+      <p:sp>
+        <p:nvSpPr>
+          <p:cNvPr id="3" name="コンテンツ プレースホルダー 2">
+            <a:extLst>
+              <a:ext uri="{FF2B5EF4-FFF2-40B4-BE49-F238E27FC236}">
+                <a16:creationId xmlns:a16="http://schemas.microsoft.com/office/drawing/2014/main" id="{6C36508D-EA69-71C9-6D4F-9015BD129B98}"/>
+              </a:ext>
+            </a:extLst>
+          </p:cNvPr>
+          <p:cNvSpPr>
+            <a:spLocks noGrp="1"/>
+          </p:cNvSpPr>
+          <p:nvPr>
+            <p:ph sz="quarter" idx="13"/>
+          </p:nvPr>
+        </p:nvSpPr>
+        <p:spPr/>
+        <p:txBody>
+          <a:bodyPr/>
+          <a:lstStyle/>
+          <a:p>
+            <a:endParaRPr kumimoji="1" lang="ja-JP" altLang="en-US"/>
+          </a:p>
+        </p:txBody>
+      </p:sp>
+    </p:spTree>
+    <p:extLst>
+      <p:ext uri="{BB962C8B-B14F-4D97-AF65-F5344CB8AC3E}">
+        <p14:creationId xmlns:p14="http://schemas.microsoft.com/office/powerpoint/2010/main" val="2959024249"/>
+      </p:ext>
+    </p:extLst>
+  </p:cSld>
+  <p:clrMapOvr>
+    <a:masterClrMapping/>
+  </p:clrMapOvr>
+</p:sld>
+</file>
+
+<file path=ppt/slides/slide11.xml><?xml version="1.0" encoding="utf-8"?>
+<p:sld xmlns:a="http://schemas.openxmlformats.org/drawingml/2006/main" xmlns:r="http://schemas.openxmlformats.org/officeDocument/2006/relationships" xmlns:p="http://schemas.openxmlformats.org/presentationml/2006/main">
+  <p:cSld>
+    <p:spTree>
+      <p:nvGrpSpPr>
+        <p:cNvPr id="1" name=""/>
+        <p:cNvGrpSpPr/>
+        <p:nvPr/>
+      </p:nvGrpSpPr>
+      <p:grpSpPr>
+        <a:xfrm>
+          <a:off x="0" y="0"/>
+          <a:ext cx="0" cy="0"/>
+          <a:chOff x="0" y="0"/>
+          <a:chExt cx="0" cy="0"/>
+        </a:xfrm>
+      </p:grpSpPr>
+      <p:sp>
+        <p:nvSpPr>
+          <p:cNvPr id="2" name="タイトル 1">
+            <a:extLst>
+              <a:ext uri="{FF2B5EF4-FFF2-40B4-BE49-F238E27FC236}">
+                <a16:creationId xmlns:a16="http://schemas.microsoft.com/office/drawing/2014/main" id="{DB9E91FF-4C98-003E-AA39-0AE7961483AF}"/>
+              </a:ext>
+            </a:extLst>
+          </p:cNvPr>
+          <p:cNvSpPr>
+            <a:spLocks noGrp="1"/>
+          </p:cNvSpPr>
+          <p:nvPr>
+            <p:ph type="title"/>
+          </p:nvPr>
+        </p:nvSpPr>
+        <p:spPr/>
+        <p:txBody>
+          <a:bodyPr/>
+          <a:lstStyle/>
+          <a:p>
+            <a:r>
+              <a:rPr kumimoji="1" lang="ja-JP" altLang="en-US" sz="2800" dirty="0"/>
+              <a:t>画面レイアウト</a:t>
+            </a:r>
+            <a:br>
+              <a:rPr kumimoji="1" lang="en-US" altLang="ja-JP" dirty="0"/>
+            </a:br>
+            <a:r>
+              <a:rPr lang="ja-JP" altLang="en-US" sz="3600" u="sng" dirty="0"/>
+              <a:t>管理者用ダッシュボード画面</a:t>
+            </a:r>
+            <a:endParaRPr kumimoji="1" lang="ja-JP" altLang="en-US" sz="3600" u="sng" dirty="0"/>
+          </a:p>
+        </p:txBody>
+      </p:sp>
+      <p:pic>
+        <p:nvPicPr>
+          <p:cNvPr id="5" name="コンテンツ プレースホルダー 4" descr="グラフィカル ユーザー インターフェイス, テキスト, アプリケーション, チャットまたはテキスト メッセージ">
+            <a:extLst>
+              <a:ext uri="{FF2B5EF4-FFF2-40B4-BE49-F238E27FC236}">
+                <a16:creationId xmlns:a16="http://schemas.microsoft.com/office/drawing/2014/main" id="{FA237A76-39A4-86AB-314C-A31DA4530B19}"/>
+              </a:ext>
+            </a:extLst>
+          </p:cNvPr>
+          <p:cNvPicPr>
+            <a:picLocks noGrp="1" noChangeAspect="1"/>
+          </p:cNvPicPr>
+          <p:nvPr>
+            <p:ph sz="quarter" idx="13"/>
+          </p:nvPr>
+        </p:nvPicPr>
+        <p:blipFill>
+          <a:blip r:embed="rId2">
+            <a:extLst>
+              <a:ext uri="{28A0092B-C50C-407E-A947-70E740481C1C}">
+                <a14:useLocalDpi xmlns:a14="http://schemas.microsoft.com/office/drawing/2010/main" val="0"/>
+              </a:ext>
+            </a:extLst>
+          </a:blip>
+          <a:stretch>
+            <a:fillRect/>
+          </a:stretch>
+        </p:blipFill>
+        <p:spPr>
+          <a:xfrm>
+            <a:off x="838200" y="1603607"/>
+            <a:ext cx="10080171" cy="4579480"/>
+          </a:xfrm>
+        </p:spPr>
+      </p:pic>
+    </p:spTree>
+    <p:extLst>
+      <p:ext uri="{BB962C8B-B14F-4D97-AF65-F5344CB8AC3E}">
+        <p14:creationId xmlns:p14="http://schemas.microsoft.com/office/powerpoint/2010/main" val="3719135727"/>
+      </p:ext>
+    </p:extLst>
+  </p:cSld>
+  <p:clrMapOvr>
+    <a:masterClrMapping/>
+  </p:clrMapOvr>
+</p:sld>
+</file>
+
+<file path=ppt/slides/slide12.xml><?xml version="1.0" encoding="utf-8"?>
+<p:sld xmlns:a="http://schemas.openxmlformats.org/drawingml/2006/main" xmlns:r="http://schemas.openxmlformats.org/officeDocument/2006/relationships" xmlns:p="http://schemas.openxmlformats.org/presentationml/2006/main">
+  <p:cSld>
+    <p:spTree>
+      <p:nvGrpSpPr>
+        <p:cNvPr id="1" name=""/>
+        <p:cNvGrpSpPr/>
+        <p:nvPr/>
+      </p:nvGrpSpPr>
+      <p:grpSpPr>
+        <a:xfrm>
+          <a:off x="0" y="0"/>
+          <a:ext cx="0" cy="0"/>
+          <a:chOff x="0" y="0"/>
+          <a:chExt cx="0" cy="0"/>
+        </a:xfrm>
+      </p:grpSpPr>
+      <p:sp>
+        <p:nvSpPr>
+          <p:cNvPr id="2" name="タイトル 1">
+            <a:extLst>
+              <a:ext uri="{FF2B5EF4-FFF2-40B4-BE49-F238E27FC236}">
+                <a16:creationId xmlns:a16="http://schemas.microsoft.com/office/drawing/2014/main" id="{77DC25D8-6948-9ACC-B4C6-BA4791BCE29D}"/>
+              </a:ext>
+            </a:extLst>
+          </p:cNvPr>
+          <p:cNvSpPr>
+            <a:spLocks noGrp="1"/>
+          </p:cNvSpPr>
+          <p:nvPr>
+            <p:ph type="title"/>
+          </p:nvPr>
+        </p:nvSpPr>
+        <p:spPr/>
+        <p:txBody>
+          <a:bodyPr/>
+          <a:lstStyle/>
+          <a:p>
+            <a:r>
+              <a:rPr kumimoji="1" lang="ja-JP" altLang="en-US" sz="2800" dirty="0"/>
+              <a:t>画面レイアウト</a:t>
+            </a:r>
+            <a:br>
+              <a:rPr kumimoji="1" lang="en-US" altLang="ja-JP" dirty="0"/>
+            </a:br>
+            <a:r>
+              <a:rPr kumimoji="1" lang="ja-JP" altLang="en-US" sz="3600" u="sng" dirty="0"/>
+              <a:t>物理ノード関連</a:t>
+            </a:r>
+            <a:r>
+              <a:rPr lang="ja-JP" altLang="en-US" sz="3600" u="sng" dirty="0"/>
+              <a:t>ダッシュボード画面</a:t>
+            </a:r>
+            <a:endParaRPr kumimoji="1" lang="ja-JP" altLang="en-US" sz="3600" u="sng" dirty="0"/>
+          </a:p>
+        </p:txBody>
+      </p:sp>
+      <p:pic>
+        <p:nvPicPr>
+          <p:cNvPr id="5" name="コンテンツ プレースホルダー 4" descr="グラフィカル ユーザー インターフェイス, テキスト, アプリケーション, メール&#10;&#10;AI 生成コンテンツは誤りを含む可能性があります。">
+            <a:extLst>
+              <a:ext uri="{FF2B5EF4-FFF2-40B4-BE49-F238E27FC236}">
+                <a16:creationId xmlns:a16="http://schemas.microsoft.com/office/drawing/2014/main" id="{7C40EE0B-3A14-5631-2588-610259F63A5A}"/>
+              </a:ext>
+            </a:extLst>
+          </p:cNvPr>
+          <p:cNvPicPr>
+            <a:picLocks noGrp="1" noChangeAspect="1"/>
+          </p:cNvPicPr>
+          <p:nvPr>
+            <p:ph sz="quarter" idx="13"/>
+          </p:nvPr>
+        </p:nvPicPr>
+        <p:blipFill>
+          <a:blip r:embed="rId2">
+            <a:extLst>
+              <a:ext uri="{28A0092B-C50C-407E-A947-70E740481C1C}">
+                <a14:useLocalDpi xmlns:a14="http://schemas.microsoft.com/office/drawing/2010/main" val="0"/>
+              </a:ext>
+            </a:extLst>
+          </a:blip>
+          <a:stretch>
+            <a:fillRect/>
+          </a:stretch>
+        </p:blipFill>
+        <p:spPr>
+          <a:xfrm>
+            <a:off x="838200" y="1777776"/>
+            <a:ext cx="10111740" cy="4417283"/>
+          </a:xfrm>
+        </p:spPr>
+      </p:pic>
+    </p:spTree>
+    <p:extLst>
+      <p:ext uri="{BB962C8B-B14F-4D97-AF65-F5344CB8AC3E}">
+        <p14:creationId xmlns:p14="http://schemas.microsoft.com/office/powerpoint/2010/main" val="2581773688"/>
+      </p:ext>
+    </p:extLst>
+  </p:cSld>
+  <p:clrMapOvr>
+    <a:masterClrMapping/>
+  </p:clrMapOvr>
+</p:sld>
+</file>
+
+<file path=ppt/slides/slide13.xml><?xml version="1.0" encoding="utf-8"?>
+<p:sld xmlns:a="http://schemas.openxmlformats.org/drawingml/2006/main" xmlns:r="http://schemas.openxmlformats.org/officeDocument/2006/relationships" xmlns:p="http://schemas.openxmlformats.org/presentationml/2006/main">
+  <p:cSld>
+    <p:spTree>
+      <p:nvGrpSpPr>
+        <p:cNvPr id="1" name=""/>
+        <p:cNvGrpSpPr/>
+        <p:nvPr/>
+      </p:nvGrpSpPr>
+      <p:grpSpPr>
+        <a:xfrm>
+          <a:off x="0" y="0"/>
+          <a:ext cx="0" cy="0"/>
+          <a:chOff x="0" y="0"/>
+          <a:chExt cx="0" cy="0"/>
+        </a:xfrm>
+      </p:grpSpPr>
+      <p:sp>
+        <p:nvSpPr>
+          <p:cNvPr id="2" name="タイトル 1">
+            <a:extLst>
+              <a:ext uri="{FF2B5EF4-FFF2-40B4-BE49-F238E27FC236}">
+                <a16:creationId xmlns:a16="http://schemas.microsoft.com/office/drawing/2014/main" id="{4379499D-4E2E-6395-34EB-E76DC01CF110}"/>
+              </a:ext>
+            </a:extLst>
+          </p:cNvPr>
+          <p:cNvSpPr>
+            <a:spLocks noGrp="1"/>
+          </p:cNvSpPr>
+          <p:nvPr>
+            <p:ph type="title"/>
+          </p:nvPr>
+        </p:nvSpPr>
+        <p:spPr/>
+        <p:txBody>
+          <a:bodyPr/>
+          <a:lstStyle/>
+          <a:p>
+            <a:r>
+              <a:rPr kumimoji="1" lang="ja-JP" altLang="en-US" sz="2800" dirty="0"/>
+              <a:t>画面レイアウト</a:t>
+            </a:r>
+            <a:br>
+              <a:rPr kumimoji="1" lang="en-US" altLang="ja-JP" dirty="0"/>
+            </a:br>
+            <a:r>
+              <a:rPr kumimoji="1" lang="ja-JP" altLang="en-US" sz="3600" u="sng" dirty="0"/>
+              <a:t>利用者用ダッシュボード画面</a:t>
+            </a:r>
+          </a:p>
+        </p:txBody>
+      </p:sp>
+      <p:pic>
+        <p:nvPicPr>
+          <p:cNvPr id="5" name="コンテンツ プレースホルダー 4" descr="テーブル が含まれている画像">
+            <a:extLst>
+              <a:ext uri="{FF2B5EF4-FFF2-40B4-BE49-F238E27FC236}">
+                <a16:creationId xmlns:a16="http://schemas.microsoft.com/office/drawing/2014/main" id="{EF414F7A-9964-34A0-B91F-4FACD84996C3}"/>
+              </a:ext>
+            </a:extLst>
+          </p:cNvPr>
+          <p:cNvPicPr>
+            <a:picLocks noGrp="1" noChangeAspect="1"/>
+          </p:cNvPicPr>
+          <p:nvPr>
+            <p:ph sz="quarter" idx="13"/>
+          </p:nvPr>
+        </p:nvPicPr>
+        <p:blipFill>
+          <a:blip r:embed="rId2">
+            <a:extLst>
+              <a:ext uri="{28A0092B-C50C-407E-A947-70E740481C1C}">
+                <a14:useLocalDpi xmlns:a14="http://schemas.microsoft.com/office/drawing/2010/main" val="0"/>
+              </a:ext>
+            </a:extLst>
+          </a:blip>
+          <a:stretch>
+            <a:fillRect/>
+          </a:stretch>
+        </p:blipFill>
+        <p:spPr>
+          <a:xfrm>
+            <a:off x="838200" y="1632858"/>
+            <a:ext cx="10003971" cy="4604656"/>
+          </a:xfrm>
+        </p:spPr>
+      </p:pic>
+    </p:spTree>
+    <p:extLst>
+      <p:ext uri="{BB962C8B-B14F-4D97-AF65-F5344CB8AC3E}">
+        <p14:creationId xmlns:p14="http://schemas.microsoft.com/office/powerpoint/2010/main" val="3679207572"/>
+      </p:ext>
+    </p:extLst>
+  </p:cSld>
+  <p:clrMapOvr>
+    <a:masterClrMapping/>
+  </p:clrMapOvr>
+</p:sld>
+</file>
+
+<file path=ppt/slides/slide14.xml><?xml version="1.0" encoding="utf-8"?>
+<p:sld xmlns:a="http://schemas.openxmlformats.org/drawingml/2006/main" xmlns:r="http://schemas.openxmlformats.org/officeDocument/2006/relationships" xmlns:p="http://schemas.openxmlformats.org/presentationml/2006/main">
+  <p:cSld>
+    <p:spTree>
+      <p:nvGrpSpPr>
+        <p:cNvPr id="1" name=""/>
+        <p:cNvGrpSpPr/>
+        <p:nvPr/>
+      </p:nvGrpSpPr>
+      <p:grpSpPr>
+        <a:xfrm>
+          <a:off x="0" y="0"/>
+          <a:ext cx="0" cy="0"/>
+          <a:chOff x="0" y="0"/>
+          <a:chExt cx="0" cy="0"/>
+        </a:xfrm>
+      </p:grpSpPr>
+      <p:sp>
+        <p:nvSpPr>
+          <p:cNvPr id="2" name="タイトル 1">
+            <a:extLst>
+              <a:ext uri="{FF2B5EF4-FFF2-40B4-BE49-F238E27FC236}">
                 <a16:creationId xmlns:a16="http://schemas.microsoft.com/office/drawing/2014/main" id="{50FA3A84-ED02-D675-82C5-0D0B250E177D}"/>
               </a:ext>
             </a:extLst>
@@ -11082,7 +11472,7 @@
 </p:sld>
 </file>
 
-<file path=ppt/slides/slide11.xml><?xml version="1.0" encoding="utf-8"?>
+<file path=ppt/slides/slide15.xml><?xml version="1.0" encoding="utf-8"?>
 <p:sld xmlns:a="http://schemas.openxmlformats.org/drawingml/2006/main" xmlns:r="http://schemas.openxmlformats.org/officeDocument/2006/relationships" xmlns:p="http://schemas.openxmlformats.org/presentationml/2006/main">
   <p:cSld>
     <p:spTree>
@@ -12637,48 +13027,12 @@
           <a:chExt cx="0" cy="0"/>
         </a:xfrm>
       </p:grpSpPr>
-      <p:sp>
-        <p:nvSpPr>
-          <p:cNvPr id="2" name="タイトル 1">
+      <p:pic>
+        <p:nvPicPr>
+          <p:cNvPr id="5" name="コンテンツ プレースホルダー 4" descr="グラフィカル ユーザー インターフェイス, テキスト, アプリケーション">
             <a:extLst>
               <a:ext uri="{FF2B5EF4-FFF2-40B4-BE49-F238E27FC236}">
-                <a16:creationId xmlns:a16="http://schemas.microsoft.com/office/drawing/2014/main" id="{DB9E91FF-4C98-003E-AA39-0AE7961483AF}"/>
-              </a:ext>
-            </a:extLst>
-          </p:cNvPr>
-          <p:cNvSpPr>
-            <a:spLocks noGrp="1"/>
-          </p:cNvSpPr>
-          <p:nvPr>
-            <p:ph type="title"/>
-          </p:nvPr>
-        </p:nvSpPr>
-        <p:spPr/>
-        <p:txBody>
-          <a:bodyPr/>
-          <a:lstStyle/>
-          <a:p>
-            <a:r>
-              <a:rPr kumimoji="1" lang="ja-JP" altLang="en-US" sz="2800" dirty="0"/>
-              <a:t>画面レイアウト</a:t>
-            </a:r>
-            <a:br>
-              <a:rPr kumimoji="1" lang="en-US" altLang="ja-JP" dirty="0"/>
-            </a:br>
-            <a:r>
-              <a:rPr lang="ja-JP" altLang="en-US" sz="3600" u="sng" dirty="0"/>
-              <a:t>管理者用ダッシュボード画面</a:t>
-            </a:r>
-            <a:endParaRPr kumimoji="1" lang="ja-JP" altLang="en-US" sz="3600" u="sng" dirty="0"/>
-          </a:p>
-        </p:txBody>
-      </p:sp>
-      <p:pic>
-        <p:nvPicPr>
-          <p:cNvPr id="5" name="コンテンツ プレースホルダー 4" descr="グラフィカル ユーザー インターフェイス, テキスト, アプリケーション, チャットまたはテキスト メッセージ">
-            <a:extLst>
-              <a:ext uri="{FF2B5EF4-FFF2-40B4-BE49-F238E27FC236}">
-                <a16:creationId xmlns:a16="http://schemas.microsoft.com/office/drawing/2014/main" id="{FA237A76-39A4-86AB-314C-A31DA4530B19}"/>
+                <a16:creationId xmlns:a16="http://schemas.microsoft.com/office/drawing/2014/main" id="{DAFDF843-FFE9-3D3D-FB45-63B8709B9532}"/>
               </a:ext>
             </a:extLst>
           </p:cNvPr>
@@ -12703,21 +13057,230 @@
         </p:blipFill>
         <p:spPr>
           <a:xfrm>
-            <a:off x="838200" y="1603607"/>
-            <a:ext cx="10080171" cy="4579480"/>
+            <a:off x="944562" y="1001485"/>
+            <a:ext cx="10302875" cy="5064025"/>
           </a:xfrm>
+          <a:noFill/>
+        </p:spPr>
+      </p:pic>
+      <p:pic>
+        <p:nvPicPr>
+          <p:cNvPr id="7" name="図 6" descr="背景パターン">
+            <a:extLst>
+              <a:ext uri="{FF2B5EF4-FFF2-40B4-BE49-F238E27FC236}">
+                <a16:creationId xmlns:a16="http://schemas.microsoft.com/office/drawing/2014/main" id="{76B79E18-7F1C-6123-7417-77E3FB10A46B}"/>
+              </a:ext>
+            </a:extLst>
+          </p:cNvPr>
+          <p:cNvPicPr>
+            <a:picLocks noChangeAspect="1"/>
+          </p:cNvPicPr>
+          <p:nvPr/>
+        </p:nvPicPr>
+        <p:blipFill>
+          <a:blip r:embed="rId3">
+            <a:extLst>
+              <a:ext uri="{28A0092B-C50C-407E-A947-70E740481C1C}">
+                <a14:useLocalDpi xmlns:a14="http://schemas.microsoft.com/office/drawing/2010/main" val="0"/>
+              </a:ext>
+            </a:extLst>
+          </a:blip>
+          <a:stretch>
+            <a:fillRect/>
+          </a:stretch>
+        </p:blipFill>
+        <p:spPr>
+          <a:xfrm>
+            <a:off x="2383971" y="1536439"/>
+            <a:ext cx="8863466" cy="2232275"/>
+          </a:xfrm>
+          <a:prstGeom prst="rect">
+            <a:avLst/>
+          </a:prstGeom>
+        </p:spPr>
+      </p:pic>
+      <p:pic>
+        <p:nvPicPr>
+          <p:cNvPr id="9" name="図 8" descr="テキスト&#10;&#10;AI 生成コンテンツは誤りを含む可能性があります。">
+            <a:extLst>
+              <a:ext uri="{FF2B5EF4-FFF2-40B4-BE49-F238E27FC236}">
+                <a16:creationId xmlns:a16="http://schemas.microsoft.com/office/drawing/2014/main" id="{7DDCDD10-4751-8E91-DEBF-77982D2274A7}"/>
+              </a:ext>
+            </a:extLst>
+          </p:cNvPr>
+          <p:cNvPicPr>
+            <a:picLocks noChangeAspect="1"/>
+          </p:cNvPicPr>
+          <p:nvPr/>
+        </p:nvPicPr>
+        <p:blipFill>
+          <a:blip r:embed="rId4">
+            <a:extLst>
+              <a:ext uri="{28A0092B-C50C-407E-A947-70E740481C1C}">
+                <a14:useLocalDpi xmlns:a14="http://schemas.microsoft.com/office/drawing/2010/main" val="0"/>
+              </a:ext>
+            </a:extLst>
+          </a:blip>
+          <a:stretch>
+            <a:fillRect/>
+          </a:stretch>
+        </p:blipFill>
+        <p:spPr>
+          <a:xfrm>
+            <a:off x="4016828" y="1001485"/>
+            <a:ext cx="4419600" cy="1495425"/>
+          </a:xfrm>
+          <a:prstGeom prst="rect">
+            <a:avLst/>
+          </a:prstGeom>
         </p:spPr>
       </p:pic>
     </p:spTree>
     <p:extLst>
       <p:ext uri="{BB962C8B-B14F-4D97-AF65-F5344CB8AC3E}">
-        <p14:creationId xmlns:p14="http://schemas.microsoft.com/office/powerpoint/2010/main" val="3719135727"/>
+        <p14:creationId xmlns:p14="http://schemas.microsoft.com/office/powerpoint/2010/main" val="1060228555"/>
       </p:ext>
     </p:extLst>
   </p:cSld>
   <p:clrMapOvr>
     <a:masterClrMapping/>
   </p:clrMapOvr>
+  <p:timing>
+    <p:tnLst>
+      <p:par>
+        <p:cTn id="1" dur="indefinite" restart="never" nodeType="tmRoot">
+          <p:childTnLst>
+            <p:seq concurrent="1" nextAc="seek">
+              <p:cTn id="2" dur="indefinite" nodeType="mainSeq">
+                <p:childTnLst>
+                  <p:par>
+                    <p:cTn id="3" fill="hold">
+                      <p:stCondLst>
+                        <p:cond delay="indefinite"/>
+                      </p:stCondLst>
+                      <p:childTnLst>
+                        <p:par>
+                          <p:cTn id="4" fill="hold">
+                            <p:stCondLst>
+                              <p:cond delay="0"/>
+                            </p:stCondLst>
+                            <p:childTnLst>
+                              <p:par>
+                                <p:cTn id="5" presetID="10" presetClass="entr" presetSubtype="0" fill="hold" nodeType="clickEffect">
+                                  <p:stCondLst>
+                                    <p:cond delay="0"/>
+                                  </p:stCondLst>
+                                  <p:childTnLst>
+                                    <p:set>
+                                      <p:cBhvr>
+                                        <p:cTn id="6" dur="1" fill="hold">
+                                          <p:stCondLst>
+                                            <p:cond delay="0"/>
+                                          </p:stCondLst>
+                                        </p:cTn>
+                                        <p:tgtEl>
+                                          <p:spTgt spid="7"/>
+                                        </p:tgtEl>
+                                        <p:attrNameLst>
+                                          <p:attrName>style.visibility</p:attrName>
+                                        </p:attrNameLst>
+                                      </p:cBhvr>
+                                      <p:to>
+                                        <p:strVal val="visible"/>
+                                      </p:to>
+                                    </p:set>
+                                    <p:animEffect transition="in" filter="fade">
+                                      <p:cBhvr>
+                                        <p:cTn id="7" dur="1000"/>
+                                        <p:tgtEl>
+                                          <p:spTgt spid="7"/>
+                                        </p:tgtEl>
+                                      </p:cBhvr>
+                                    </p:animEffect>
+                                  </p:childTnLst>
+                                </p:cTn>
+                              </p:par>
+                            </p:childTnLst>
+                          </p:cTn>
+                        </p:par>
+                      </p:childTnLst>
+                    </p:cTn>
+                  </p:par>
+                  <p:par>
+                    <p:cTn id="8" fill="hold">
+                      <p:stCondLst>
+                        <p:cond delay="indefinite"/>
+                      </p:stCondLst>
+                      <p:childTnLst>
+                        <p:par>
+                          <p:cTn id="9" fill="hold">
+                            <p:stCondLst>
+                              <p:cond delay="0"/>
+                            </p:stCondLst>
+                            <p:childTnLst>
+                              <p:par>
+                                <p:cTn id="10" presetID="10" presetClass="entr" presetSubtype="0" fill="hold" nodeType="clickEffect">
+                                  <p:stCondLst>
+                                    <p:cond delay="0"/>
+                                  </p:stCondLst>
+                                  <p:childTnLst>
+                                    <p:set>
+                                      <p:cBhvr>
+                                        <p:cTn id="11" dur="1" fill="hold">
+                                          <p:stCondLst>
+                                            <p:cond delay="0"/>
+                                          </p:stCondLst>
+                                        </p:cTn>
+                                        <p:tgtEl>
+                                          <p:spTgt spid="9"/>
+                                        </p:tgtEl>
+                                        <p:attrNameLst>
+                                          <p:attrName>style.visibility</p:attrName>
+                                        </p:attrNameLst>
+                                      </p:cBhvr>
+                                      <p:to>
+                                        <p:strVal val="visible"/>
+                                      </p:to>
+                                    </p:set>
+                                    <p:animEffect transition="in" filter="fade">
+                                      <p:cBhvr>
+                                        <p:cTn id="12" dur="1000"/>
+                                        <p:tgtEl>
+                                          <p:spTgt spid="9"/>
+                                        </p:tgtEl>
+                                      </p:cBhvr>
+                                    </p:animEffect>
+                                  </p:childTnLst>
+                                </p:cTn>
+                              </p:par>
+                            </p:childTnLst>
+                          </p:cTn>
+                        </p:par>
+                      </p:childTnLst>
+                    </p:cTn>
+                  </p:par>
+                </p:childTnLst>
+              </p:cTn>
+              <p:prevCondLst>
+                <p:cond evt="onPrev" delay="0">
+                  <p:tgtEl>
+                    <p:sldTgt/>
+                  </p:tgtEl>
+                </p:cond>
+              </p:prevCondLst>
+              <p:nextCondLst>
+                <p:cond evt="onNext" delay="0">
+                  <p:tgtEl>
+                    <p:sldTgt/>
+                  </p:tgtEl>
+                </p:cond>
+              </p:nextCondLst>
+            </p:seq>
+          </p:childTnLst>
+        </p:cTn>
+      </p:par>
+    </p:tnLst>
+  </p:timing>
 </p:sld>
 </file>
 
@@ -12738,52 +13301,12 @@
           <a:chExt cx="0" cy="0"/>
         </a:xfrm>
       </p:grpSpPr>
-      <p:sp>
-        <p:nvSpPr>
-          <p:cNvPr id="2" name="タイトル 1">
+      <p:pic>
+        <p:nvPicPr>
+          <p:cNvPr id="5" name="コンテンツ プレースホルダー 4" descr="グラフィカル ユーザー インターフェイス, アプリケーション, Teams">
             <a:extLst>
               <a:ext uri="{FF2B5EF4-FFF2-40B4-BE49-F238E27FC236}">
-                <a16:creationId xmlns:a16="http://schemas.microsoft.com/office/drawing/2014/main" id="{77DC25D8-6948-9ACC-B4C6-BA4791BCE29D}"/>
-              </a:ext>
-            </a:extLst>
-          </p:cNvPr>
-          <p:cNvSpPr>
-            <a:spLocks noGrp="1"/>
-          </p:cNvSpPr>
-          <p:nvPr>
-            <p:ph type="title"/>
-          </p:nvPr>
-        </p:nvSpPr>
-        <p:spPr/>
-        <p:txBody>
-          <a:bodyPr/>
-          <a:lstStyle/>
-          <a:p>
-            <a:r>
-              <a:rPr kumimoji="1" lang="ja-JP" altLang="en-US" sz="2800" dirty="0"/>
-              <a:t>画面レイアウト</a:t>
-            </a:r>
-            <a:br>
-              <a:rPr kumimoji="1" lang="en-US" altLang="ja-JP" dirty="0"/>
-            </a:br>
-            <a:r>
-              <a:rPr kumimoji="1" lang="ja-JP" altLang="en-US" sz="3600" u="sng" dirty="0"/>
-              <a:t>物理ノード関連</a:t>
-            </a:r>
-            <a:r>
-              <a:rPr lang="ja-JP" altLang="en-US" sz="3600" u="sng" dirty="0"/>
-              <a:t>ダッシュボード画面</a:t>
-            </a:r>
-            <a:endParaRPr kumimoji="1" lang="ja-JP" altLang="en-US" sz="3600" u="sng" dirty="0"/>
-          </a:p>
-        </p:txBody>
-      </p:sp>
-      <p:pic>
-        <p:nvPicPr>
-          <p:cNvPr id="5" name="コンテンツ プレースホルダー 4" descr="グラフィカル ユーザー インターフェイス, テキスト, アプリケーション, メール&#10;&#10;AI 生成コンテンツは誤りを含む可能性があります。">
-            <a:extLst>
-              <a:ext uri="{FF2B5EF4-FFF2-40B4-BE49-F238E27FC236}">
-                <a16:creationId xmlns:a16="http://schemas.microsoft.com/office/drawing/2014/main" id="{7C40EE0B-3A14-5631-2588-610259F63A5A}"/>
+                <a16:creationId xmlns:a16="http://schemas.microsoft.com/office/drawing/2014/main" id="{7C5989B0-9C6E-4C0C-B4AC-7F26A6F1E6C0}"/>
               </a:ext>
             </a:extLst>
           </p:cNvPr>
@@ -12808,21 +13331,229 @@
         </p:blipFill>
         <p:spPr>
           <a:xfrm>
-            <a:off x="838200" y="1777776"/>
-            <a:ext cx="10111740" cy="4417283"/>
+            <a:off x="1102014" y="604383"/>
+            <a:ext cx="9987971" cy="5649234"/>
           </a:xfrm>
+        </p:spPr>
+      </p:pic>
+      <p:pic>
+        <p:nvPicPr>
+          <p:cNvPr id="7" name="図 6" descr="グラフィカル ユーザー インターフェイス, テキスト, アプリケーション, メール&#10;&#10;AI 生成コンテンツは誤りを含む可能性があります。">
+            <a:extLst>
+              <a:ext uri="{FF2B5EF4-FFF2-40B4-BE49-F238E27FC236}">
+                <a16:creationId xmlns:a16="http://schemas.microsoft.com/office/drawing/2014/main" id="{6E28CE41-87B5-CF90-4C2B-6DD9AF11A711}"/>
+              </a:ext>
+            </a:extLst>
+          </p:cNvPr>
+          <p:cNvPicPr>
+            <a:picLocks noChangeAspect="1"/>
+          </p:cNvPicPr>
+          <p:nvPr/>
+        </p:nvPicPr>
+        <p:blipFill>
+          <a:blip r:embed="rId3">
+            <a:extLst>
+              <a:ext uri="{28A0092B-C50C-407E-A947-70E740481C1C}">
+                <a14:useLocalDpi xmlns:a14="http://schemas.microsoft.com/office/drawing/2010/main" val="0"/>
+              </a:ext>
+            </a:extLst>
+          </a:blip>
+          <a:stretch>
+            <a:fillRect/>
+          </a:stretch>
+        </p:blipFill>
+        <p:spPr>
+          <a:xfrm>
+            <a:off x="3853703" y="604384"/>
+            <a:ext cx="4484594" cy="5649234"/>
+          </a:xfrm>
+          <a:prstGeom prst="rect">
+            <a:avLst/>
+          </a:prstGeom>
+        </p:spPr>
+      </p:pic>
+      <p:pic>
+        <p:nvPicPr>
+          <p:cNvPr id="9" name="図 8" descr="テキスト&#10;&#10;AI 生成コンテンツは誤りを含む可能性があります。">
+            <a:extLst>
+              <a:ext uri="{FF2B5EF4-FFF2-40B4-BE49-F238E27FC236}">
+                <a16:creationId xmlns:a16="http://schemas.microsoft.com/office/drawing/2014/main" id="{51C1F25A-0D3F-E4B4-E37A-2F8E0EC06E0B}"/>
+              </a:ext>
+            </a:extLst>
+          </p:cNvPr>
+          <p:cNvPicPr>
+            <a:picLocks noChangeAspect="1"/>
+          </p:cNvPicPr>
+          <p:nvPr/>
+        </p:nvPicPr>
+        <p:blipFill>
+          <a:blip r:embed="rId4">
+            <a:extLst>
+              <a:ext uri="{28A0092B-C50C-407E-A947-70E740481C1C}">
+                <a14:useLocalDpi xmlns:a14="http://schemas.microsoft.com/office/drawing/2010/main" val="0"/>
+              </a:ext>
+            </a:extLst>
+          </a:blip>
+          <a:stretch>
+            <a:fillRect/>
+          </a:stretch>
+        </p:blipFill>
+        <p:spPr>
+          <a:xfrm>
+            <a:off x="3853703" y="604382"/>
+            <a:ext cx="4371975" cy="1476375"/>
+          </a:xfrm>
+          <a:prstGeom prst="rect">
+            <a:avLst/>
+          </a:prstGeom>
         </p:spPr>
       </p:pic>
     </p:spTree>
     <p:extLst>
       <p:ext uri="{BB962C8B-B14F-4D97-AF65-F5344CB8AC3E}">
-        <p14:creationId xmlns:p14="http://schemas.microsoft.com/office/powerpoint/2010/main" val="2581773688"/>
+        <p14:creationId xmlns:p14="http://schemas.microsoft.com/office/powerpoint/2010/main" val="3135360517"/>
       </p:ext>
     </p:extLst>
   </p:cSld>
   <p:clrMapOvr>
     <a:masterClrMapping/>
   </p:clrMapOvr>
+  <p:timing>
+    <p:tnLst>
+      <p:par>
+        <p:cTn id="1" dur="indefinite" restart="never" nodeType="tmRoot">
+          <p:childTnLst>
+            <p:seq concurrent="1" nextAc="seek">
+              <p:cTn id="2" dur="indefinite" nodeType="mainSeq">
+                <p:childTnLst>
+                  <p:par>
+                    <p:cTn id="3" fill="hold">
+                      <p:stCondLst>
+                        <p:cond delay="indefinite"/>
+                      </p:stCondLst>
+                      <p:childTnLst>
+                        <p:par>
+                          <p:cTn id="4" fill="hold">
+                            <p:stCondLst>
+                              <p:cond delay="0"/>
+                            </p:stCondLst>
+                            <p:childTnLst>
+                              <p:par>
+                                <p:cTn id="5" presetID="10" presetClass="entr" presetSubtype="0" fill="hold" nodeType="clickEffect">
+                                  <p:stCondLst>
+                                    <p:cond delay="0"/>
+                                  </p:stCondLst>
+                                  <p:childTnLst>
+                                    <p:set>
+                                      <p:cBhvr>
+                                        <p:cTn id="6" dur="1" fill="hold">
+                                          <p:stCondLst>
+                                            <p:cond delay="0"/>
+                                          </p:stCondLst>
+                                        </p:cTn>
+                                        <p:tgtEl>
+                                          <p:spTgt spid="7"/>
+                                        </p:tgtEl>
+                                        <p:attrNameLst>
+                                          <p:attrName>style.visibility</p:attrName>
+                                        </p:attrNameLst>
+                                      </p:cBhvr>
+                                      <p:to>
+                                        <p:strVal val="visible"/>
+                                      </p:to>
+                                    </p:set>
+                                    <p:animEffect transition="in" filter="fade">
+                                      <p:cBhvr>
+                                        <p:cTn id="7" dur="500"/>
+                                        <p:tgtEl>
+                                          <p:spTgt spid="7"/>
+                                        </p:tgtEl>
+                                      </p:cBhvr>
+                                    </p:animEffect>
+                                  </p:childTnLst>
+                                </p:cTn>
+                              </p:par>
+                            </p:childTnLst>
+                          </p:cTn>
+                        </p:par>
+                      </p:childTnLst>
+                    </p:cTn>
+                  </p:par>
+                  <p:par>
+                    <p:cTn id="8" fill="hold">
+                      <p:stCondLst>
+                        <p:cond delay="indefinite"/>
+                      </p:stCondLst>
+                      <p:childTnLst>
+                        <p:par>
+                          <p:cTn id="9" fill="hold">
+                            <p:stCondLst>
+                              <p:cond delay="0"/>
+                            </p:stCondLst>
+                            <p:childTnLst>
+                              <p:par>
+                                <p:cTn id="10" presetID="10" presetClass="entr" presetSubtype="0" fill="hold" nodeType="clickEffect">
+                                  <p:stCondLst>
+                                    <p:cond delay="0"/>
+                                  </p:stCondLst>
+                                  <p:childTnLst>
+                                    <p:set>
+                                      <p:cBhvr>
+                                        <p:cTn id="11" dur="1" fill="hold">
+                                          <p:stCondLst>
+                                            <p:cond delay="0"/>
+                                          </p:stCondLst>
+                                        </p:cTn>
+                                        <p:tgtEl>
+                                          <p:spTgt spid="9"/>
+                                        </p:tgtEl>
+                                        <p:attrNameLst>
+                                          <p:attrName>style.visibility</p:attrName>
+                                        </p:attrNameLst>
+                                      </p:cBhvr>
+                                      <p:to>
+                                        <p:strVal val="visible"/>
+                                      </p:to>
+                                    </p:set>
+                                    <p:animEffect transition="in" filter="fade">
+                                      <p:cBhvr>
+                                        <p:cTn id="12" dur="500"/>
+                                        <p:tgtEl>
+                                          <p:spTgt spid="9"/>
+                                        </p:tgtEl>
+                                      </p:cBhvr>
+                                    </p:animEffect>
+                                  </p:childTnLst>
+                                </p:cTn>
+                              </p:par>
+                            </p:childTnLst>
+                          </p:cTn>
+                        </p:par>
+                      </p:childTnLst>
+                    </p:cTn>
+                  </p:par>
+                </p:childTnLst>
+              </p:cTn>
+              <p:prevCondLst>
+                <p:cond evt="onPrev" delay="0">
+                  <p:tgtEl>
+                    <p:sldTgt/>
+                  </p:tgtEl>
+                </p:cond>
+              </p:prevCondLst>
+              <p:nextCondLst>
+                <p:cond evt="onNext" delay="0">
+                  <p:tgtEl>
+                    <p:sldTgt/>
+                  </p:tgtEl>
+                </p:cond>
+              </p:nextCondLst>
+            </p:seq>
+          </p:childTnLst>
+        </p:cTn>
+      </p:par>
+    </p:tnLst>
+  </p:timing>
 </p:sld>
 </file>
 
@@ -12848,7 +13579,7 @@
           <p:cNvPr id="2" name="タイトル 1">
             <a:extLst>
               <a:ext uri="{FF2B5EF4-FFF2-40B4-BE49-F238E27FC236}">
-                <a16:creationId xmlns:a16="http://schemas.microsoft.com/office/drawing/2014/main" id="{4379499D-4E2E-6395-34EB-E76DC01CF110}"/>
+                <a16:creationId xmlns:a16="http://schemas.microsoft.com/office/drawing/2014/main" id="{F4916ADF-95CE-2B0C-6CB1-61A81B88511E}"/>
               </a:ext>
             </a:extLst>
           </p:cNvPr>
@@ -12864,59 +13595,39 @@
           <a:bodyPr/>
           <a:lstStyle/>
           <a:p>
-            <a:r>
-              <a:rPr kumimoji="1" lang="ja-JP" altLang="en-US" sz="2800" dirty="0"/>
-              <a:t>画面レイアウト</a:t>
-            </a:r>
-            <a:br>
-              <a:rPr kumimoji="1" lang="en-US" altLang="ja-JP" dirty="0"/>
-            </a:br>
-            <a:r>
-              <a:rPr kumimoji="1" lang="ja-JP" altLang="en-US" sz="3600" u="sng" dirty="0"/>
-              <a:t>利用者用ダッシュボード画面</a:t>
-            </a:r>
+            <a:endParaRPr kumimoji="1" lang="ja-JP" altLang="en-US"/>
           </a:p>
         </p:txBody>
       </p:sp>
-      <p:pic>
-        <p:nvPicPr>
-          <p:cNvPr id="5" name="コンテンツ プレースホルダー 4" descr="テーブル が含まれている画像">
+      <p:sp>
+        <p:nvSpPr>
+          <p:cNvPr id="3" name="コンテンツ プレースホルダー 2">
             <a:extLst>
               <a:ext uri="{FF2B5EF4-FFF2-40B4-BE49-F238E27FC236}">
-                <a16:creationId xmlns:a16="http://schemas.microsoft.com/office/drawing/2014/main" id="{EF414F7A-9964-34A0-B91F-4FACD84996C3}"/>
+                <a16:creationId xmlns:a16="http://schemas.microsoft.com/office/drawing/2014/main" id="{4F51119E-BA2E-F3E8-F0C3-E0DD689FD9EF}"/>
               </a:ext>
             </a:extLst>
           </p:cNvPr>
-          <p:cNvPicPr>
-            <a:picLocks noGrp="1" noChangeAspect="1"/>
-          </p:cNvPicPr>
+          <p:cNvSpPr>
+            <a:spLocks noGrp="1"/>
+          </p:cNvSpPr>
           <p:nvPr>
             <p:ph sz="quarter" idx="13"/>
           </p:nvPr>
-        </p:nvPicPr>
-        <p:blipFill>
-          <a:blip r:embed="rId2">
-            <a:extLst>
-              <a:ext uri="{28A0092B-C50C-407E-A947-70E740481C1C}">
-                <a14:useLocalDpi xmlns:a14="http://schemas.microsoft.com/office/drawing/2010/main" val="0"/>
-              </a:ext>
-            </a:extLst>
-          </a:blip>
-          <a:stretch>
-            <a:fillRect/>
-          </a:stretch>
-        </p:blipFill>
-        <p:spPr>
-          <a:xfrm>
-            <a:off x="838200" y="1632858"/>
-            <a:ext cx="10003971" cy="4604656"/>
-          </a:xfrm>
-        </p:spPr>
-      </p:pic>
+        </p:nvSpPr>
+        <p:spPr/>
+        <p:txBody>
+          <a:bodyPr/>
+          <a:lstStyle/>
+          <a:p>
+            <a:endParaRPr kumimoji="1" lang="ja-JP" altLang="en-US"/>
+          </a:p>
+        </p:txBody>
+      </p:sp>
     </p:spTree>
     <p:extLst>
       <p:ext uri="{BB962C8B-B14F-4D97-AF65-F5344CB8AC3E}">
-        <p14:creationId xmlns:p14="http://schemas.microsoft.com/office/powerpoint/2010/main" val="3679207572"/>
+        <p14:creationId xmlns:p14="http://schemas.microsoft.com/office/powerpoint/2010/main" val="12319173"/>
       </p:ext>
     </p:extLst>
   </p:cSld>
@@ -13758,15 +14469,6 @@
 </file>
 
 <file path=customXml/item1.xml><?xml version="1.0" encoding="utf-8"?>
-<?mso-contentType ?>
-<FormTemplates xmlns="http://schemas.microsoft.com/sharepoint/v3/contenttype/forms">
-  <Display>DocumentLibraryForm</Display>
-  <Edit>DocumentLibraryForm</Edit>
-  <New>DocumentLibraryForm</New>
-</FormTemplates>
-</file>
-
-<file path=customXml/item2.xml><?xml version="1.0" encoding="utf-8"?>
 <ct:contentTypeSchema xmlns:ct="http://schemas.microsoft.com/office/2006/metadata/contentType" xmlns:ma="http://schemas.microsoft.com/office/2006/metadata/properties/metaAttributes" ct:_="" ma:_="" ma:contentTypeName="ドキュメント" ma:contentTypeID="0x0101001C3C11EF8ACAF14CB59AA12B5DD906E5" ma:contentTypeVersion="6" ma:contentTypeDescription="新しいドキュメントを作成します。" ma:contentTypeScope="" ma:versionID="e7cc16d47ebaad271b878cef749f39d9">
   <xsd:schema xmlns:xsd="http://www.w3.org/2001/XMLSchema" xmlns:xs="http://www.w3.org/2001/XMLSchema" xmlns:p="http://schemas.microsoft.com/office/2006/metadata/properties" xmlns:ns3="ee5c7c0c-f424-41b1-a195-3825f1d1e3c5" targetNamespace="http://schemas.microsoft.com/office/2006/metadata/properties" ma:root="true" ma:fieldsID="127baabf5f5a40328388a8a46cf2aaa3" ns3:_="">
     <xsd:import namespace="ee5c7c0c-f424-41b1-a195-3825f1d1e3c5"/>
@@ -13922,6 +14624,15 @@
 </ct:contentTypeSchema>
 </file>
 
+<file path=customXml/item2.xml><?xml version="1.0" encoding="utf-8"?>
+<?mso-contentType ?>
+<FormTemplates xmlns="http://schemas.microsoft.com/sharepoint/v3/contenttype/forms">
+  <Display>DocumentLibraryForm</Display>
+  <Edit>DocumentLibraryForm</Edit>
+  <New>DocumentLibraryForm</New>
+</FormTemplates>
+</file>
+
 <file path=customXml/item3.xml><?xml version="1.0" encoding="utf-8"?>
 <p:properties xmlns:p="http://schemas.microsoft.com/office/2006/metadata/properties" xmlns:xsi="http://www.w3.org/2001/XMLSchema-instance" xmlns:pc="http://schemas.microsoft.com/office/infopath/2007/PartnerControls">
   <documentManagement>
@@ -13931,14 +14642,6 @@
 </file>
 
 <file path=customXml/itemProps1.xml><?xml version="1.0" encoding="utf-8"?>
-<ds:datastoreItem xmlns:ds="http://schemas.openxmlformats.org/officeDocument/2006/customXml" ds:itemID="{4E60708A-6461-4D7F-883F-7E25D731D326}">
-  <ds:schemaRefs>
-    <ds:schemaRef ds:uri="http://schemas.microsoft.com/sharepoint/v3/contenttype/forms"/>
-  </ds:schemaRefs>
-</ds:datastoreItem>
-</file>
-
-<file path=customXml/itemProps2.xml><?xml version="1.0" encoding="utf-8"?>
 <ds:datastoreItem xmlns:ds="http://schemas.openxmlformats.org/officeDocument/2006/customXml" ds:itemID="{876801A7-B90C-4BEB-B5A9-A1C9549B01AA}">
   <ds:schemaRefs>
     <ds:schemaRef ds:uri="ee5c7c0c-f424-41b1-a195-3825f1d1e3c5"/>
@@ -13952,6 +14655,14 @@
     <ds:schemaRef ds:uri="http://schemas.microsoft.com/office/infopath/2007/PartnerControls"/>
     <ds:schemaRef ds:uri="http://schemas.openxmlformats.org/package/2006/metadata/core-properties"/>
     <ds:schemaRef ds:uri="http://www.w3.org/2001/XMLSchema"/>
+  </ds:schemaRefs>
+</ds:datastoreItem>
+</file>
+
+<file path=customXml/itemProps2.xml><?xml version="1.0" encoding="utf-8"?>
+<ds:datastoreItem xmlns:ds="http://schemas.openxmlformats.org/officeDocument/2006/customXml" ds:itemID="{4E60708A-6461-4D7F-883F-7E25D731D326}">
+  <ds:schemaRefs>
+    <ds:schemaRef ds:uri="http://schemas.microsoft.com/sharepoint/v3/contenttype/forms"/>
   </ds:schemaRefs>
 </ds:datastoreItem>
 </file>

--- a/docs/2025_0725_発表用スライド.pptx
+++ b/docs/2025_0725_発表用スライド.pptx
@@ -13191,7 +13191,7 @@
                                     </p:set>
                                     <p:animEffect transition="in" filter="fade">
                                       <p:cBhvr>
-                                        <p:cTn id="7" dur="1000"/>
+                                        <p:cTn id="7" dur="500"/>
                                         <p:tgtEl>
                                           <p:spTgt spid="7"/>
                                         </p:tgtEl>
@@ -13244,7 +13244,7 @@
                                     </p:set>
                                     <p:animEffect transition="in" filter="fade">
                                       <p:cBhvr>
-                                        <p:cTn id="12" dur="1000"/>
+                                        <p:cTn id="12" dur="500"/>
                                         <p:tgtEl>
                                           <p:spTgt spid="9"/>
                                         </p:tgtEl>
@@ -14469,6 +14469,15 @@
 </file>
 
 <file path=customXml/item1.xml><?xml version="1.0" encoding="utf-8"?>
+<?mso-contentType ?>
+<FormTemplates xmlns="http://schemas.microsoft.com/sharepoint/v3/contenttype/forms">
+  <Display>DocumentLibraryForm</Display>
+  <Edit>DocumentLibraryForm</Edit>
+  <New>DocumentLibraryForm</New>
+</FormTemplates>
+</file>
+
+<file path=customXml/item2.xml><?xml version="1.0" encoding="utf-8"?>
 <ct:contentTypeSchema xmlns:ct="http://schemas.microsoft.com/office/2006/metadata/contentType" xmlns:ma="http://schemas.microsoft.com/office/2006/metadata/properties/metaAttributes" ct:_="" ma:_="" ma:contentTypeName="ドキュメント" ma:contentTypeID="0x0101001C3C11EF8ACAF14CB59AA12B5DD906E5" ma:contentTypeVersion="6" ma:contentTypeDescription="新しいドキュメントを作成します。" ma:contentTypeScope="" ma:versionID="e7cc16d47ebaad271b878cef749f39d9">
   <xsd:schema xmlns:xsd="http://www.w3.org/2001/XMLSchema" xmlns:xs="http://www.w3.org/2001/XMLSchema" xmlns:p="http://schemas.microsoft.com/office/2006/metadata/properties" xmlns:ns3="ee5c7c0c-f424-41b1-a195-3825f1d1e3c5" targetNamespace="http://schemas.microsoft.com/office/2006/metadata/properties" ma:root="true" ma:fieldsID="127baabf5f5a40328388a8a46cf2aaa3" ns3:_="">
     <xsd:import namespace="ee5c7c0c-f424-41b1-a195-3825f1d1e3c5"/>
@@ -14624,15 +14633,6 @@
 </ct:contentTypeSchema>
 </file>
 
-<file path=customXml/item2.xml><?xml version="1.0" encoding="utf-8"?>
-<?mso-contentType ?>
-<FormTemplates xmlns="http://schemas.microsoft.com/sharepoint/v3/contenttype/forms">
-  <Display>DocumentLibraryForm</Display>
-  <Edit>DocumentLibraryForm</Edit>
-  <New>DocumentLibraryForm</New>
-</FormTemplates>
-</file>
-
 <file path=customXml/item3.xml><?xml version="1.0" encoding="utf-8"?>
 <p:properties xmlns:p="http://schemas.microsoft.com/office/2006/metadata/properties" xmlns:xsi="http://www.w3.org/2001/XMLSchema-instance" xmlns:pc="http://schemas.microsoft.com/office/infopath/2007/PartnerControls">
   <documentManagement>
@@ -14642,6 +14642,14 @@
 </file>
 
 <file path=customXml/itemProps1.xml><?xml version="1.0" encoding="utf-8"?>
+<ds:datastoreItem xmlns:ds="http://schemas.openxmlformats.org/officeDocument/2006/customXml" ds:itemID="{4E60708A-6461-4D7F-883F-7E25D731D326}">
+  <ds:schemaRefs>
+    <ds:schemaRef ds:uri="http://schemas.microsoft.com/sharepoint/v3/contenttype/forms"/>
+  </ds:schemaRefs>
+</ds:datastoreItem>
+</file>
+
+<file path=customXml/itemProps2.xml><?xml version="1.0" encoding="utf-8"?>
 <ds:datastoreItem xmlns:ds="http://schemas.openxmlformats.org/officeDocument/2006/customXml" ds:itemID="{876801A7-B90C-4BEB-B5A9-A1C9549B01AA}">
   <ds:schemaRefs>
     <ds:schemaRef ds:uri="ee5c7c0c-f424-41b1-a195-3825f1d1e3c5"/>
@@ -14655,14 +14663,6 @@
     <ds:schemaRef ds:uri="http://schemas.microsoft.com/office/infopath/2007/PartnerControls"/>
     <ds:schemaRef ds:uri="http://schemas.openxmlformats.org/package/2006/metadata/core-properties"/>
     <ds:schemaRef ds:uri="http://www.w3.org/2001/XMLSchema"/>
-  </ds:schemaRefs>
-</ds:datastoreItem>
-</file>
-
-<file path=customXml/itemProps2.xml><?xml version="1.0" encoding="utf-8"?>
-<ds:datastoreItem xmlns:ds="http://schemas.openxmlformats.org/officeDocument/2006/customXml" ds:itemID="{4E60708A-6461-4D7F-883F-7E25D731D326}">
-  <ds:schemaRefs>
-    <ds:schemaRef ds:uri="http://schemas.microsoft.com/sharepoint/v3/contenttype/forms"/>
   </ds:schemaRefs>
 </ds:datastoreItem>
 </file>

--- a/docs/2025_0725_発表用スライド.pptx
+++ b/docs/2025_0725_発表用スライド.pptx
@@ -12869,10 +12869,10 @@
       </p:sp>
       <p:pic>
         <p:nvPicPr>
-          <p:cNvPr id="6" name="コンテンツ プレースホルダー 5" descr="ダイアグラム&#10;&#10;AI 生成コンテンツは誤りを含む可能性があります。">
+          <p:cNvPr id="11" name="コンテンツ プレースホルダー 10">
             <a:extLst>
               <a:ext uri="{FF2B5EF4-FFF2-40B4-BE49-F238E27FC236}">
-                <a16:creationId xmlns:a16="http://schemas.microsoft.com/office/drawing/2014/main" id="{22A38D10-4AF3-98AA-991A-33FA42584D6D}"/>
+                <a16:creationId xmlns:a16="http://schemas.microsoft.com/office/drawing/2014/main" id="{CDC81E7C-C595-1136-EB15-B323C713DB49}"/>
               </a:ext>
             </a:extLst>
           </p:cNvPr>
@@ -12886,8 +12886,8 @@
         <p:blipFill>
           <a:blip r:embed="rId2">
             <a:extLst>
-              <a:ext uri="{28A0092B-C50C-407E-A947-70E740481C1C}">
-                <a14:useLocalDpi xmlns:a14="http://schemas.microsoft.com/office/drawing/2010/main" val="0"/>
+              <a:ext uri="{96DAC541-7B7A-43D3-8B79-37D633B846F1}">
+                <asvg:svgBlip xmlns:asvg="http://schemas.microsoft.com/office/drawing/2016/SVG/main" r:embed="rId3"/>
               </a:ext>
             </a:extLst>
           </a:blip>
@@ -12897,10 +12897,9 @@
         </p:blipFill>
         <p:spPr>
           <a:xfrm>
-            <a:off x="838200" y="1295396"/>
-            <a:ext cx="9699172" cy="5562603"/>
+            <a:off x="1668760" y="1304925"/>
+            <a:ext cx="8161040" cy="5314509"/>
           </a:xfrm>
-          <a:noFill/>
         </p:spPr>
       </p:pic>
     </p:spTree>
@@ -12964,10 +12963,10 @@
       </p:sp>
       <p:pic>
         <p:nvPicPr>
-          <p:cNvPr id="5" name="コンテンツ プレースホルダー 4">
+          <p:cNvPr id="7" name="コンテンツ プレースホルダー 6" descr="テーブル&#10;&#10;AI 生成コンテンツは誤りを含む可能性があります。">
             <a:extLst>
               <a:ext uri="{FF2B5EF4-FFF2-40B4-BE49-F238E27FC236}">
-                <a16:creationId xmlns:a16="http://schemas.microsoft.com/office/drawing/2014/main" id="{868FAFA0-ABE0-11C8-9466-909041A933E7}"/>
+                <a16:creationId xmlns:a16="http://schemas.microsoft.com/office/drawing/2014/main" id="{036A47B2-06C8-61DB-2DF7-8694D48FAC2F}"/>
               </a:ext>
             </a:extLst>
           </p:cNvPr>
@@ -12992,8 +12991,8 @@
         </p:blipFill>
         <p:spPr>
           <a:xfrm>
-            <a:off x="838200" y="2009102"/>
-            <a:ext cx="10515600" cy="2839796"/>
+            <a:off x="498250" y="2552700"/>
+            <a:ext cx="10444740" cy="2679700"/>
           </a:xfrm>
         </p:spPr>
       </p:pic>
@@ -14469,15 +14468,6 @@
 </file>
 
 <file path=customXml/item1.xml><?xml version="1.0" encoding="utf-8"?>
-<?mso-contentType ?>
-<FormTemplates xmlns="http://schemas.microsoft.com/sharepoint/v3/contenttype/forms">
-  <Display>DocumentLibraryForm</Display>
-  <Edit>DocumentLibraryForm</Edit>
-  <New>DocumentLibraryForm</New>
-</FormTemplates>
-</file>
-
-<file path=customXml/item2.xml><?xml version="1.0" encoding="utf-8"?>
 <ct:contentTypeSchema xmlns:ct="http://schemas.microsoft.com/office/2006/metadata/contentType" xmlns:ma="http://schemas.microsoft.com/office/2006/metadata/properties/metaAttributes" ct:_="" ma:_="" ma:contentTypeName="ドキュメント" ma:contentTypeID="0x0101001C3C11EF8ACAF14CB59AA12B5DD906E5" ma:contentTypeVersion="6" ma:contentTypeDescription="新しいドキュメントを作成します。" ma:contentTypeScope="" ma:versionID="e7cc16d47ebaad271b878cef749f39d9">
   <xsd:schema xmlns:xsd="http://www.w3.org/2001/XMLSchema" xmlns:xs="http://www.w3.org/2001/XMLSchema" xmlns:p="http://schemas.microsoft.com/office/2006/metadata/properties" xmlns:ns3="ee5c7c0c-f424-41b1-a195-3825f1d1e3c5" targetNamespace="http://schemas.microsoft.com/office/2006/metadata/properties" ma:root="true" ma:fieldsID="127baabf5f5a40328388a8a46cf2aaa3" ns3:_="">
     <xsd:import namespace="ee5c7c0c-f424-41b1-a195-3825f1d1e3c5"/>
@@ -14633,6 +14623,15 @@
 </ct:contentTypeSchema>
 </file>
 
+<file path=customXml/item2.xml><?xml version="1.0" encoding="utf-8"?>
+<?mso-contentType ?>
+<FormTemplates xmlns="http://schemas.microsoft.com/sharepoint/v3/contenttype/forms">
+  <Display>DocumentLibraryForm</Display>
+  <Edit>DocumentLibraryForm</Edit>
+  <New>DocumentLibraryForm</New>
+</FormTemplates>
+</file>
+
 <file path=customXml/item3.xml><?xml version="1.0" encoding="utf-8"?>
 <p:properties xmlns:p="http://schemas.microsoft.com/office/2006/metadata/properties" xmlns:xsi="http://www.w3.org/2001/XMLSchema-instance" xmlns:pc="http://schemas.microsoft.com/office/infopath/2007/PartnerControls">
   <documentManagement>
@@ -14642,14 +14641,6 @@
 </file>
 
 <file path=customXml/itemProps1.xml><?xml version="1.0" encoding="utf-8"?>
-<ds:datastoreItem xmlns:ds="http://schemas.openxmlformats.org/officeDocument/2006/customXml" ds:itemID="{4E60708A-6461-4D7F-883F-7E25D731D326}">
-  <ds:schemaRefs>
-    <ds:schemaRef ds:uri="http://schemas.microsoft.com/sharepoint/v3/contenttype/forms"/>
-  </ds:schemaRefs>
-</ds:datastoreItem>
-</file>
-
-<file path=customXml/itemProps2.xml><?xml version="1.0" encoding="utf-8"?>
 <ds:datastoreItem xmlns:ds="http://schemas.openxmlformats.org/officeDocument/2006/customXml" ds:itemID="{876801A7-B90C-4BEB-B5A9-A1C9549B01AA}">
   <ds:schemaRefs>
     <ds:schemaRef ds:uri="ee5c7c0c-f424-41b1-a195-3825f1d1e3c5"/>
@@ -14663,6 +14654,14 @@
     <ds:schemaRef ds:uri="http://schemas.microsoft.com/office/infopath/2007/PartnerControls"/>
     <ds:schemaRef ds:uri="http://schemas.openxmlformats.org/package/2006/metadata/core-properties"/>
     <ds:schemaRef ds:uri="http://www.w3.org/2001/XMLSchema"/>
+  </ds:schemaRefs>
+</ds:datastoreItem>
+</file>
+
+<file path=customXml/itemProps2.xml><?xml version="1.0" encoding="utf-8"?>
+<ds:datastoreItem xmlns:ds="http://schemas.openxmlformats.org/officeDocument/2006/customXml" ds:itemID="{4E60708A-6461-4D7F-883F-7E25D731D326}">
+  <ds:schemaRefs>
+    <ds:schemaRef ds:uri="http://schemas.microsoft.com/sharepoint/v3/contenttype/forms"/>
   </ds:schemaRefs>
 </ds:datastoreItem>
 </file>

--- a/docs/2025_0725_発表用スライド.pptx
+++ b/docs/2025_0725_発表用スライド.pptx
@@ -5,10 +5,10 @@
     <p:sldMasterId id="2147483648" r:id="rId4"/>
   </p:sldMasterIdLst>
   <p:notesMasterIdLst>
-    <p:notesMasterId r:id="rId20"/>
+    <p:notesMasterId r:id="rId15"/>
   </p:notesMasterIdLst>
   <p:handoutMasterIdLst>
-    <p:handoutMasterId r:id="rId21"/>
+    <p:handoutMasterId r:id="rId16"/>
   </p:handoutMasterIdLst>
   <p:sldIdLst>
     <p:sldId id="256" r:id="rId5"/>
@@ -17,15 +17,10 @@
     <p:sldId id="262" r:id="rId8"/>
     <p:sldId id="263" r:id="rId9"/>
     <p:sldId id="264" r:id="rId10"/>
-    <p:sldId id="272" r:id="rId11"/>
-    <p:sldId id="273" r:id="rId12"/>
-    <p:sldId id="274" r:id="rId13"/>
-    <p:sldId id="275" r:id="rId14"/>
-    <p:sldId id="265" r:id="rId15"/>
-    <p:sldId id="270" r:id="rId16"/>
-    <p:sldId id="266" r:id="rId17"/>
-    <p:sldId id="271" r:id="rId18"/>
-    <p:sldId id="269" r:id="rId19"/>
+    <p:sldId id="265" r:id="rId11"/>
+    <p:sldId id="272" r:id="rId12"/>
+    <p:sldId id="266" r:id="rId13"/>
+    <p:sldId id="273" r:id="rId14"/>
   </p:sldIdLst>
   <p:sldSz cx="12192000" cy="6858000"/>
   <p:notesSz cx="6858000" cy="9144000"/>
@@ -246,7 +241,7 @@
                 <a:latin typeface="Meiryo UI" panose="020B0604030504040204" pitchFamily="50" charset="-128"/>
                 <a:ea typeface="Meiryo UI" panose="020B0604030504040204" pitchFamily="50" charset="-128"/>
               </a:rPr>
-              <a:t>2025/7/10</a:t>
+              <a:t>2025/7/11</a:t>
             </a:fld>
             <a:endParaRPr lang="ja-JP">
               <a:latin typeface="Meiryo UI" panose="020B0604030504040204" pitchFamily="50" charset="-128"/>
@@ -447,7 +442,7 @@
             <a:fld id="{C32454D1-07A7-49B5-9163-2710EBC39ACF}" type="datetime1">
               <a:rPr lang="en-US" altLang="ja-JP" smtClean="0"/>
               <a:pPr/>
-              <a:t>7/10/2025</a:t>
+              <a:t>7/11/2025</a:t>
             </a:fld>
             <a:endParaRPr lang="ja-JP" altLang="en-US"/>
           </a:p>
@@ -2449,7 +2444,7 @@
           <a:p>
             <a:fld id="{E56C9E45-5C44-475F-ABDB-05E3656D4AE5}" type="datetime1">
               <a:rPr lang="ja-JP" altLang="en-US" smtClean="0"/>
-              <a:t>2025/7/10</a:t>
+              <a:t>2025/7/11</a:t>
             </a:fld>
             <a:endParaRPr lang="en-US"/>
           </a:p>
@@ -2623,7 +2618,7 @@
             <a:pPr rtl="0"/>
             <a:fld id="{55C255E9-EAE6-4714-9373-FE191EBB4CFC}" type="datetime1">
               <a:rPr lang="ja-JP" altLang="en-US" smtClean="0"/>
-              <a:t>2025/7/10</a:t>
+              <a:t>2025/7/11</a:t>
             </a:fld>
             <a:endParaRPr lang="ja-JP"/>
           </a:p>
@@ -3831,7 +3826,7 @@
           <a:p>
             <a:fld id="{A692C6CF-BE75-44EF-B2C2-D75DE95177B6}" type="datetime1">
               <a:rPr lang="ja-JP" altLang="en-US" smtClean="0"/>
-              <a:t>2025/7/10</a:t>
+              <a:t>2025/7/11</a:t>
             </a:fld>
             <a:endParaRPr lang="en-US"/>
           </a:p>
@@ -5256,7 +5251,7 @@
           <a:p>
             <a:fld id="{23A5F171-EF5C-4534-902D-25B0D2AA90CB}" type="datetime1">
               <a:rPr lang="ja-JP" altLang="en-US" smtClean="0"/>
-              <a:t>2025/7/10</a:t>
+              <a:t>2025/7/11</a:t>
             </a:fld>
             <a:endParaRPr lang="en-US"/>
           </a:p>
@@ -6595,7 +6590,7 @@
           <a:p>
             <a:fld id="{E814C7A4-397F-4B10-8CC5-FA63D1EA50DA}" type="datetime1">
               <a:rPr lang="ja-JP" altLang="en-US" smtClean="0"/>
-              <a:t>2025/7/10</a:t>
+              <a:t>2025/7/11</a:t>
             </a:fld>
             <a:endParaRPr lang="en-US"/>
           </a:p>
@@ -7801,7 +7796,7 @@
           <a:p>
             <a:fld id="{01CA49A7-3342-4780-8B59-9E8A8D6D5799}" type="datetime1">
               <a:rPr lang="ja-JP" altLang="en-US" noProof="0" smtClean="0"/>
-              <a:t>2025/7/10</a:t>
+              <a:t>2025/7/11</a:t>
             </a:fld>
             <a:endParaRPr lang="ja-JP" altLang="en-US" noProof="0"/>
           </a:p>
@@ -8282,7 +8277,7 @@
           <a:p>
             <a:fld id="{F15C0196-7E5D-4577-A8C9-47054227B8B7}" type="datetime1">
               <a:rPr lang="ja-JP" altLang="en-US" smtClean="0"/>
-              <a:t>2025/7/10</a:t>
+              <a:t>2025/7/11</a:t>
             </a:fld>
             <a:endParaRPr lang="en-US"/>
           </a:p>
@@ -9322,7 +9317,7 @@
           <a:p>
             <a:fld id="{AF70EE60-4AF6-408C-98B4-4FDED71820DA}" type="datetime1">
               <a:rPr lang="ja-JP" altLang="en-US" smtClean="0"/>
-              <a:t>2025/7/10</a:t>
+              <a:t>2025/7/11</a:t>
             </a:fld>
             <a:endParaRPr lang="en-US"/>
           </a:p>
@@ -10220,7 +10215,7 @@
           <a:p>
             <a:fld id="{FB068E81-CE6A-48DE-9989-E92DA7C01D68}" type="datetime1">
               <a:rPr lang="ja-JP" altLang="en-US" smtClean="0"/>
-              <a:t>2025/7/10</a:t>
+              <a:t>2025/7/11</a:t>
             </a:fld>
             <a:endParaRPr lang="en-US"/>
           </a:p>
@@ -10493,7 +10488,7 @@
           <a:p>
             <a:fld id="{7264615F-7B45-47C1-BC62-23C82EBBF08C}" type="datetime1">
               <a:rPr lang="ja-JP" altLang="en-US" smtClean="0"/>
-              <a:t>2025/7/10</a:t>
+              <a:t>2025/7/11</a:t>
             </a:fld>
             <a:endParaRPr lang="en-US">
               <a:latin typeface="Meiryo UI" panose="020B0604030504040204" pitchFamily="50" charset="-128"/>
@@ -11003,128 +10998,12 @@
           <a:chExt cx="0" cy="0"/>
         </a:xfrm>
       </p:grpSpPr>
-      <p:sp>
-        <p:nvSpPr>
-          <p:cNvPr id="2" name="タイトル 1">
+      <p:pic>
+        <p:nvPicPr>
+          <p:cNvPr id="5" name="コンテンツ プレースホルダー 4" descr="グラフィカル ユーザー インターフェイス, アプリケーション, Teams">
             <a:extLst>
               <a:ext uri="{FF2B5EF4-FFF2-40B4-BE49-F238E27FC236}">
-                <a16:creationId xmlns:a16="http://schemas.microsoft.com/office/drawing/2014/main" id="{62FE3716-B823-8719-0539-B73C3620DBDB}"/>
-              </a:ext>
-            </a:extLst>
-          </p:cNvPr>
-          <p:cNvSpPr>
-            <a:spLocks noGrp="1"/>
-          </p:cNvSpPr>
-          <p:nvPr>
-            <p:ph type="title"/>
-          </p:nvPr>
-        </p:nvSpPr>
-        <p:spPr/>
-        <p:txBody>
-          <a:bodyPr/>
-          <a:lstStyle/>
-          <a:p>
-            <a:endParaRPr kumimoji="1" lang="ja-JP" altLang="en-US"/>
-          </a:p>
-        </p:txBody>
-      </p:sp>
-      <p:sp>
-        <p:nvSpPr>
-          <p:cNvPr id="3" name="コンテンツ プレースホルダー 2">
-            <a:extLst>
-              <a:ext uri="{FF2B5EF4-FFF2-40B4-BE49-F238E27FC236}">
-                <a16:creationId xmlns:a16="http://schemas.microsoft.com/office/drawing/2014/main" id="{6C36508D-EA69-71C9-6D4F-9015BD129B98}"/>
-              </a:ext>
-            </a:extLst>
-          </p:cNvPr>
-          <p:cNvSpPr>
-            <a:spLocks noGrp="1"/>
-          </p:cNvSpPr>
-          <p:nvPr>
-            <p:ph sz="quarter" idx="13"/>
-          </p:nvPr>
-        </p:nvSpPr>
-        <p:spPr/>
-        <p:txBody>
-          <a:bodyPr/>
-          <a:lstStyle/>
-          <a:p>
-            <a:endParaRPr kumimoji="1" lang="ja-JP" altLang="en-US"/>
-          </a:p>
-        </p:txBody>
-      </p:sp>
-    </p:spTree>
-    <p:extLst>
-      <p:ext uri="{BB962C8B-B14F-4D97-AF65-F5344CB8AC3E}">
-        <p14:creationId xmlns:p14="http://schemas.microsoft.com/office/powerpoint/2010/main" val="2959024249"/>
-      </p:ext>
-    </p:extLst>
-  </p:cSld>
-  <p:clrMapOvr>
-    <a:masterClrMapping/>
-  </p:clrMapOvr>
-</p:sld>
-</file>
-
-<file path=ppt/slides/slide11.xml><?xml version="1.0" encoding="utf-8"?>
-<p:sld xmlns:a="http://schemas.openxmlformats.org/drawingml/2006/main" xmlns:r="http://schemas.openxmlformats.org/officeDocument/2006/relationships" xmlns:p="http://schemas.openxmlformats.org/presentationml/2006/main">
-  <p:cSld>
-    <p:spTree>
-      <p:nvGrpSpPr>
-        <p:cNvPr id="1" name=""/>
-        <p:cNvGrpSpPr/>
-        <p:nvPr/>
-      </p:nvGrpSpPr>
-      <p:grpSpPr>
-        <a:xfrm>
-          <a:off x="0" y="0"/>
-          <a:ext cx="0" cy="0"/>
-          <a:chOff x="0" y="0"/>
-          <a:chExt cx="0" cy="0"/>
-        </a:xfrm>
-      </p:grpSpPr>
-      <p:sp>
-        <p:nvSpPr>
-          <p:cNvPr id="2" name="タイトル 1">
-            <a:extLst>
-              <a:ext uri="{FF2B5EF4-FFF2-40B4-BE49-F238E27FC236}">
-                <a16:creationId xmlns:a16="http://schemas.microsoft.com/office/drawing/2014/main" id="{DB9E91FF-4C98-003E-AA39-0AE7961483AF}"/>
-              </a:ext>
-            </a:extLst>
-          </p:cNvPr>
-          <p:cNvSpPr>
-            <a:spLocks noGrp="1"/>
-          </p:cNvSpPr>
-          <p:nvPr>
-            <p:ph type="title"/>
-          </p:nvPr>
-        </p:nvSpPr>
-        <p:spPr/>
-        <p:txBody>
-          <a:bodyPr/>
-          <a:lstStyle/>
-          <a:p>
-            <a:r>
-              <a:rPr kumimoji="1" lang="ja-JP" altLang="en-US" sz="2800" dirty="0"/>
-              <a:t>画面レイアウト</a:t>
-            </a:r>
-            <a:br>
-              <a:rPr kumimoji="1" lang="en-US" altLang="ja-JP" dirty="0"/>
-            </a:br>
-            <a:r>
-              <a:rPr lang="ja-JP" altLang="en-US" sz="3600" u="sng" dirty="0"/>
-              <a:t>管理者用ダッシュボード画面</a:t>
-            </a:r>
-            <a:endParaRPr kumimoji="1" lang="ja-JP" altLang="en-US" sz="3600" u="sng" dirty="0"/>
-          </a:p>
-        </p:txBody>
-      </p:sp>
-      <p:pic>
-        <p:nvPicPr>
-          <p:cNvPr id="5" name="コンテンツ プレースホルダー 4" descr="グラフィカル ユーザー インターフェイス, テキスト, アプリケーション, チャットまたはテキスト メッセージ">
-            <a:extLst>
-              <a:ext uri="{FF2B5EF4-FFF2-40B4-BE49-F238E27FC236}">
-                <a16:creationId xmlns:a16="http://schemas.microsoft.com/office/drawing/2014/main" id="{FA237A76-39A4-86AB-314C-A31DA4530B19}"/>
+                <a16:creationId xmlns:a16="http://schemas.microsoft.com/office/drawing/2014/main" id="{7C5989B0-9C6E-4C0C-B4AC-7F26A6F1E6C0}"/>
               </a:ext>
             </a:extLst>
           </p:cNvPr>
@@ -11149,99 +11028,27 @@
         </p:blipFill>
         <p:spPr>
           <a:xfrm>
-            <a:off x="838200" y="1603607"/>
-            <a:ext cx="10080171" cy="4579480"/>
+            <a:off x="1102014" y="604383"/>
+            <a:ext cx="9987971" cy="5649234"/>
           </a:xfrm>
         </p:spPr>
       </p:pic>
-    </p:spTree>
-    <p:extLst>
-      <p:ext uri="{BB962C8B-B14F-4D97-AF65-F5344CB8AC3E}">
-        <p14:creationId xmlns:p14="http://schemas.microsoft.com/office/powerpoint/2010/main" val="3719135727"/>
-      </p:ext>
-    </p:extLst>
-  </p:cSld>
-  <p:clrMapOvr>
-    <a:masterClrMapping/>
-  </p:clrMapOvr>
-</p:sld>
-</file>
-
-<file path=ppt/slides/slide12.xml><?xml version="1.0" encoding="utf-8"?>
-<p:sld xmlns:a="http://schemas.openxmlformats.org/drawingml/2006/main" xmlns:r="http://schemas.openxmlformats.org/officeDocument/2006/relationships" xmlns:p="http://schemas.openxmlformats.org/presentationml/2006/main">
-  <p:cSld>
-    <p:spTree>
-      <p:nvGrpSpPr>
-        <p:cNvPr id="1" name=""/>
-        <p:cNvGrpSpPr/>
-        <p:nvPr/>
-      </p:nvGrpSpPr>
-      <p:grpSpPr>
-        <a:xfrm>
-          <a:off x="0" y="0"/>
-          <a:ext cx="0" cy="0"/>
-          <a:chOff x="0" y="0"/>
-          <a:chExt cx="0" cy="0"/>
-        </a:xfrm>
-      </p:grpSpPr>
-      <p:sp>
-        <p:nvSpPr>
-          <p:cNvPr id="2" name="タイトル 1">
+      <p:pic>
+        <p:nvPicPr>
+          <p:cNvPr id="7" name="図 6" descr="グラフィカル ユーザー インターフェイス, テキスト, アプリケーション, メール&#10;&#10;AI 生成コンテンツは誤りを含む可能性があります。">
             <a:extLst>
               <a:ext uri="{FF2B5EF4-FFF2-40B4-BE49-F238E27FC236}">
-                <a16:creationId xmlns:a16="http://schemas.microsoft.com/office/drawing/2014/main" id="{77DC25D8-6948-9ACC-B4C6-BA4791BCE29D}"/>
-              </a:ext>
-            </a:extLst>
-          </p:cNvPr>
-          <p:cNvSpPr>
-            <a:spLocks noGrp="1"/>
-          </p:cNvSpPr>
-          <p:nvPr>
-            <p:ph type="title"/>
-          </p:nvPr>
-        </p:nvSpPr>
-        <p:spPr/>
-        <p:txBody>
-          <a:bodyPr/>
-          <a:lstStyle/>
-          <a:p>
-            <a:r>
-              <a:rPr kumimoji="1" lang="ja-JP" altLang="en-US" sz="2800" dirty="0"/>
-              <a:t>画面レイアウト</a:t>
-            </a:r>
-            <a:br>
-              <a:rPr kumimoji="1" lang="en-US" altLang="ja-JP" dirty="0"/>
-            </a:br>
-            <a:r>
-              <a:rPr kumimoji="1" lang="ja-JP" altLang="en-US" sz="3600" u="sng" dirty="0"/>
-              <a:t>物理ノード関連</a:t>
-            </a:r>
-            <a:r>
-              <a:rPr lang="ja-JP" altLang="en-US" sz="3600" u="sng" dirty="0"/>
-              <a:t>ダッシュボード画面</a:t>
-            </a:r>
-            <a:endParaRPr kumimoji="1" lang="ja-JP" altLang="en-US" sz="3600" u="sng" dirty="0"/>
-          </a:p>
-        </p:txBody>
-      </p:sp>
-      <p:pic>
-        <p:nvPicPr>
-          <p:cNvPr id="5" name="コンテンツ プレースホルダー 4" descr="グラフィカル ユーザー インターフェイス, テキスト, アプリケーション, メール&#10;&#10;AI 生成コンテンツは誤りを含む可能性があります。">
-            <a:extLst>
-              <a:ext uri="{FF2B5EF4-FFF2-40B4-BE49-F238E27FC236}">
-                <a16:creationId xmlns:a16="http://schemas.microsoft.com/office/drawing/2014/main" id="{7C40EE0B-3A14-5631-2588-610259F63A5A}"/>
+                <a16:creationId xmlns:a16="http://schemas.microsoft.com/office/drawing/2014/main" id="{6E28CE41-87B5-CF90-4C2B-6DD9AF11A711}"/>
               </a:ext>
             </a:extLst>
           </p:cNvPr>
           <p:cNvPicPr>
-            <a:picLocks noGrp="1" noChangeAspect="1"/>
+            <a:picLocks noChangeAspect="1"/>
           </p:cNvPicPr>
-          <p:nvPr>
-            <p:ph sz="quarter" idx="13"/>
-          </p:nvPr>
+          <p:nvPr/>
         </p:nvPicPr>
         <p:blipFill>
-          <a:blip r:embed="rId2">
+          <a:blip r:embed="rId3">
             <a:extLst>
               <a:ext uri="{28A0092B-C50C-407E-A947-70E740481C1C}">
                 <a14:useLocalDpi xmlns:a14="http://schemas.microsoft.com/office/drawing/2010/main" val="0"/>
@@ -11254,94 +11061,30 @@
         </p:blipFill>
         <p:spPr>
           <a:xfrm>
-            <a:off x="838200" y="1777776"/>
-            <a:ext cx="10111740" cy="4417283"/>
+            <a:off x="3853703" y="604384"/>
+            <a:ext cx="4484594" cy="5649234"/>
           </a:xfrm>
+          <a:prstGeom prst="rect">
+            <a:avLst/>
+          </a:prstGeom>
         </p:spPr>
       </p:pic>
-    </p:spTree>
-    <p:extLst>
-      <p:ext uri="{BB962C8B-B14F-4D97-AF65-F5344CB8AC3E}">
-        <p14:creationId xmlns:p14="http://schemas.microsoft.com/office/powerpoint/2010/main" val="2581773688"/>
-      </p:ext>
-    </p:extLst>
-  </p:cSld>
-  <p:clrMapOvr>
-    <a:masterClrMapping/>
-  </p:clrMapOvr>
-</p:sld>
-</file>
-
-<file path=ppt/slides/slide13.xml><?xml version="1.0" encoding="utf-8"?>
-<p:sld xmlns:a="http://schemas.openxmlformats.org/drawingml/2006/main" xmlns:r="http://schemas.openxmlformats.org/officeDocument/2006/relationships" xmlns:p="http://schemas.openxmlformats.org/presentationml/2006/main">
-  <p:cSld>
-    <p:spTree>
-      <p:nvGrpSpPr>
-        <p:cNvPr id="1" name=""/>
-        <p:cNvGrpSpPr/>
-        <p:nvPr/>
-      </p:nvGrpSpPr>
-      <p:grpSpPr>
-        <a:xfrm>
-          <a:off x="0" y="0"/>
-          <a:ext cx="0" cy="0"/>
-          <a:chOff x="0" y="0"/>
-          <a:chExt cx="0" cy="0"/>
-        </a:xfrm>
-      </p:grpSpPr>
-      <p:sp>
-        <p:nvSpPr>
-          <p:cNvPr id="2" name="タイトル 1">
+      <p:pic>
+        <p:nvPicPr>
+          <p:cNvPr id="9" name="図 8" descr="テキスト&#10;&#10;AI 生成コンテンツは誤りを含む可能性があります。">
             <a:extLst>
               <a:ext uri="{FF2B5EF4-FFF2-40B4-BE49-F238E27FC236}">
-                <a16:creationId xmlns:a16="http://schemas.microsoft.com/office/drawing/2014/main" id="{4379499D-4E2E-6395-34EB-E76DC01CF110}"/>
-              </a:ext>
-            </a:extLst>
-          </p:cNvPr>
-          <p:cNvSpPr>
-            <a:spLocks noGrp="1"/>
-          </p:cNvSpPr>
-          <p:nvPr>
-            <p:ph type="title"/>
-          </p:nvPr>
-        </p:nvSpPr>
-        <p:spPr/>
-        <p:txBody>
-          <a:bodyPr/>
-          <a:lstStyle/>
-          <a:p>
-            <a:r>
-              <a:rPr kumimoji="1" lang="ja-JP" altLang="en-US" sz="2800" dirty="0"/>
-              <a:t>画面レイアウト</a:t>
-            </a:r>
-            <a:br>
-              <a:rPr kumimoji="1" lang="en-US" altLang="ja-JP" dirty="0"/>
-            </a:br>
-            <a:r>
-              <a:rPr kumimoji="1" lang="ja-JP" altLang="en-US" sz="3600" u="sng" dirty="0"/>
-              <a:t>利用者用ダッシュボード画面</a:t>
-            </a:r>
-          </a:p>
-        </p:txBody>
-      </p:sp>
-      <p:pic>
-        <p:nvPicPr>
-          <p:cNvPr id="5" name="コンテンツ プレースホルダー 4" descr="テーブル が含まれている画像">
-            <a:extLst>
-              <a:ext uri="{FF2B5EF4-FFF2-40B4-BE49-F238E27FC236}">
-                <a16:creationId xmlns:a16="http://schemas.microsoft.com/office/drawing/2014/main" id="{EF414F7A-9964-34A0-B91F-4FACD84996C3}"/>
+                <a16:creationId xmlns:a16="http://schemas.microsoft.com/office/drawing/2014/main" id="{51C1F25A-0D3F-E4B4-E37A-2F8E0EC06E0B}"/>
               </a:ext>
             </a:extLst>
           </p:cNvPr>
           <p:cNvPicPr>
-            <a:picLocks noGrp="1" noChangeAspect="1"/>
+            <a:picLocks noChangeAspect="1"/>
           </p:cNvPicPr>
-          <p:nvPr>
-            <p:ph sz="quarter" idx="13"/>
-          </p:nvPr>
+          <p:nvPr/>
         </p:nvPicPr>
         <p:blipFill>
-          <a:blip r:embed="rId2">
+          <a:blip r:embed="rId4">
             <a:extLst>
               <a:ext uri="{28A0092B-C50C-407E-A947-70E740481C1C}">
                 <a14:useLocalDpi xmlns:a14="http://schemas.microsoft.com/office/drawing/2010/main" val="0"/>
@@ -11354,221 +11097,160 @@
         </p:blipFill>
         <p:spPr>
           <a:xfrm>
-            <a:off x="838200" y="1632858"/>
-            <a:ext cx="10003971" cy="4604656"/>
+            <a:off x="3853703" y="604382"/>
+            <a:ext cx="4371975" cy="1476375"/>
           </a:xfrm>
+          <a:prstGeom prst="rect">
+            <a:avLst/>
+          </a:prstGeom>
         </p:spPr>
       </p:pic>
     </p:spTree>
     <p:extLst>
       <p:ext uri="{BB962C8B-B14F-4D97-AF65-F5344CB8AC3E}">
-        <p14:creationId xmlns:p14="http://schemas.microsoft.com/office/powerpoint/2010/main" val="3679207572"/>
+        <p14:creationId xmlns:p14="http://schemas.microsoft.com/office/powerpoint/2010/main" val="3135360517"/>
       </p:ext>
     </p:extLst>
   </p:cSld>
   <p:clrMapOvr>
     <a:masterClrMapping/>
   </p:clrMapOvr>
-</p:sld>
-</file>
-
-<file path=ppt/slides/slide14.xml><?xml version="1.0" encoding="utf-8"?>
-<p:sld xmlns:a="http://schemas.openxmlformats.org/drawingml/2006/main" xmlns:r="http://schemas.openxmlformats.org/officeDocument/2006/relationships" xmlns:p="http://schemas.openxmlformats.org/presentationml/2006/main">
-  <p:cSld>
-    <p:spTree>
-      <p:nvGrpSpPr>
-        <p:cNvPr id="1" name=""/>
-        <p:cNvGrpSpPr/>
-        <p:nvPr/>
-      </p:nvGrpSpPr>
-      <p:grpSpPr>
-        <a:xfrm>
-          <a:off x="0" y="0"/>
-          <a:ext cx="0" cy="0"/>
-          <a:chOff x="0" y="0"/>
-          <a:chExt cx="0" cy="0"/>
-        </a:xfrm>
-      </p:grpSpPr>
-      <p:sp>
-        <p:nvSpPr>
-          <p:cNvPr id="2" name="タイトル 1">
-            <a:extLst>
-              <a:ext uri="{FF2B5EF4-FFF2-40B4-BE49-F238E27FC236}">
-                <a16:creationId xmlns:a16="http://schemas.microsoft.com/office/drawing/2014/main" id="{50FA3A84-ED02-D675-82C5-0D0B250E177D}"/>
-              </a:ext>
-            </a:extLst>
-          </p:cNvPr>
-          <p:cNvSpPr>
-            <a:spLocks noGrp="1"/>
-          </p:cNvSpPr>
-          <p:nvPr>
-            <p:ph type="title"/>
-          </p:nvPr>
-        </p:nvSpPr>
-        <p:spPr/>
-        <p:txBody>
-          <a:bodyPr/>
-          <a:lstStyle/>
-          <a:p>
-            <a:r>
-              <a:rPr kumimoji="1" lang="ja-JP" altLang="en-US" sz="2800" dirty="0"/>
-              <a:t>画面レイアウト</a:t>
-            </a:r>
-            <a:br>
-              <a:rPr kumimoji="1" lang="en-US" altLang="ja-JP" dirty="0"/>
-            </a:br>
-            <a:r>
-              <a:rPr kumimoji="1" lang="ja-JP" altLang="en-US" sz="3600" u="sng" dirty="0"/>
-              <a:t>仮想マシン管理ダッシュボード画面</a:t>
-            </a:r>
-          </a:p>
-        </p:txBody>
-      </p:sp>
-      <p:pic>
-        <p:nvPicPr>
-          <p:cNvPr id="5" name="コンテンツ プレースホルダー 4" descr="グラフィカル ユーザー インターフェイス, アプリケーション&#10;&#10;AI 生成コンテンツは誤りを含む可能性があります。">
-            <a:extLst>
-              <a:ext uri="{FF2B5EF4-FFF2-40B4-BE49-F238E27FC236}">
-                <a16:creationId xmlns:a16="http://schemas.microsoft.com/office/drawing/2014/main" id="{2B30F296-B02B-493F-B656-56866ED63269}"/>
-              </a:ext>
-            </a:extLst>
-          </p:cNvPr>
-          <p:cNvPicPr>
-            <a:picLocks noGrp="1" noChangeAspect="1"/>
-          </p:cNvPicPr>
-          <p:nvPr>
-            <p:ph sz="quarter" idx="13"/>
-          </p:nvPr>
-        </p:nvPicPr>
-        <p:blipFill>
-          <a:blip r:embed="rId2">
-            <a:extLst>
-              <a:ext uri="{28A0092B-C50C-407E-A947-70E740481C1C}">
-                <a14:useLocalDpi xmlns:a14="http://schemas.microsoft.com/office/drawing/2010/main" val="0"/>
-              </a:ext>
-            </a:extLst>
-          </a:blip>
-          <a:stretch>
-            <a:fillRect/>
-          </a:stretch>
-        </p:blipFill>
-        <p:spPr>
-          <a:xfrm>
-            <a:off x="838200" y="1691640"/>
-            <a:ext cx="10751820" cy="4994909"/>
-          </a:xfrm>
-        </p:spPr>
-      </p:pic>
-    </p:spTree>
-    <p:extLst>
-      <p:ext uri="{BB962C8B-B14F-4D97-AF65-F5344CB8AC3E}">
-        <p14:creationId xmlns:p14="http://schemas.microsoft.com/office/powerpoint/2010/main" val="1721121268"/>
-      </p:ext>
-    </p:extLst>
-  </p:cSld>
-  <p:clrMapOvr>
-    <a:masterClrMapping/>
-  </p:clrMapOvr>
-</p:sld>
-</file>
-
-<file path=ppt/slides/slide15.xml><?xml version="1.0" encoding="utf-8"?>
-<p:sld xmlns:a="http://schemas.openxmlformats.org/drawingml/2006/main" xmlns:r="http://schemas.openxmlformats.org/officeDocument/2006/relationships" xmlns:p="http://schemas.openxmlformats.org/presentationml/2006/main">
-  <p:cSld>
-    <p:spTree>
-      <p:nvGrpSpPr>
-        <p:cNvPr id="1" name=""/>
-        <p:cNvGrpSpPr/>
-        <p:nvPr/>
-      </p:nvGrpSpPr>
-      <p:grpSpPr>
-        <a:xfrm>
-          <a:off x="0" y="0"/>
-          <a:ext cx="0" cy="0"/>
-          <a:chOff x="0" y="0"/>
-          <a:chExt cx="0" cy="0"/>
-        </a:xfrm>
-      </p:grpSpPr>
-      <p:sp>
-        <p:nvSpPr>
-          <p:cNvPr id="2" name="タイトル 1">
-            <a:extLst>
-              <a:ext uri="{FF2B5EF4-FFF2-40B4-BE49-F238E27FC236}">
-                <a16:creationId xmlns:a16="http://schemas.microsoft.com/office/drawing/2014/main" id="{85DEDF33-14C9-D978-1FFF-25FFAE2879E3}"/>
-              </a:ext>
-            </a:extLst>
-          </p:cNvPr>
-          <p:cNvSpPr>
-            <a:spLocks noGrp="1"/>
-          </p:cNvSpPr>
-          <p:nvPr>
-            <p:ph type="title"/>
-          </p:nvPr>
-        </p:nvSpPr>
-        <p:spPr/>
-        <p:txBody>
-          <a:bodyPr/>
-          <a:lstStyle/>
-          <a:p>
-            <a:r>
-              <a:rPr kumimoji="1" lang="ja-JP" altLang="en-US" sz="2800" dirty="0"/>
-              <a:t>画面レイアウト</a:t>
-            </a:r>
-            <a:br>
-              <a:rPr kumimoji="1" lang="en-US" altLang="ja-JP" dirty="0"/>
-            </a:br>
-            <a:r>
-              <a:rPr kumimoji="1" lang="ja-JP" altLang="en-US" sz="3600" u="sng" dirty="0"/>
-              <a:t>仮想マシン作成画面</a:t>
-            </a:r>
-          </a:p>
-        </p:txBody>
-      </p:sp>
-      <p:pic>
-        <p:nvPicPr>
-          <p:cNvPr id="9" name="コンテンツ プレースホルダー 8" descr="グラフィカル ユーザー インターフェイス, アプリケーション">
-            <a:extLst>
-              <a:ext uri="{FF2B5EF4-FFF2-40B4-BE49-F238E27FC236}">
-                <a16:creationId xmlns:a16="http://schemas.microsoft.com/office/drawing/2014/main" id="{34619503-48B0-55FD-A9CE-0336F2FEBF09}"/>
-              </a:ext>
-            </a:extLst>
-          </p:cNvPr>
-          <p:cNvPicPr>
-            <a:picLocks noGrp="1" noChangeAspect="1"/>
-          </p:cNvPicPr>
-          <p:nvPr>
-            <p:ph sz="quarter" idx="13"/>
-          </p:nvPr>
-        </p:nvPicPr>
-        <p:blipFill>
-          <a:blip r:embed="rId2">
-            <a:extLst>
-              <a:ext uri="{28A0092B-C50C-407E-A947-70E740481C1C}">
-                <a14:useLocalDpi xmlns:a14="http://schemas.microsoft.com/office/drawing/2010/main" val="0"/>
-              </a:ext>
-            </a:extLst>
-          </a:blip>
-          <a:stretch>
-            <a:fillRect/>
-          </a:stretch>
-        </p:blipFill>
-        <p:spPr>
-          <a:xfrm>
-            <a:off x="5464630" y="304803"/>
-            <a:ext cx="6106884" cy="6411683"/>
-          </a:xfrm>
-        </p:spPr>
-      </p:pic>
-    </p:spTree>
-    <p:extLst>
-      <p:ext uri="{BB962C8B-B14F-4D97-AF65-F5344CB8AC3E}">
-        <p14:creationId xmlns:p14="http://schemas.microsoft.com/office/powerpoint/2010/main" val="758689805"/>
-      </p:ext>
-    </p:extLst>
-  </p:cSld>
-  <p:clrMapOvr>
-    <a:masterClrMapping/>
-  </p:clrMapOvr>
+  <p:timing>
+    <p:tnLst>
+      <p:par>
+        <p:cTn id="1" dur="indefinite" restart="never" nodeType="tmRoot">
+          <p:childTnLst>
+            <p:seq concurrent="1" nextAc="seek">
+              <p:cTn id="2" dur="indefinite" nodeType="mainSeq">
+                <p:childTnLst>
+                  <p:par>
+                    <p:cTn id="3" fill="hold">
+                      <p:stCondLst>
+                        <p:cond delay="indefinite"/>
+                      </p:stCondLst>
+                      <p:childTnLst>
+                        <p:par>
+                          <p:cTn id="4" fill="hold">
+                            <p:stCondLst>
+                              <p:cond delay="0"/>
+                            </p:stCondLst>
+                            <p:childTnLst>
+                              <p:par>
+                                <p:cTn id="5" presetID="10" presetClass="entr" presetSubtype="0" fill="hold" nodeType="clickEffect">
+                                  <p:stCondLst>
+                                    <p:cond delay="0"/>
+                                  </p:stCondLst>
+                                  <p:childTnLst>
+                                    <p:set>
+                                      <p:cBhvr>
+                                        <p:cTn id="6" dur="1" fill="hold">
+                                          <p:stCondLst>
+                                            <p:cond delay="0"/>
+                                          </p:stCondLst>
+                                        </p:cTn>
+                                        <p:tgtEl>
+                                          <p:spTgt spid="7"/>
+                                        </p:tgtEl>
+                                        <p:attrNameLst>
+                                          <p:attrName>style.visibility</p:attrName>
+                                        </p:attrNameLst>
+                                      </p:cBhvr>
+                                      <p:to>
+                                        <p:strVal val="visible"/>
+                                      </p:to>
+                                    </p:set>
+                                    <p:animEffect transition="in" filter="fade">
+                                      <p:cBhvr>
+                                        <p:cTn id="7" dur="500"/>
+                                        <p:tgtEl>
+                                          <p:spTgt spid="7"/>
+                                        </p:tgtEl>
+                                      </p:cBhvr>
+                                    </p:animEffect>
+                                  </p:childTnLst>
+                                </p:cTn>
+                              </p:par>
+                            </p:childTnLst>
+                          </p:cTn>
+                        </p:par>
+                      </p:childTnLst>
+                    </p:cTn>
+                  </p:par>
+                  <p:par>
+                    <p:cTn id="8" fill="hold">
+                      <p:stCondLst>
+                        <p:cond delay="indefinite"/>
+                      </p:stCondLst>
+                      <p:childTnLst>
+                        <p:par>
+                          <p:cTn id="9" fill="hold">
+                            <p:stCondLst>
+                              <p:cond delay="0"/>
+                            </p:stCondLst>
+                            <p:childTnLst>
+                              <p:par>
+                                <p:cTn id="10" presetID="10" presetClass="entr" presetSubtype="0" fill="hold" nodeType="clickEffect">
+                                  <p:stCondLst>
+                                    <p:cond delay="0"/>
+                                  </p:stCondLst>
+                                  <p:childTnLst>
+                                    <p:set>
+                                      <p:cBhvr>
+                                        <p:cTn id="11" dur="1" fill="hold">
+                                          <p:stCondLst>
+                                            <p:cond delay="0"/>
+                                          </p:stCondLst>
+                                        </p:cTn>
+                                        <p:tgtEl>
+                                          <p:spTgt spid="9"/>
+                                        </p:tgtEl>
+                                        <p:attrNameLst>
+                                          <p:attrName>style.visibility</p:attrName>
+                                        </p:attrNameLst>
+                                      </p:cBhvr>
+                                      <p:to>
+                                        <p:strVal val="visible"/>
+                                      </p:to>
+                                    </p:set>
+                                    <p:animEffect transition="in" filter="fade">
+                                      <p:cBhvr>
+                                        <p:cTn id="12" dur="500"/>
+                                        <p:tgtEl>
+                                          <p:spTgt spid="9"/>
+                                        </p:tgtEl>
+                                      </p:cBhvr>
+                                    </p:animEffect>
+                                  </p:childTnLst>
+                                </p:cTn>
+                              </p:par>
+                            </p:childTnLst>
+                          </p:cTn>
+                        </p:par>
+                      </p:childTnLst>
+                    </p:cTn>
+                  </p:par>
+                </p:childTnLst>
+              </p:cTn>
+              <p:prevCondLst>
+                <p:cond evt="onPrev" delay="0">
+                  <p:tgtEl>
+                    <p:sldTgt/>
+                  </p:tgtEl>
+                </p:cond>
+              </p:prevCondLst>
+              <p:nextCondLst>
+                <p:cond evt="onNext" delay="0">
+                  <p:tgtEl>
+                    <p:sldTgt/>
+                  </p:tgtEl>
+                </p:cond>
+              </p:nextCondLst>
+            </p:seq>
+          </p:childTnLst>
+        </p:cTn>
+      </p:par>
+    </p:tnLst>
+  </p:timing>
 </p:sld>
 </file>
 
@@ -11641,8 +11323,8 @@
         </p:nvSpPr>
         <p:spPr>
           <a:xfrm>
-            <a:off x="373805" y="1462411"/>
-            <a:ext cx="6676828" cy="707886"/>
+            <a:off x="373805" y="1770187"/>
+            <a:ext cx="9793452" cy="400110"/>
           </a:xfrm>
           <a:prstGeom prst="rect">
             <a:avLst/>
@@ -11650,7 +11332,7 @@
           <a:noFill/>
         </p:spPr>
         <p:txBody>
-          <a:bodyPr wrap="none" lIns="91440" tIns="45720" rIns="91440" bIns="45720" rtlCol="0" anchor="t">
+          <a:bodyPr wrap="square" lIns="91440" tIns="45720" rIns="91440" bIns="45720" rtlCol="0" anchor="t">
             <a:spAutoFit/>
           </a:bodyPr>
           <a:lstStyle/>
@@ -11674,20 +11356,7 @@
                 <a:latin typeface="ＭＳ Ｐゴシック"/>
                 <a:ea typeface="ＭＳ Ｐゴシック"/>
               </a:rPr>
-              <a:t>など、マシンリソースはあるが、</a:t>
-            </a:r>
-            <a:endParaRPr lang="en-US" altLang="ja-JP" sz="2000" dirty="0">
-              <a:latin typeface="ＭＳ Ｐゴシック"/>
-              <a:ea typeface="ＭＳ Ｐゴシック"/>
-            </a:endParaRPr>
-          </a:p>
-          <a:p>
-            <a:r>
-              <a:rPr kumimoji="1" lang="ja-JP" altLang="en-US" sz="2000" dirty="0">
-                <a:latin typeface="ＭＳ Ｐゴシック"/>
-                <a:ea typeface="ＭＳ Ｐゴシック"/>
-              </a:rPr>
-              <a:t>活用できていない人間がいる</a:t>
+              <a:t>など、マシンリソースはあるが、活用できていない人間がいる</a:t>
             </a:r>
             <a:endParaRPr lang="ja-JP" altLang="en-US" sz="2000" dirty="0">
               <a:latin typeface="ＭＳ Ｐゴシック"/>
@@ -11710,7 +11379,7 @@
         </p:nvSpPr>
         <p:spPr>
           <a:xfrm>
-            <a:off x="373805" y="2361846"/>
+            <a:off x="373805" y="3036761"/>
             <a:ext cx="8874545" cy="1015663"/>
           </a:xfrm>
           <a:prstGeom prst="rect">
@@ -11791,7 +11460,7 @@
         </p:nvSpPr>
         <p:spPr>
           <a:xfrm>
-            <a:off x="373805" y="3569059"/>
+            <a:off x="373805" y="4918888"/>
             <a:ext cx="11549827" cy="707886"/>
           </a:xfrm>
           <a:prstGeom prst="rect">
@@ -11873,7 +11542,7 @@
         <p:spPr>
           <a:xfrm>
             <a:off x="549073" y="499174"/>
-            <a:ext cx="5537093" cy="707886"/>
+            <a:ext cx="6050054" cy="707886"/>
           </a:xfrm>
           <a:prstGeom prst="rect">
             <a:avLst/>
@@ -11891,7 +11560,7 @@
                 <a:latin typeface="ＭＳ Ｐゴシック" panose="020B0600070205080204" pitchFamily="50" charset="-128"/>
                 <a:ea typeface="ＭＳ Ｐゴシック" panose="020B0600070205080204" pitchFamily="50" charset="-128"/>
               </a:rPr>
-              <a:t>提供可能になるサービス</a:t>
+              <a:t>提供可能になるサービス例</a:t>
             </a:r>
           </a:p>
         </p:txBody>
@@ -11911,7 +11580,7 @@
         <p:spPr>
           <a:xfrm>
             <a:off x="528733" y="2942726"/>
-            <a:ext cx="10908756" cy="1446550"/>
+            <a:ext cx="10908756" cy="1169551"/>
           </a:xfrm>
           <a:prstGeom prst="rect">
             <a:avLst/>
@@ -11968,15 +11637,6 @@
           </a:p>
           <a:p>
             <a:r>
-              <a:rPr kumimoji="1" lang="ja-JP" altLang="en-US" dirty="0">
-                <a:latin typeface="ＭＳ Ｐゴシック" panose="020B0600070205080204" pitchFamily="50" charset="-128"/>
-                <a:ea typeface="ＭＳ Ｐゴシック" panose="020B0600070205080204" pitchFamily="50" charset="-128"/>
-              </a:rPr>
-              <a:t>   簡単に自分の開発したソフトウェアやシステムを公開し、採用担当者へアピールできる</a:t>
-            </a:r>
-          </a:p>
-          <a:p>
-            <a:r>
               <a:rPr kumimoji="1" lang="en-US" altLang="ja-JP" sz="2400" b="1" u="sng" dirty="0">
                 <a:solidFill>
                   <a:srgbClr val="FF0000"/>
@@ -12014,7 +11674,7 @@
         <p:spPr>
           <a:xfrm>
             <a:off x="528733" y="1223127"/>
-            <a:ext cx="11574002" cy="1723549"/>
+            <a:ext cx="11574002" cy="1446550"/>
           </a:xfrm>
           <a:prstGeom prst="rect">
             <a:avLst/>
@@ -12028,28 +11688,28 @@
           <a:lstStyle/>
           <a:p>
             <a:r>
-              <a:rPr kumimoji="1" lang="ja-JP" altLang="en-US" sz="2800">
+              <a:rPr kumimoji="1" lang="ja-JP" altLang="en-US" sz="2800" dirty="0">
                 <a:latin typeface="ＭＳ Ｐゴシック"/>
                 <a:ea typeface="ＭＳ Ｐゴシック"/>
               </a:rPr>
               <a:t>・1</a:t>
             </a:r>
             <a:r>
-              <a:rPr kumimoji="1" lang="en-US" altLang="ja-JP" sz="2800">
+              <a:rPr kumimoji="1" lang="en-US" altLang="ja-JP" sz="2800" dirty="0">
                 <a:latin typeface="ＭＳ Ｐゴシック"/>
                 <a:ea typeface="ＭＳ Ｐゴシック"/>
               </a:rPr>
               <a:t>.</a:t>
             </a:r>
             <a:r>
-              <a:rPr kumimoji="1" lang="ja-JP" altLang="en-US" sz="2800">
+              <a:rPr kumimoji="1" lang="ja-JP" altLang="en-US" sz="2800" dirty="0">
                 <a:latin typeface="ＭＳ Ｐゴシック"/>
                 <a:ea typeface="ＭＳ Ｐゴシック"/>
               </a:rPr>
               <a:t>仮想コンピューティング環境の提供</a:t>
             </a:r>
             <a:r>
-              <a:rPr kumimoji="1" lang="en-US" altLang="ja-JP" sz="2800">
+              <a:rPr kumimoji="1" lang="en-US" altLang="ja-JP" sz="2800" dirty="0">
                 <a:latin typeface="ＭＳ Ｐゴシック"/>
                 <a:ea typeface="ＭＳ Ｐゴシック"/>
               </a:rPr>
@@ -12058,60 +11718,47 @@
           </a:p>
           <a:p>
             <a:r>
-              <a:rPr kumimoji="1" lang="ja-JP" altLang="en-US">
+              <a:rPr kumimoji="1" lang="ja-JP" altLang="en-US" dirty="0">
                 <a:latin typeface="ＭＳ Ｐゴシック" panose="020B0600070205080204" pitchFamily="50" charset="-128"/>
                 <a:ea typeface="ＭＳ Ｐゴシック" panose="020B0600070205080204" pitchFamily="50" charset="-128"/>
               </a:rPr>
               <a:t>→</a:t>
             </a:r>
             <a:r>
-              <a:rPr kumimoji="1" lang="en-US" altLang="ja-JP">
+              <a:rPr kumimoji="1" lang="en-US" altLang="ja-JP" dirty="0">
                 <a:latin typeface="ＭＳ Ｐゴシック" panose="020B0600070205080204" pitchFamily="50" charset="-128"/>
                 <a:ea typeface="ＭＳ Ｐゴシック" panose="020B0600070205080204" pitchFamily="50" charset="-128"/>
               </a:rPr>
               <a:t>GUI</a:t>
             </a:r>
             <a:r>
-              <a:rPr kumimoji="1" lang="ja-JP" altLang="en-US">
+              <a:rPr kumimoji="1" lang="ja-JP" altLang="en-US" dirty="0">
                 <a:latin typeface="ＭＳ Ｐゴシック" panose="020B0600070205080204" pitchFamily="50" charset="-128"/>
                 <a:ea typeface="ＭＳ Ｐゴシック" panose="020B0600070205080204" pitchFamily="50" charset="-128"/>
               </a:rPr>
               <a:t>から仮想マシンを作成、予め用意されたイメージを利用して高速に構築など、</a:t>
             </a:r>
-            <a:endParaRPr kumimoji="1" lang="en-US" altLang="ja-JP">
+            <a:endParaRPr kumimoji="1" lang="en-US" altLang="ja-JP" dirty="0">
               <a:latin typeface="ＭＳ Ｐゴシック" panose="020B0600070205080204" pitchFamily="50" charset="-128"/>
               <a:ea typeface="ＭＳ Ｐゴシック" panose="020B0600070205080204" pitchFamily="50" charset="-128"/>
             </a:endParaRPr>
           </a:p>
           <a:p>
             <a:r>
-              <a:rPr kumimoji="1" lang="ja-JP" altLang="en-US">
+              <a:rPr kumimoji="1" lang="ja-JP" altLang="en-US" dirty="0">
                 <a:latin typeface="ＭＳ Ｐゴシック" panose="020B0600070205080204" pitchFamily="50" charset="-128"/>
                 <a:ea typeface="ＭＳ Ｐゴシック" panose="020B0600070205080204" pitchFamily="50" charset="-128"/>
               </a:rPr>
               <a:t>   パブリッククラウドで提供されているような仮想コンピューティング環境を提供できるサービス</a:t>
             </a:r>
-            <a:endParaRPr kumimoji="1" lang="en-US" altLang="ja-JP">
+            <a:endParaRPr kumimoji="1" lang="en-US" altLang="ja-JP" dirty="0">
               <a:latin typeface="ＭＳ Ｐゴシック" panose="020B0600070205080204" pitchFamily="50" charset="-128"/>
               <a:ea typeface="ＭＳ Ｐゴシック" panose="020B0600070205080204" pitchFamily="50" charset="-128"/>
             </a:endParaRPr>
           </a:p>
           <a:p>
             <a:r>
-              <a:rPr kumimoji="1" lang="ja-JP" altLang="en-US">
-                <a:latin typeface="ＭＳ Ｐゴシック" panose="020B0600070205080204" pitchFamily="50" charset="-128"/>
-                <a:ea typeface="ＭＳ Ｐゴシック" panose="020B0600070205080204" pitchFamily="50" charset="-128"/>
-              </a:rPr>
-              <a:t>   リモート環境への公開経験は、就職活動においても大きなアドバンテージとなるはず</a:t>
-            </a:r>
-            <a:endParaRPr kumimoji="1" lang="en-US" altLang="ja-JP">
-              <a:latin typeface="ＭＳ Ｐゴシック" panose="020B0600070205080204" pitchFamily="50" charset="-128"/>
-              <a:ea typeface="ＭＳ Ｐゴシック" panose="020B0600070205080204" pitchFamily="50" charset="-128"/>
-            </a:endParaRPr>
-          </a:p>
-          <a:p>
-            <a:r>
-              <a:rPr kumimoji="1" lang="en-US" altLang="ja-JP" sz="2400" b="1" u="sng">
+              <a:rPr kumimoji="1" lang="en-US" altLang="ja-JP" sz="2400" b="1" u="sng" dirty="0">
                 <a:solidFill>
                   <a:srgbClr val="FF0000"/>
                 </a:solidFill>
@@ -12121,7 +11768,7 @@
               <a:t>=&gt;</a:t>
             </a:r>
             <a:r>
-              <a:rPr kumimoji="1" lang="ja-JP" altLang="en-US" sz="2400" b="1" u="sng">
+              <a:rPr kumimoji="1" lang="ja-JP" altLang="en-US" sz="2400" b="1" u="sng" dirty="0">
                 <a:solidFill>
                   <a:srgbClr val="FF0000"/>
                 </a:solidFill>
@@ -12148,7 +11795,7 @@
         <p:spPr>
           <a:xfrm>
             <a:off x="534962" y="4380748"/>
-            <a:ext cx="11574002" cy="1723549"/>
+            <a:ext cx="11574002" cy="1446550"/>
           </a:xfrm>
           <a:prstGeom prst="rect">
             <a:avLst/>
@@ -12162,28 +11809,28 @@
           <a:lstStyle/>
           <a:p>
             <a:r>
-              <a:rPr kumimoji="1" lang="ja-JP" altLang="en-US" sz="2800">
+              <a:rPr kumimoji="1" lang="ja-JP" altLang="en-US" sz="2800" dirty="0">
                 <a:latin typeface="ＭＳ Ｐゴシック" panose="020B0600070205080204" pitchFamily="50" charset="-128"/>
                 <a:ea typeface="ＭＳ Ｐゴシック" panose="020B0600070205080204" pitchFamily="50" charset="-128"/>
               </a:rPr>
               <a:t>・</a:t>
             </a:r>
             <a:r>
-              <a:rPr kumimoji="1" lang="en-US" altLang="ja-JP" sz="2800">
+              <a:rPr kumimoji="1" lang="en-US" altLang="ja-JP" sz="2800" dirty="0">
                 <a:latin typeface="ＭＳ Ｐゴシック" panose="020B0600070205080204" pitchFamily="50" charset="-128"/>
                 <a:ea typeface="ＭＳ Ｐゴシック" panose="020B0600070205080204" pitchFamily="50" charset="-128"/>
               </a:rPr>
               <a:t>3.</a:t>
             </a:r>
             <a:r>
-              <a:rPr kumimoji="1" lang="ja-JP" altLang="en-US" sz="2800">
+              <a:rPr kumimoji="1" lang="ja-JP" altLang="en-US" sz="2800" dirty="0">
                 <a:latin typeface="ＭＳ Ｐゴシック" panose="020B0600070205080204" pitchFamily="50" charset="-128"/>
                 <a:ea typeface="ＭＳ Ｐゴシック" panose="020B0600070205080204" pitchFamily="50" charset="-128"/>
               </a:rPr>
               <a:t>ゲームサーバー作成機能の提供</a:t>
             </a:r>
             <a:r>
-              <a:rPr kumimoji="1" lang="en-US" altLang="ja-JP" sz="2800">
+              <a:rPr kumimoji="1" lang="en-US" altLang="ja-JP" sz="2800" dirty="0">
                 <a:latin typeface="ＭＳ Ｐゴシック" panose="020B0600070205080204" pitchFamily="50" charset="-128"/>
                 <a:ea typeface="ＭＳ Ｐゴシック" panose="020B0600070205080204" pitchFamily="50" charset="-128"/>
               </a:rPr>
@@ -12192,88 +11839,75 @@
           </a:p>
           <a:p>
             <a:r>
-              <a:rPr kumimoji="1" lang="ja-JP" altLang="en-US">
+              <a:rPr kumimoji="1" lang="ja-JP" altLang="en-US" dirty="0">
                 <a:latin typeface="ＭＳ Ｐゴシック" panose="020B0600070205080204" pitchFamily="50" charset="-128"/>
                 <a:ea typeface="ＭＳ Ｐゴシック" panose="020B0600070205080204" pitchFamily="50" charset="-128"/>
               </a:rPr>
               <a:t>→</a:t>
             </a:r>
             <a:r>
-              <a:rPr kumimoji="1" lang="en-US" altLang="ja-JP">
+              <a:rPr kumimoji="1" lang="en-US" altLang="ja-JP" dirty="0">
                 <a:latin typeface="ＭＳ Ｐゴシック" panose="020B0600070205080204" pitchFamily="50" charset="-128"/>
                 <a:ea typeface="ＭＳ Ｐゴシック" panose="020B0600070205080204" pitchFamily="50" charset="-128"/>
               </a:rPr>
               <a:t>Minecraft</a:t>
             </a:r>
             <a:r>
-              <a:rPr kumimoji="1" lang="ja-JP" altLang="en-US">
+              <a:rPr kumimoji="1" lang="ja-JP" altLang="en-US" dirty="0">
                 <a:latin typeface="ＭＳ Ｐゴシック" panose="020B0600070205080204" pitchFamily="50" charset="-128"/>
                 <a:ea typeface="ＭＳ Ｐゴシック" panose="020B0600070205080204" pitchFamily="50" charset="-128"/>
               </a:rPr>
               <a:t>、</a:t>
             </a:r>
             <a:r>
-              <a:rPr kumimoji="1" lang="en-US" altLang="ja-JP" err="1">
+              <a:rPr kumimoji="1" lang="en-US" altLang="ja-JP" dirty="0" err="1">
                 <a:latin typeface="ＭＳ Ｐゴシック" panose="020B0600070205080204" pitchFamily="50" charset="-128"/>
                 <a:ea typeface="ＭＳ Ｐゴシック" panose="020B0600070205080204" pitchFamily="50" charset="-128"/>
               </a:rPr>
               <a:t>PalWorld</a:t>
             </a:r>
             <a:r>
-              <a:rPr kumimoji="1" lang="ja-JP" altLang="en-US">
+              <a:rPr kumimoji="1" lang="ja-JP" altLang="en-US" dirty="0">
                 <a:latin typeface="ＭＳ Ｐゴシック" panose="020B0600070205080204" pitchFamily="50" charset="-128"/>
                 <a:ea typeface="ＭＳ Ｐゴシック" panose="020B0600070205080204" pitchFamily="50" charset="-128"/>
               </a:rPr>
               <a:t>、</a:t>
             </a:r>
             <a:r>
-              <a:rPr kumimoji="1" lang="en-US" altLang="ja-JP">
+              <a:rPr kumimoji="1" lang="en-US" altLang="ja-JP" dirty="0">
                 <a:latin typeface="ＭＳ Ｐゴシック" panose="020B0600070205080204" pitchFamily="50" charset="-128"/>
                 <a:ea typeface="ＭＳ Ｐゴシック" panose="020B0600070205080204" pitchFamily="50" charset="-128"/>
               </a:rPr>
               <a:t>Ark</a:t>
             </a:r>
             <a:r>
-              <a:rPr kumimoji="1" lang="ja-JP" altLang="en-US">
+              <a:rPr kumimoji="1" lang="ja-JP" altLang="en-US" dirty="0">
                 <a:latin typeface="ＭＳ Ｐゴシック" panose="020B0600070205080204" pitchFamily="50" charset="-128"/>
                 <a:ea typeface="ＭＳ Ｐゴシック" panose="020B0600070205080204" pitchFamily="50" charset="-128"/>
               </a:rPr>
               <a:t>など、マルチプレイ時に専用のサーバーが必要なゲームがある</a:t>
             </a:r>
-            <a:endParaRPr kumimoji="1" lang="en-US" altLang="ja-JP">
+            <a:endParaRPr kumimoji="1" lang="en-US" altLang="ja-JP" dirty="0">
               <a:latin typeface="ＭＳ Ｐゴシック" panose="020B0600070205080204" pitchFamily="50" charset="-128"/>
               <a:ea typeface="ＭＳ Ｐゴシック" panose="020B0600070205080204" pitchFamily="50" charset="-128"/>
             </a:endParaRPr>
           </a:p>
           <a:p>
             <a:r>
-              <a:rPr kumimoji="1" lang="ja-JP" altLang="en-US">
+              <a:rPr kumimoji="1" lang="ja-JP" altLang="en-US" dirty="0">
                 <a:latin typeface="ＭＳ Ｐゴシック" panose="020B0600070205080204" pitchFamily="50" charset="-128"/>
                 <a:ea typeface="ＭＳ Ｐゴシック" panose="020B0600070205080204" pitchFamily="50" charset="-128"/>
               </a:rPr>
               <a:t>   このようなゲームをプレイするためのサーバーを、簡単に構築、実行できるサービスの提供</a:t>
             </a:r>
-            <a:endParaRPr kumimoji="1" lang="en-US" altLang="ja-JP">
+            <a:endParaRPr kumimoji="1" lang="en-US" altLang="ja-JP" dirty="0">
               <a:latin typeface="ＭＳ Ｐゴシック" panose="020B0600070205080204" pitchFamily="50" charset="-128"/>
               <a:ea typeface="ＭＳ Ｐゴシック" panose="020B0600070205080204" pitchFamily="50" charset="-128"/>
             </a:endParaRPr>
           </a:p>
           <a:p>
             <a:r>
-              <a:rPr kumimoji="1" lang="ja-JP" altLang="en-US">
-                <a:latin typeface="ＭＳ Ｐゴシック" panose="020B0600070205080204" pitchFamily="50" charset="-128"/>
-                <a:ea typeface="ＭＳ Ｐゴシック" panose="020B0600070205080204" pitchFamily="50" charset="-128"/>
-              </a:rPr>
-              <a:t>   また、これを通してサーバー構築、開発への興味を深め、より深い学習につながる</a:t>
-            </a:r>
-            <a:endParaRPr kumimoji="1" lang="en-US" altLang="ja-JP">
-              <a:latin typeface="ＭＳ Ｐゴシック" panose="020B0600070205080204" pitchFamily="50" charset="-128"/>
-              <a:ea typeface="ＭＳ Ｐゴシック" panose="020B0600070205080204" pitchFamily="50" charset="-128"/>
-            </a:endParaRPr>
-          </a:p>
-          <a:p>
-            <a:r>
-              <a:rPr kumimoji="1" lang="en-US" altLang="ja-JP" sz="2400" b="1" u="sng">
+              <a:rPr kumimoji="1" lang="en-US" altLang="ja-JP" sz="2400" b="1" u="sng" dirty="0">
                 <a:solidFill>
                   <a:srgbClr val="FF0000"/>
                 </a:solidFill>
@@ -12283,7 +11917,7 @@
               <a:t>=&gt;</a:t>
             </a:r>
             <a:r>
-              <a:rPr kumimoji="1" lang="ja-JP" altLang="en-US" sz="2400" b="1" u="sng">
+              <a:rPr kumimoji="1" lang="ja-JP" altLang="en-US" sz="2400" b="1" u="sng" dirty="0">
                 <a:solidFill>
                   <a:srgbClr val="FF0000"/>
                 </a:solidFill>
@@ -13026,6 +12660,107 @@
           <a:chExt cx="0" cy="0"/>
         </a:xfrm>
       </p:grpSpPr>
+      <p:sp>
+        <p:nvSpPr>
+          <p:cNvPr id="2" name="タイトル 1">
+            <a:extLst>
+              <a:ext uri="{FF2B5EF4-FFF2-40B4-BE49-F238E27FC236}">
+                <a16:creationId xmlns:a16="http://schemas.microsoft.com/office/drawing/2014/main" id="{DB9E91FF-4C98-003E-AA39-0AE7961483AF}"/>
+              </a:ext>
+            </a:extLst>
+          </p:cNvPr>
+          <p:cNvSpPr>
+            <a:spLocks noGrp="1"/>
+          </p:cNvSpPr>
+          <p:nvPr>
+            <p:ph type="title"/>
+          </p:nvPr>
+        </p:nvSpPr>
+        <p:spPr/>
+        <p:txBody>
+          <a:bodyPr/>
+          <a:lstStyle/>
+          <a:p>
+            <a:r>
+              <a:rPr kumimoji="1" lang="ja-JP" altLang="en-US" sz="2800" dirty="0"/>
+              <a:t>画面レイアウト</a:t>
+            </a:r>
+            <a:br>
+              <a:rPr kumimoji="1" lang="en-US" altLang="ja-JP" dirty="0"/>
+            </a:br>
+            <a:r>
+              <a:rPr lang="ja-JP" altLang="en-US" sz="3600" u="sng" dirty="0"/>
+              <a:t>管理者用ダッシュボード画面</a:t>
+            </a:r>
+            <a:endParaRPr kumimoji="1" lang="ja-JP" altLang="en-US" sz="3600" u="sng" dirty="0"/>
+          </a:p>
+        </p:txBody>
+      </p:sp>
+      <p:pic>
+        <p:nvPicPr>
+          <p:cNvPr id="5" name="コンテンツ プレースホルダー 4" descr="グラフィカル ユーザー インターフェイス, テキスト, アプリケーション, チャットまたはテキスト メッセージ">
+            <a:extLst>
+              <a:ext uri="{FF2B5EF4-FFF2-40B4-BE49-F238E27FC236}">
+                <a16:creationId xmlns:a16="http://schemas.microsoft.com/office/drawing/2014/main" id="{FA237A76-39A4-86AB-314C-A31DA4530B19}"/>
+              </a:ext>
+            </a:extLst>
+          </p:cNvPr>
+          <p:cNvPicPr>
+            <a:picLocks noGrp="1" noChangeAspect="1"/>
+          </p:cNvPicPr>
+          <p:nvPr>
+            <p:ph sz="quarter" idx="13"/>
+          </p:nvPr>
+        </p:nvPicPr>
+        <p:blipFill>
+          <a:blip r:embed="rId2">
+            <a:extLst>
+              <a:ext uri="{28A0092B-C50C-407E-A947-70E740481C1C}">
+                <a14:useLocalDpi xmlns:a14="http://schemas.microsoft.com/office/drawing/2010/main" val="0"/>
+              </a:ext>
+            </a:extLst>
+          </a:blip>
+          <a:stretch>
+            <a:fillRect/>
+          </a:stretch>
+        </p:blipFill>
+        <p:spPr>
+          <a:xfrm>
+            <a:off x="838200" y="1603607"/>
+            <a:ext cx="10080171" cy="4579480"/>
+          </a:xfrm>
+        </p:spPr>
+      </p:pic>
+    </p:spTree>
+    <p:extLst>
+      <p:ext uri="{BB962C8B-B14F-4D97-AF65-F5344CB8AC3E}">
+        <p14:creationId xmlns:p14="http://schemas.microsoft.com/office/powerpoint/2010/main" val="3719135727"/>
+      </p:ext>
+    </p:extLst>
+  </p:cSld>
+  <p:clrMapOvr>
+    <a:masterClrMapping/>
+  </p:clrMapOvr>
+</p:sld>
+</file>
+
+<file path=ppt/slides/slide8.xml><?xml version="1.0" encoding="utf-8"?>
+<p:sld xmlns:a="http://schemas.openxmlformats.org/drawingml/2006/main" xmlns:r="http://schemas.openxmlformats.org/officeDocument/2006/relationships" xmlns:p="http://schemas.openxmlformats.org/presentationml/2006/main">
+  <p:cSld>
+    <p:spTree>
+      <p:nvGrpSpPr>
+        <p:cNvPr id="1" name=""/>
+        <p:cNvGrpSpPr/>
+        <p:nvPr/>
+      </p:nvGrpSpPr>
+      <p:grpSpPr>
+        <a:xfrm>
+          <a:off x="0" y="0"/>
+          <a:ext cx="0" cy="0"/>
+          <a:chOff x="0" y="0"/>
+          <a:chExt cx="0" cy="0"/>
+        </a:xfrm>
+      </p:grpSpPr>
       <p:pic>
         <p:nvPicPr>
           <p:cNvPr id="5" name="コンテンツ プレースホルダー 4" descr="グラフィカル ユーザー インターフェイス, テキスト, アプリケーション">
@@ -13138,279 +12873,6 @@
     <p:extLst>
       <p:ext uri="{BB962C8B-B14F-4D97-AF65-F5344CB8AC3E}">
         <p14:creationId xmlns:p14="http://schemas.microsoft.com/office/powerpoint/2010/main" val="1060228555"/>
-      </p:ext>
-    </p:extLst>
-  </p:cSld>
-  <p:clrMapOvr>
-    <a:masterClrMapping/>
-  </p:clrMapOvr>
-  <p:timing>
-    <p:tnLst>
-      <p:par>
-        <p:cTn id="1" dur="indefinite" restart="never" nodeType="tmRoot">
-          <p:childTnLst>
-            <p:seq concurrent="1" nextAc="seek">
-              <p:cTn id="2" dur="indefinite" nodeType="mainSeq">
-                <p:childTnLst>
-                  <p:par>
-                    <p:cTn id="3" fill="hold">
-                      <p:stCondLst>
-                        <p:cond delay="indefinite"/>
-                      </p:stCondLst>
-                      <p:childTnLst>
-                        <p:par>
-                          <p:cTn id="4" fill="hold">
-                            <p:stCondLst>
-                              <p:cond delay="0"/>
-                            </p:stCondLst>
-                            <p:childTnLst>
-                              <p:par>
-                                <p:cTn id="5" presetID="10" presetClass="entr" presetSubtype="0" fill="hold" nodeType="clickEffect">
-                                  <p:stCondLst>
-                                    <p:cond delay="0"/>
-                                  </p:stCondLst>
-                                  <p:childTnLst>
-                                    <p:set>
-                                      <p:cBhvr>
-                                        <p:cTn id="6" dur="1" fill="hold">
-                                          <p:stCondLst>
-                                            <p:cond delay="0"/>
-                                          </p:stCondLst>
-                                        </p:cTn>
-                                        <p:tgtEl>
-                                          <p:spTgt spid="7"/>
-                                        </p:tgtEl>
-                                        <p:attrNameLst>
-                                          <p:attrName>style.visibility</p:attrName>
-                                        </p:attrNameLst>
-                                      </p:cBhvr>
-                                      <p:to>
-                                        <p:strVal val="visible"/>
-                                      </p:to>
-                                    </p:set>
-                                    <p:animEffect transition="in" filter="fade">
-                                      <p:cBhvr>
-                                        <p:cTn id="7" dur="500"/>
-                                        <p:tgtEl>
-                                          <p:spTgt spid="7"/>
-                                        </p:tgtEl>
-                                      </p:cBhvr>
-                                    </p:animEffect>
-                                  </p:childTnLst>
-                                </p:cTn>
-                              </p:par>
-                            </p:childTnLst>
-                          </p:cTn>
-                        </p:par>
-                      </p:childTnLst>
-                    </p:cTn>
-                  </p:par>
-                  <p:par>
-                    <p:cTn id="8" fill="hold">
-                      <p:stCondLst>
-                        <p:cond delay="indefinite"/>
-                      </p:stCondLst>
-                      <p:childTnLst>
-                        <p:par>
-                          <p:cTn id="9" fill="hold">
-                            <p:stCondLst>
-                              <p:cond delay="0"/>
-                            </p:stCondLst>
-                            <p:childTnLst>
-                              <p:par>
-                                <p:cTn id="10" presetID="10" presetClass="entr" presetSubtype="0" fill="hold" nodeType="clickEffect">
-                                  <p:stCondLst>
-                                    <p:cond delay="0"/>
-                                  </p:stCondLst>
-                                  <p:childTnLst>
-                                    <p:set>
-                                      <p:cBhvr>
-                                        <p:cTn id="11" dur="1" fill="hold">
-                                          <p:stCondLst>
-                                            <p:cond delay="0"/>
-                                          </p:stCondLst>
-                                        </p:cTn>
-                                        <p:tgtEl>
-                                          <p:spTgt spid="9"/>
-                                        </p:tgtEl>
-                                        <p:attrNameLst>
-                                          <p:attrName>style.visibility</p:attrName>
-                                        </p:attrNameLst>
-                                      </p:cBhvr>
-                                      <p:to>
-                                        <p:strVal val="visible"/>
-                                      </p:to>
-                                    </p:set>
-                                    <p:animEffect transition="in" filter="fade">
-                                      <p:cBhvr>
-                                        <p:cTn id="12" dur="500"/>
-                                        <p:tgtEl>
-                                          <p:spTgt spid="9"/>
-                                        </p:tgtEl>
-                                      </p:cBhvr>
-                                    </p:animEffect>
-                                  </p:childTnLst>
-                                </p:cTn>
-                              </p:par>
-                            </p:childTnLst>
-                          </p:cTn>
-                        </p:par>
-                      </p:childTnLst>
-                    </p:cTn>
-                  </p:par>
-                </p:childTnLst>
-              </p:cTn>
-              <p:prevCondLst>
-                <p:cond evt="onPrev" delay="0">
-                  <p:tgtEl>
-                    <p:sldTgt/>
-                  </p:tgtEl>
-                </p:cond>
-              </p:prevCondLst>
-              <p:nextCondLst>
-                <p:cond evt="onNext" delay="0">
-                  <p:tgtEl>
-                    <p:sldTgt/>
-                  </p:tgtEl>
-                </p:cond>
-              </p:nextCondLst>
-            </p:seq>
-          </p:childTnLst>
-        </p:cTn>
-      </p:par>
-    </p:tnLst>
-  </p:timing>
-</p:sld>
-</file>
-
-<file path=ppt/slides/slide8.xml><?xml version="1.0" encoding="utf-8"?>
-<p:sld xmlns:a="http://schemas.openxmlformats.org/drawingml/2006/main" xmlns:r="http://schemas.openxmlformats.org/officeDocument/2006/relationships" xmlns:p="http://schemas.openxmlformats.org/presentationml/2006/main">
-  <p:cSld>
-    <p:spTree>
-      <p:nvGrpSpPr>
-        <p:cNvPr id="1" name=""/>
-        <p:cNvGrpSpPr/>
-        <p:nvPr/>
-      </p:nvGrpSpPr>
-      <p:grpSpPr>
-        <a:xfrm>
-          <a:off x="0" y="0"/>
-          <a:ext cx="0" cy="0"/>
-          <a:chOff x="0" y="0"/>
-          <a:chExt cx="0" cy="0"/>
-        </a:xfrm>
-      </p:grpSpPr>
-      <p:pic>
-        <p:nvPicPr>
-          <p:cNvPr id="5" name="コンテンツ プレースホルダー 4" descr="グラフィカル ユーザー インターフェイス, アプリケーション, Teams">
-            <a:extLst>
-              <a:ext uri="{FF2B5EF4-FFF2-40B4-BE49-F238E27FC236}">
-                <a16:creationId xmlns:a16="http://schemas.microsoft.com/office/drawing/2014/main" id="{7C5989B0-9C6E-4C0C-B4AC-7F26A6F1E6C0}"/>
-              </a:ext>
-            </a:extLst>
-          </p:cNvPr>
-          <p:cNvPicPr>
-            <a:picLocks noGrp="1" noChangeAspect="1"/>
-          </p:cNvPicPr>
-          <p:nvPr>
-            <p:ph sz="quarter" idx="13"/>
-          </p:nvPr>
-        </p:nvPicPr>
-        <p:blipFill>
-          <a:blip r:embed="rId2">
-            <a:extLst>
-              <a:ext uri="{28A0092B-C50C-407E-A947-70E740481C1C}">
-                <a14:useLocalDpi xmlns:a14="http://schemas.microsoft.com/office/drawing/2010/main" val="0"/>
-              </a:ext>
-            </a:extLst>
-          </a:blip>
-          <a:stretch>
-            <a:fillRect/>
-          </a:stretch>
-        </p:blipFill>
-        <p:spPr>
-          <a:xfrm>
-            <a:off x="1102014" y="604383"/>
-            <a:ext cx="9987971" cy="5649234"/>
-          </a:xfrm>
-        </p:spPr>
-      </p:pic>
-      <p:pic>
-        <p:nvPicPr>
-          <p:cNvPr id="7" name="図 6" descr="グラフィカル ユーザー インターフェイス, テキスト, アプリケーション, メール&#10;&#10;AI 生成コンテンツは誤りを含む可能性があります。">
-            <a:extLst>
-              <a:ext uri="{FF2B5EF4-FFF2-40B4-BE49-F238E27FC236}">
-                <a16:creationId xmlns:a16="http://schemas.microsoft.com/office/drawing/2014/main" id="{6E28CE41-87B5-CF90-4C2B-6DD9AF11A711}"/>
-              </a:ext>
-            </a:extLst>
-          </p:cNvPr>
-          <p:cNvPicPr>
-            <a:picLocks noChangeAspect="1"/>
-          </p:cNvPicPr>
-          <p:nvPr/>
-        </p:nvPicPr>
-        <p:blipFill>
-          <a:blip r:embed="rId3">
-            <a:extLst>
-              <a:ext uri="{28A0092B-C50C-407E-A947-70E740481C1C}">
-                <a14:useLocalDpi xmlns:a14="http://schemas.microsoft.com/office/drawing/2010/main" val="0"/>
-              </a:ext>
-            </a:extLst>
-          </a:blip>
-          <a:stretch>
-            <a:fillRect/>
-          </a:stretch>
-        </p:blipFill>
-        <p:spPr>
-          <a:xfrm>
-            <a:off x="3853703" y="604384"/>
-            <a:ext cx="4484594" cy="5649234"/>
-          </a:xfrm>
-          <a:prstGeom prst="rect">
-            <a:avLst/>
-          </a:prstGeom>
-        </p:spPr>
-      </p:pic>
-      <p:pic>
-        <p:nvPicPr>
-          <p:cNvPr id="9" name="図 8" descr="テキスト&#10;&#10;AI 生成コンテンツは誤りを含む可能性があります。">
-            <a:extLst>
-              <a:ext uri="{FF2B5EF4-FFF2-40B4-BE49-F238E27FC236}">
-                <a16:creationId xmlns:a16="http://schemas.microsoft.com/office/drawing/2014/main" id="{51C1F25A-0D3F-E4B4-E37A-2F8E0EC06E0B}"/>
-              </a:ext>
-            </a:extLst>
-          </p:cNvPr>
-          <p:cNvPicPr>
-            <a:picLocks noChangeAspect="1"/>
-          </p:cNvPicPr>
-          <p:nvPr/>
-        </p:nvPicPr>
-        <p:blipFill>
-          <a:blip r:embed="rId4">
-            <a:extLst>
-              <a:ext uri="{28A0092B-C50C-407E-A947-70E740481C1C}">
-                <a14:useLocalDpi xmlns:a14="http://schemas.microsoft.com/office/drawing/2010/main" val="0"/>
-              </a:ext>
-            </a:extLst>
-          </a:blip>
-          <a:stretch>
-            <a:fillRect/>
-          </a:stretch>
-        </p:blipFill>
-        <p:spPr>
-          <a:xfrm>
-            <a:off x="3853703" y="604382"/>
-            <a:ext cx="4371975" cy="1476375"/>
-          </a:xfrm>
-          <a:prstGeom prst="rect">
-            <a:avLst/>
-          </a:prstGeom>
-        </p:spPr>
-      </p:pic>
-    </p:spTree>
-    <p:extLst>
-      <p:ext uri="{BB962C8B-B14F-4D97-AF65-F5344CB8AC3E}">
-        <p14:creationId xmlns:p14="http://schemas.microsoft.com/office/powerpoint/2010/main" val="3135360517"/>
       </p:ext>
     </p:extLst>
   </p:cSld>
@@ -13578,7 +13040,7 @@
           <p:cNvPr id="2" name="タイトル 1">
             <a:extLst>
               <a:ext uri="{FF2B5EF4-FFF2-40B4-BE49-F238E27FC236}">
-                <a16:creationId xmlns:a16="http://schemas.microsoft.com/office/drawing/2014/main" id="{F4916ADF-95CE-2B0C-6CB1-61A81B88511E}"/>
+                <a16:creationId xmlns:a16="http://schemas.microsoft.com/office/drawing/2014/main" id="{4379499D-4E2E-6395-34EB-E76DC01CF110}"/>
               </a:ext>
             </a:extLst>
           </p:cNvPr>
@@ -13594,39 +13056,59 @@
           <a:bodyPr/>
           <a:lstStyle/>
           <a:p>
-            <a:endParaRPr kumimoji="1" lang="ja-JP" altLang="en-US"/>
+            <a:r>
+              <a:rPr kumimoji="1" lang="ja-JP" altLang="en-US" sz="2800" dirty="0"/>
+              <a:t>画面レイアウト</a:t>
+            </a:r>
+            <a:br>
+              <a:rPr kumimoji="1" lang="en-US" altLang="ja-JP" dirty="0"/>
+            </a:br>
+            <a:r>
+              <a:rPr kumimoji="1" lang="ja-JP" altLang="en-US" sz="3600" u="sng" dirty="0"/>
+              <a:t>利用者用ダッシュボード画面</a:t>
+            </a:r>
           </a:p>
         </p:txBody>
       </p:sp>
-      <p:sp>
-        <p:nvSpPr>
-          <p:cNvPr id="3" name="コンテンツ プレースホルダー 2">
+      <p:pic>
+        <p:nvPicPr>
+          <p:cNvPr id="5" name="コンテンツ プレースホルダー 4" descr="テーブル が含まれている画像">
             <a:extLst>
               <a:ext uri="{FF2B5EF4-FFF2-40B4-BE49-F238E27FC236}">
-                <a16:creationId xmlns:a16="http://schemas.microsoft.com/office/drawing/2014/main" id="{4F51119E-BA2E-F3E8-F0C3-E0DD689FD9EF}"/>
+                <a16:creationId xmlns:a16="http://schemas.microsoft.com/office/drawing/2014/main" id="{EF414F7A-9964-34A0-B91F-4FACD84996C3}"/>
               </a:ext>
             </a:extLst>
           </p:cNvPr>
-          <p:cNvSpPr>
-            <a:spLocks noGrp="1"/>
-          </p:cNvSpPr>
+          <p:cNvPicPr>
+            <a:picLocks noGrp="1" noChangeAspect="1"/>
+          </p:cNvPicPr>
           <p:nvPr>
             <p:ph sz="quarter" idx="13"/>
           </p:nvPr>
-        </p:nvSpPr>
-        <p:spPr/>
-        <p:txBody>
-          <a:bodyPr/>
-          <a:lstStyle/>
-          <a:p>
-            <a:endParaRPr kumimoji="1" lang="ja-JP" altLang="en-US"/>
-          </a:p>
-        </p:txBody>
-      </p:sp>
+        </p:nvPicPr>
+        <p:blipFill>
+          <a:blip r:embed="rId2">
+            <a:extLst>
+              <a:ext uri="{28A0092B-C50C-407E-A947-70E740481C1C}">
+                <a14:useLocalDpi xmlns:a14="http://schemas.microsoft.com/office/drawing/2010/main" val="0"/>
+              </a:ext>
+            </a:extLst>
+          </a:blip>
+          <a:stretch>
+            <a:fillRect/>
+          </a:stretch>
+        </p:blipFill>
+        <p:spPr>
+          <a:xfrm>
+            <a:off x="838200" y="1632858"/>
+            <a:ext cx="10003971" cy="4604656"/>
+          </a:xfrm>
+        </p:spPr>
+      </p:pic>
     </p:spTree>
     <p:extLst>
       <p:ext uri="{BB962C8B-B14F-4D97-AF65-F5344CB8AC3E}">
-        <p14:creationId xmlns:p14="http://schemas.microsoft.com/office/powerpoint/2010/main" val="12319173"/>
+        <p14:creationId xmlns:p14="http://schemas.microsoft.com/office/powerpoint/2010/main" val="3679207572"/>
       </p:ext>
     </p:extLst>
   </p:cSld>
@@ -14468,6 +13950,15 @@
 </file>
 
 <file path=customXml/item1.xml><?xml version="1.0" encoding="utf-8"?>
+<?mso-contentType ?>
+<FormTemplates xmlns="http://schemas.microsoft.com/sharepoint/v3/contenttype/forms">
+  <Display>DocumentLibraryForm</Display>
+  <Edit>DocumentLibraryForm</Edit>
+  <New>DocumentLibraryForm</New>
+</FormTemplates>
+</file>
+
+<file path=customXml/item2.xml><?xml version="1.0" encoding="utf-8"?>
 <ct:contentTypeSchema xmlns:ct="http://schemas.microsoft.com/office/2006/metadata/contentType" xmlns:ma="http://schemas.microsoft.com/office/2006/metadata/properties/metaAttributes" ct:_="" ma:_="" ma:contentTypeName="ドキュメント" ma:contentTypeID="0x0101001C3C11EF8ACAF14CB59AA12B5DD906E5" ma:contentTypeVersion="6" ma:contentTypeDescription="新しいドキュメントを作成します。" ma:contentTypeScope="" ma:versionID="e7cc16d47ebaad271b878cef749f39d9">
   <xsd:schema xmlns:xsd="http://www.w3.org/2001/XMLSchema" xmlns:xs="http://www.w3.org/2001/XMLSchema" xmlns:p="http://schemas.microsoft.com/office/2006/metadata/properties" xmlns:ns3="ee5c7c0c-f424-41b1-a195-3825f1d1e3c5" targetNamespace="http://schemas.microsoft.com/office/2006/metadata/properties" ma:root="true" ma:fieldsID="127baabf5f5a40328388a8a46cf2aaa3" ns3:_="">
     <xsd:import namespace="ee5c7c0c-f424-41b1-a195-3825f1d1e3c5"/>
@@ -14623,15 +14114,6 @@
 </ct:contentTypeSchema>
 </file>
 
-<file path=customXml/item2.xml><?xml version="1.0" encoding="utf-8"?>
-<?mso-contentType ?>
-<FormTemplates xmlns="http://schemas.microsoft.com/sharepoint/v3/contenttype/forms">
-  <Display>DocumentLibraryForm</Display>
-  <Edit>DocumentLibraryForm</Edit>
-  <New>DocumentLibraryForm</New>
-</FormTemplates>
-</file>
-
 <file path=customXml/item3.xml><?xml version="1.0" encoding="utf-8"?>
 <p:properties xmlns:p="http://schemas.microsoft.com/office/2006/metadata/properties" xmlns:xsi="http://www.w3.org/2001/XMLSchema-instance" xmlns:pc="http://schemas.microsoft.com/office/infopath/2007/PartnerControls">
   <documentManagement>
@@ -14641,6 +14123,14 @@
 </file>
 
 <file path=customXml/itemProps1.xml><?xml version="1.0" encoding="utf-8"?>
+<ds:datastoreItem xmlns:ds="http://schemas.openxmlformats.org/officeDocument/2006/customXml" ds:itemID="{4E60708A-6461-4D7F-883F-7E25D731D326}">
+  <ds:schemaRefs>
+    <ds:schemaRef ds:uri="http://schemas.microsoft.com/sharepoint/v3/contenttype/forms"/>
+  </ds:schemaRefs>
+</ds:datastoreItem>
+</file>
+
+<file path=customXml/itemProps2.xml><?xml version="1.0" encoding="utf-8"?>
 <ds:datastoreItem xmlns:ds="http://schemas.openxmlformats.org/officeDocument/2006/customXml" ds:itemID="{876801A7-B90C-4BEB-B5A9-A1C9549B01AA}">
   <ds:schemaRefs>
     <ds:schemaRef ds:uri="ee5c7c0c-f424-41b1-a195-3825f1d1e3c5"/>
@@ -14654,14 +14144,6 @@
     <ds:schemaRef ds:uri="http://schemas.microsoft.com/office/infopath/2007/PartnerControls"/>
     <ds:schemaRef ds:uri="http://schemas.openxmlformats.org/package/2006/metadata/core-properties"/>
     <ds:schemaRef ds:uri="http://www.w3.org/2001/XMLSchema"/>
-  </ds:schemaRefs>
-</ds:datastoreItem>
-</file>
-
-<file path=customXml/itemProps2.xml><?xml version="1.0" encoding="utf-8"?>
-<ds:datastoreItem xmlns:ds="http://schemas.openxmlformats.org/officeDocument/2006/customXml" ds:itemID="{4E60708A-6461-4D7F-883F-7E25D731D326}">
-  <ds:schemaRefs>
-    <ds:schemaRef ds:uri="http://schemas.microsoft.com/sharepoint/v3/contenttype/forms"/>
   </ds:schemaRefs>
 </ds:datastoreItem>
 </file>

--- a/docs/2025_0725_発表用スライド.pptx
+++ b/docs/2025_0725_発表用スライド.pptx
@@ -5,22 +5,24 @@
     <p:sldMasterId id="2147483648" r:id="rId4"/>
   </p:sldMasterIdLst>
   <p:notesMasterIdLst>
-    <p:notesMasterId r:id="rId15"/>
+    <p:notesMasterId r:id="rId17"/>
   </p:notesMasterIdLst>
   <p:handoutMasterIdLst>
-    <p:handoutMasterId r:id="rId16"/>
+    <p:handoutMasterId r:id="rId18"/>
   </p:handoutMasterIdLst>
   <p:sldIdLst>
     <p:sldId id="256" r:id="rId5"/>
     <p:sldId id="257" r:id="rId6"/>
-    <p:sldId id="260" r:id="rId7"/>
-    <p:sldId id="262" r:id="rId8"/>
-    <p:sldId id="263" r:id="rId9"/>
-    <p:sldId id="264" r:id="rId10"/>
-    <p:sldId id="265" r:id="rId11"/>
-    <p:sldId id="272" r:id="rId12"/>
-    <p:sldId id="266" r:id="rId13"/>
-    <p:sldId id="273" r:id="rId14"/>
+    <p:sldId id="274" r:id="rId7"/>
+    <p:sldId id="275" r:id="rId8"/>
+    <p:sldId id="260" r:id="rId9"/>
+    <p:sldId id="262" r:id="rId10"/>
+    <p:sldId id="263" r:id="rId11"/>
+    <p:sldId id="264" r:id="rId12"/>
+    <p:sldId id="265" r:id="rId13"/>
+    <p:sldId id="272" r:id="rId14"/>
+    <p:sldId id="266" r:id="rId15"/>
+    <p:sldId id="273" r:id="rId16"/>
   </p:sldIdLst>
   <p:sldSz cx="12192000" cy="6858000"/>
   <p:notesSz cx="6858000" cy="9144000"/>
@@ -11000,6 +11002,380 @@
       </p:grpSpPr>
       <p:pic>
         <p:nvPicPr>
+          <p:cNvPr id="5" name="コンテンツ プレースホルダー 4" descr="グラフィカル ユーザー インターフェイス, テキスト, アプリケーション">
+            <a:extLst>
+              <a:ext uri="{FF2B5EF4-FFF2-40B4-BE49-F238E27FC236}">
+                <a16:creationId xmlns:a16="http://schemas.microsoft.com/office/drawing/2014/main" id="{DAFDF843-FFE9-3D3D-FB45-63B8709B9532}"/>
+              </a:ext>
+            </a:extLst>
+          </p:cNvPr>
+          <p:cNvPicPr>
+            <a:picLocks noGrp="1" noChangeAspect="1"/>
+          </p:cNvPicPr>
+          <p:nvPr>
+            <p:ph sz="quarter" idx="13"/>
+          </p:nvPr>
+        </p:nvPicPr>
+        <p:blipFill>
+          <a:blip r:embed="rId2">
+            <a:extLst>
+              <a:ext uri="{28A0092B-C50C-407E-A947-70E740481C1C}">
+                <a14:useLocalDpi xmlns:a14="http://schemas.microsoft.com/office/drawing/2010/main" val="0"/>
+              </a:ext>
+            </a:extLst>
+          </a:blip>
+          <a:stretch>
+            <a:fillRect/>
+          </a:stretch>
+        </p:blipFill>
+        <p:spPr>
+          <a:xfrm>
+            <a:off x="944562" y="1001485"/>
+            <a:ext cx="10302875" cy="5064025"/>
+          </a:xfrm>
+          <a:noFill/>
+        </p:spPr>
+      </p:pic>
+      <p:pic>
+        <p:nvPicPr>
+          <p:cNvPr id="7" name="図 6" descr="背景パターン">
+            <a:extLst>
+              <a:ext uri="{FF2B5EF4-FFF2-40B4-BE49-F238E27FC236}">
+                <a16:creationId xmlns:a16="http://schemas.microsoft.com/office/drawing/2014/main" id="{76B79E18-7F1C-6123-7417-77E3FB10A46B}"/>
+              </a:ext>
+            </a:extLst>
+          </p:cNvPr>
+          <p:cNvPicPr>
+            <a:picLocks noChangeAspect="1"/>
+          </p:cNvPicPr>
+          <p:nvPr/>
+        </p:nvPicPr>
+        <p:blipFill>
+          <a:blip r:embed="rId3">
+            <a:extLst>
+              <a:ext uri="{28A0092B-C50C-407E-A947-70E740481C1C}">
+                <a14:useLocalDpi xmlns:a14="http://schemas.microsoft.com/office/drawing/2010/main" val="0"/>
+              </a:ext>
+            </a:extLst>
+          </a:blip>
+          <a:stretch>
+            <a:fillRect/>
+          </a:stretch>
+        </p:blipFill>
+        <p:spPr>
+          <a:xfrm>
+            <a:off x="2383971" y="1536439"/>
+            <a:ext cx="8863466" cy="2232275"/>
+          </a:xfrm>
+          <a:prstGeom prst="rect">
+            <a:avLst/>
+          </a:prstGeom>
+        </p:spPr>
+      </p:pic>
+      <p:pic>
+        <p:nvPicPr>
+          <p:cNvPr id="9" name="図 8" descr="テキスト&#10;&#10;AI 生成コンテンツは誤りを含む可能性があります。">
+            <a:extLst>
+              <a:ext uri="{FF2B5EF4-FFF2-40B4-BE49-F238E27FC236}">
+                <a16:creationId xmlns:a16="http://schemas.microsoft.com/office/drawing/2014/main" id="{7DDCDD10-4751-8E91-DEBF-77982D2274A7}"/>
+              </a:ext>
+            </a:extLst>
+          </p:cNvPr>
+          <p:cNvPicPr>
+            <a:picLocks noChangeAspect="1"/>
+          </p:cNvPicPr>
+          <p:nvPr/>
+        </p:nvPicPr>
+        <p:blipFill>
+          <a:blip r:embed="rId4">
+            <a:extLst>
+              <a:ext uri="{28A0092B-C50C-407E-A947-70E740481C1C}">
+                <a14:useLocalDpi xmlns:a14="http://schemas.microsoft.com/office/drawing/2010/main" val="0"/>
+              </a:ext>
+            </a:extLst>
+          </a:blip>
+          <a:stretch>
+            <a:fillRect/>
+          </a:stretch>
+        </p:blipFill>
+        <p:spPr>
+          <a:xfrm>
+            <a:off x="4016828" y="1001485"/>
+            <a:ext cx="4419600" cy="1495425"/>
+          </a:xfrm>
+          <a:prstGeom prst="rect">
+            <a:avLst/>
+          </a:prstGeom>
+        </p:spPr>
+      </p:pic>
+    </p:spTree>
+    <p:extLst>
+      <p:ext uri="{BB962C8B-B14F-4D97-AF65-F5344CB8AC3E}">
+        <p14:creationId xmlns:p14="http://schemas.microsoft.com/office/powerpoint/2010/main" val="1060228555"/>
+      </p:ext>
+    </p:extLst>
+  </p:cSld>
+  <p:clrMapOvr>
+    <a:masterClrMapping/>
+  </p:clrMapOvr>
+  <p:timing>
+    <p:tnLst>
+      <p:par>
+        <p:cTn id="1" dur="indefinite" restart="never" nodeType="tmRoot">
+          <p:childTnLst>
+            <p:seq concurrent="1" nextAc="seek">
+              <p:cTn id="2" dur="indefinite" nodeType="mainSeq">
+                <p:childTnLst>
+                  <p:par>
+                    <p:cTn id="3" fill="hold">
+                      <p:stCondLst>
+                        <p:cond delay="indefinite"/>
+                      </p:stCondLst>
+                      <p:childTnLst>
+                        <p:par>
+                          <p:cTn id="4" fill="hold">
+                            <p:stCondLst>
+                              <p:cond delay="0"/>
+                            </p:stCondLst>
+                            <p:childTnLst>
+                              <p:par>
+                                <p:cTn id="5" presetID="10" presetClass="entr" presetSubtype="0" fill="hold" nodeType="clickEffect">
+                                  <p:stCondLst>
+                                    <p:cond delay="0"/>
+                                  </p:stCondLst>
+                                  <p:childTnLst>
+                                    <p:set>
+                                      <p:cBhvr>
+                                        <p:cTn id="6" dur="1" fill="hold">
+                                          <p:stCondLst>
+                                            <p:cond delay="0"/>
+                                          </p:stCondLst>
+                                        </p:cTn>
+                                        <p:tgtEl>
+                                          <p:spTgt spid="7"/>
+                                        </p:tgtEl>
+                                        <p:attrNameLst>
+                                          <p:attrName>style.visibility</p:attrName>
+                                        </p:attrNameLst>
+                                      </p:cBhvr>
+                                      <p:to>
+                                        <p:strVal val="visible"/>
+                                      </p:to>
+                                    </p:set>
+                                    <p:animEffect transition="in" filter="fade">
+                                      <p:cBhvr>
+                                        <p:cTn id="7" dur="500"/>
+                                        <p:tgtEl>
+                                          <p:spTgt spid="7"/>
+                                        </p:tgtEl>
+                                      </p:cBhvr>
+                                    </p:animEffect>
+                                  </p:childTnLst>
+                                </p:cTn>
+                              </p:par>
+                            </p:childTnLst>
+                          </p:cTn>
+                        </p:par>
+                      </p:childTnLst>
+                    </p:cTn>
+                  </p:par>
+                  <p:par>
+                    <p:cTn id="8" fill="hold">
+                      <p:stCondLst>
+                        <p:cond delay="indefinite"/>
+                      </p:stCondLst>
+                      <p:childTnLst>
+                        <p:par>
+                          <p:cTn id="9" fill="hold">
+                            <p:stCondLst>
+                              <p:cond delay="0"/>
+                            </p:stCondLst>
+                            <p:childTnLst>
+                              <p:par>
+                                <p:cTn id="10" presetID="10" presetClass="entr" presetSubtype="0" fill="hold" nodeType="clickEffect">
+                                  <p:stCondLst>
+                                    <p:cond delay="0"/>
+                                  </p:stCondLst>
+                                  <p:childTnLst>
+                                    <p:set>
+                                      <p:cBhvr>
+                                        <p:cTn id="11" dur="1" fill="hold">
+                                          <p:stCondLst>
+                                            <p:cond delay="0"/>
+                                          </p:stCondLst>
+                                        </p:cTn>
+                                        <p:tgtEl>
+                                          <p:spTgt spid="9"/>
+                                        </p:tgtEl>
+                                        <p:attrNameLst>
+                                          <p:attrName>style.visibility</p:attrName>
+                                        </p:attrNameLst>
+                                      </p:cBhvr>
+                                      <p:to>
+                                        <p:strVal val="visible"/>
+                                      </p:to>
+                                    </p:set>
+                                    <p:animEffect transition="in" filter="fade">
+                                      <p:cBhvr>
+                                        <p:cTn id="12" dur="500"/>
+                                        <p:tgtEl>
+                                          <p:spTgt spid="9"/>
+                                        </p:tgtEl>
+                                      </p:cBhvr>
+                                    </p:animEffect>
+                                  </p:childTnLst>
+                                </p:cTn>
+                              </p:par>
+                            </p:childTnLst>
+                          </p:cTn>
+                        </p:par>
+                      </p:childTnLst>
+                    </p:cTn>
+                  </p:par>
+                </p:childTnLst>
+              </p:cTn>
+              <p:prevCondLst>
+                <p:cond evt="onPrev" delay="0">
+                  <p:tgtEl>
+                    <p:sldTgt/>
+                  </p:tgtEl>
+                </p:cond>
+              </p:prevCondLst>
+              <p:nextCondLst>
+                <p:cond evt="onNext" delay="0">
+                  <p:tgtEl>
+                    <p:sldTgt/>
+                  </p:tgtEl>
+                </p:cond>
+              </p:nextCondLst>
+            </p:seq>
+          </p:childTnLst>
+        </p:cTn>
+      </p:par>
+    </p:tnLst>
+  </p:timing>
+</p:sld>
+</file>
+
+<file path=ppt/slides/slide11.xml><?xml version="1.0" encoding="utf-8"?>
+<p:sld xmlns:a="http://schemas.openxmlformats.org/drawingml/2006/main" xmlns:r="http://schemas.openxmlformats.org/officeDocument/2006/relationships" xmlns:p="http://schemas.openxmlformats.org/presentationml/2006/main">
+  <p:cSld>
+    <p:spTree>
+      <p:nvGrpSpPr>
+        <p:cNvPr id="1" name=""/>
+        <p:cNvGrpSpPr/>
+        <p:nvPr/>
+      </p:nvGrpSpPr>
+      <p:grpSpPr>
+        <a:xfrm>
+          <a:off x="0" y="0"/>
+          <a:ext cx="0" cy="0"/>
+          <a:chOff x="0" y="0"/>
+          <a:chExt cx="0" cy="0"/>
+        </a:xfrm>
+      </p:grpSpPr>
+      <p:sp>
+        <p:nvSpPr>
+          <p:cNvPr id="2" name="タイトル 1">
+            <a:extLst>
+              <a:ext uri="{FF2B5EF4-FFF2-40B4-BE49-F238E27FC236}">
+                <a16:creationId xmlns:a16="http://schemas.microsoft.com/office/drawing/2014/main" id="{4379499D-4E2E-6395-34EB-E76DC01CF110}"/>
+              </a:ext>
+            </a:extLst>
+          </p:cNvPr>
+          <p:cNvSpPr>
+            <a:spLocks noGrp="1"/>
+          </p:cNvSpPr>
+          <p:nvPr>
+            <p:ph type="title"/>
+          </p:nvPr>
+        </p:nvSpPr>
+        <p:spPr/>
+        <p:txBody>
+          <a:bodyPr/>
+          <a:lstStyle/>
+          <a:p>
+            <a:r>
+              <a:rPr kumimoji="1" lang="ja-JP" altLang="en-US" sz="2800" dirty="0"/>
+              <a:t>画面レイアウト</a:t>
+            </a:r>
+            <a:br>
+              <a:rPr kumimoji="1" lang="en-US" altLang="ja-JP" dirty="0"/>
+            </a:br>
+            <a:r>
+              <a:rPr kumimoji="1" lang="ja-JP" altLang="en-US" sz="3600" u="sng" dirty="0"/>
+              <a:t>利用者用ダッシュボード画面</a:t>
+            </a:r>
+          </a:p>
+        </p:txBody>
+      </p:sp>
+      <p:pic>
+        <p:nvPicPr>
+          <p:cNvPr id="5" name="コンテンツ プレースホルダー 4" descr="テーブル が含まれている画像">
+            <a:extLst>
+              <a:ext uri="{FF2B5EF4-FFF2-40B4-BE49-F238E27FC236}">
+                <a16:creationId xmlns:a16="http://schemas.microsoft.com/office/drawing/2014/main" id="{EF414F7A-9964-34A0-B91F-4FACD84996C3}"/>
+              </a:ext>
+            </a:extLst>
+          </p:cNvPr>
+          <p:cNvPicPr>
+            <a:picLocks noGrp="1" noChangeAspect="1"/>
+          </p:cNvPicPr>
+          <p:nvPr>
+            <p:ph sz="quarter" idx="13"/>
+          </p:nvPr>
+        </p:nvPicPr>
+        <p:blipFill>
+          <a:blip r:embed="rId2">
+            <a:extLst>
+              <a:ext uri="{28A0092B-C50C-407E-A947-70E740481C1C}">
+                <a14:useLocalDpi xmlns:a14="http://schemas.microsoft.com/office/drawing/2010/main" val="0"/>
+              </a:ext>
+            </a:extLst>
+          </a:blip>
+          <a:stretch>
+            <a:fillRect/>
+          </a:stretch>
+        </p:blipFill>
+        <p:spPr>
+          <a:xfrm>
+            <a:off x="838200" y="1632858"/>
+            <a:ext cx="10003971" cy="4604656"/>
+          </a:xfrm>
+        </p:spPr>
+      </p:pic>
+    </p:spTree>
+    <p:extLst>
+      <p:ext uri="{BB962C8B-B14F-4D97-AF65-F5344CB8AC3E}">
+        <p14:creationId xmlns:p14="http://schemas.microsoft.com/office/powerpoint/2010/main" val="3679207572"/>
+      </p:ext>
+    </p:extLst>
+  </p:cSld>
+  <p:clrMapOvr>
+    <a:masterClrMapping/>
+  </p:clrMapOvr>
+</p:sld>
+</file>
+
+<file path=ppt/slides/slide12.xml><?xml version="1.0" encoding="utf-8"?>
+<p:sld xmlns:a="http://schemas.openxmlformats.org/drawingml/2006/main" xmlns:r="http://schemas.openxmlformats.org/officeDocument/2006/relationships" xmlns:p="http://schemas.openxmlformats.org/presentationml/2006/main">
+  <p:cSld>
+    <p:spTree>
+      <p:nvGrpSpPr>
+        <p:cNvPr id="1" name=""/>
+        <p:cNvGrpSpPr/>
+        <p:nvPr/>
+      </p:nvGrpSpPr>
+      <p:grpSpPr>
+        <a:xfrm>
+          <a:off x="0" y="0"/>
+          <a:ext cx="0" cy="0"/>
+          <a:chOff x="0" y="0"/>
+          <a:chExt cx="0" cy="0"/>
+        </a:xfrm>
+      </p:grpSpPr>
+      <p:pic>
+        <p:nvPicPr>
           <p:cNvPr id="5" name="コンテンツ プレースホルダー 4" descr="グラフィカル ユーザー インターフェイス, アプリケーション, Teams">
             <a:extLst>
               <a:ext uri="{FF2B5EF4-FFF2-40B4-BE49-F238E27FC236}">
@@ -11379,8 +11755,8 @@
         </p:nvSpPr>
         <p:spPr>
           <a:xfrm>
-            <a:off x="373805" y="3036761"/>
-            <a:ext cx="8874545" cy="1015663"/>
+            <a:off x="373805" y="2459504"/>
+            <a:ext cx="8831264" cy="2246769"/>
           </a:xfrm>
           <a:prstGeom prst="rect">
             <a:avLst/>
@@ -11413,6 +11789,26 @@
               </a:rPr>
               <a:t>サーバーを用意して遊んだり、試したいことがある人も増えているが</a:t>
             </a:r>
+            <a:br>
+              <a:rPr kumimoji="1" lang="en-US" altLang="ja-JP" sz="2000" dirty="0">
+                <a:latin typeface="ＭＳ Ｐゴシック"/>
+                <a:ea typeface="ＭＳ Ｐゴシック"/>
+              </a:rPr>
+            </a:br>
+            <a:r>
+              <a:rPr kumimoji="1" lang="ja-JP" altLang="en-US" sz="2000" dirty="0">
+                <a:latin typeface="ＭＳ Ｐゴシック" panose="020B0600070205080204" pitchFamily="50" charset="-128"/>
+                <a:ea typeface="ＭＳ Ｐゴシック" panose="020B0600070205080204" pitchFamily="50" charset="-128"/>
+              </a:rPr>
+              <a:t>本プロジェクトのターゲットは</a:t>
+            </a:r>
+            <a:r>
+              <a:rPr kumimoji="1" lang="ja-JP" altLang="en-US" sz="2000" dirty="0">
+                <a:latin typeface="ＭＳ Ｐゴシック"/>
+                <a:ea typeface="ＭＳ Ｐゴシック"/>
+              </a:rPr>
+              <a:t>パブリッククラウドは高額で手が出せない人間もいる</a:t>
+            </a:r>
             <a:endParaRPr kumimoji="1" lang="en-US" altLang="ja-JP" sz="2000" dirty="0">
               <a:latin typeface="ＭＳ Ｐゴシック"/>
               <a:ea typeface="ＭＳ Ｐゴシック"/>
@@ -11424,7 +11820,40 @@
                 <a:latin typeface="ＭＳ Ｐゴシック"/>
                 <a:ea typeface="ＭＳ Ｐゴシック"/>
               </a:rPr>
-              <a:t>パブリッククラウドは高額で手が出せない人間もいる　←</a:t>
+              <a:t>　</a:t>
+            </a:r>
+            <a:endParaRPr kumimoji="1" lang="en-US" altLang="ja-JP" sz="2000" dirty="0">
+              <a:latin typeface="ＭＳ Ｐゴシック" panose="020B0600070205080204" pitchFamily="50" charset="-128"/>
+              <a:ea typeface="ＭＳ Ｐゴシック" panose="020B0600070205080204" pitchFamily="50" charset="-128"/>
+            </a:endParaRPr>
+          </a:p>
+          <a:p>
+            <a:r>
+              <a:rPr kumimoji="1" lang="ja-JP" altLang="en-US" sz="2000" dirty="0">
+                <a:latin typeface="ＭＳ Ｐゴシック" panose="020B0600070205080204" pitchFamily="50" charset="-128"/>
+                <a:ea typeface="ＭＳ Ｐゴシック" panose="020B0600070205080204" pitchFamily="50" charset="-128"/>
+              </a:rPr>
+              <a:t>よって、本プロジェクトの対象は、あくまでも学校、学科に対してではなく</a:t>
+            </a:r>
+            <a:endParaRPr kumimoji="1" lang="en-US" altLang="ja-JP" sz="2000" dirty="0">
+              <a:latin typeface="ＭＳ Ｐゴシック" panose="020B0600070205080204" pitchFamily="50" charset="-128"/>
+              <a:ea typeface="ＭＳ Ｐゴシック" panose="020B0600070205080204" pitchFamily="50" charset="-128"/>
+            </a:endParaRPr>
+          </a:p>
+          <a:p>
+            <a:r>
+              <a:rPr kumimoji="1" lang="ja-JP" altLang="en-US" sz="2000" b="1" u="sng" dirty="0">
+                <a:latin typeface="ＭＳ Ｐゴシック" panose="020B0600070205080204" pitchFamily="50" charset="-128"/>
+                <a:ea typeface="ＭＳ Ｐゴシック" panose="020B0600070205080204" pitchFamily="50" charset="-128"/>
+              </a:rPr>
+              <a:t>遊び場や勉強の場を求めている学生・個々人</a:t>
+            </a:r>
+            <a:r>
+              <a:rPr kumimoji="1" lang="ja-JP" altLang="en-US" sz="2000" dirty="0">
+                <a:latin typeface="ＭＳ Ｐゴシック"/>
+                <a:ea typeface="ＭＳ Ｐゴシック"/>
+              </a:rPr>
+              <a:t>←</a:t>
             </a:r>
             <a:r>
               <a:rPr kumimoji="1" lang="ja-JP" altLang="en-US" sz="2000" b="1" u="sng" dirty="0">
@@ -11442,6 +11871,12 @@
               </a:solidFill>
               <a:latin typeface="ＭＳ Ｐゴシック"/>
               <a:ea typeface="ＭＳ Ｐゴシック"/>
+            </a:endParaRPr>
+          </a:p>
+          <a:p>
+            <a:endParaRPr kumimoji="1" lang="en-US" altLang="ja-JP" sz="2000" b="1" u="sng" dirty="0">
+              <a:latin typeface="ＭＳ Ｐゴシック" panose="020B0600070205080204" pitchFamily="50" charset="-128"/>
+              <a:ea typeface="ＭＳ Ｐゴシック" panose="020B0600070205080204" pitchFamily="50" charset="-128"/>
             </a:endParaRPr>
           </a:p>
         </p:txBody>
@@ -11511,6 +11946,1387 @@
 </file>
 
 <file path=ppt/slides/slide3.xml><?xml version="1.0" encoding="utf-8"?>
+<p:sld xmlns:a="http://schemas.openxmlformats.org/drawingml/2006/main" xmlns:r="http://schemas.openxmlformats.org/officeDocument/2006/relationships" xmlns:p="http://schemas.openxmlformats.org/presentationml/2006/main">
+  <p:cSld>
+    <p:spTree>
+      <p:nvGrpSpPr>
+        <p:cNvPr id="1" name=""/>
+        <p:cNvGrpSpPr/>
+        <p:nvPr/>
+      </p:nvGrpSpPr>
+      <p:grpSpPr>
+        <a:xfrm>
+          <a:off x="0" y="0"/>
+          <a:ext cx="0" cy="0"/>
+          <a:chOff x="0" y="0"/>
+          <a:chExt cx="0" cy="0"/>
+        </a:xfrm>
+      </p:grpSpPr>
+      <p:sp>
+        <p:nvSpPr>
+          <p:cNvPr id="4" name="テキスト ボックス 3">
+            <a:extLst>
+              <a:ext uri="{FF2B5EF4-FFF2-40B4-BE49-F238E27FC236}">
+                <a16:creationId xmlns:a16="http://schemas.microsoft.com/office/drawing/2014/main" id="{674188C3-2C02-3264-0D05-1D6D5A74D539}"/>
+              </a:ext>
+            </a:extLst>
+          </p:cNvPr>
+          <p:cNvSpPr txBox="1"/>
+          <p:nvPr/>
+        </p:nvSpPr>
+        <p:spPr>
+          <a:xfrm>
+            <a:off x="549073" y="499174"/>
+            <a:ext cx="1648208" cy="707886"/>
+          </a:xfrm>
+          <a:prstGeom prst="rect">
+            <a:avLst/>
+          </a:prstGeom>
+          <a:noFill/>
+        </p:spPr>
+        <p:txBody>
+          <a:bodyPr wrap="none" rtlCol="0">
+            <a:spAutoFit/>
+          </a:bodyPr>
+          <a:lstStyle/>
+          <a:p>
+            <a:pPr marL="0" marR="0" lvl="0" indent="0" algn="l" defTabSz="914400" rtl="0" eaLnBrk="1" fontAlgn="auto" latinLnBrk="0" hangingPunct="1">
+              <a:lnSpc>
+                <a:spcPct val="100000"/>
+              </a:lnSpc>
+              <a:spcBef>
+                <a:spcPts val="0"/>
+              </a:spcBef>
+              <a:spcAft>
+                <a:spcPts val="0"/>
+              </a:spcAft>
+              <a:buClrTx/>
+              <a:buSzTx/>
+              <a:buFontTx/>
+              <a:buNone/>
+              <a:tabLst/>
+              <a:defRPr/>
+            </a:pPr>
+            <a:r>
+              <a:rPr kumimoji="1" lang="ja-JP" altLang="en-US" sz="4000" b="0" i="0" u="none" strike="noStrike" kern="1200" cap="none" spc="0" normalizeH="0" baseline="0" noProof="0" dirty="0">
+                <a:ln>
+                  <a:noFill/>
+                </a:ln>
+                <a:solidFill>
+                  <a:srgbClr val="000000"/>
+                </a:solidFill>
+                <a:effectLst/>
+                <a:uLnTx/>
+                <a:uFillTx/>
+                <a:latin typeface="ＭＳ Ｐゴシック" panose="020B0600070205080204" pitchFamily="50" charset="-128"/>
+                <a:ea typeface="ＭＳ Ｐゴシック" panose="020B0600070205080204" pitchFamily="50" charset="-128"/>
+              </a:rPr>
+              <a:t>ゴール</a:t>
+            </a:r>
+          </a:p>
+        </p:txBody>
+      </p:sp>
+      <p:sp>
+        <p:nvSpPr>
+          <p:cNvPr id="5" name="テキスト ボックス 4">
+            <a:extLst>
+              <a:ext uri="{FF2B5EF4-FFF2-40B4-BE49-F238E27FC236}">
+                <a16:creationId xmlns:a16="http://schemas.microsoft.com/office/drawing/2014/main" id="{0E6AAA7A-0D0B-17A4-EF3A-FA3602564B35}"/>
+              </a:ext>
+            </a:extLst>
+          </p:cNvPr>
+          <p:cNvSpPr txBox="1"/>
+          <p:nvPr/>
+        </p:nvSpPr>
+        <p:spPr>
+          <a:xfrm>
+            <a:off x="641622" y="1207060"/>
+            <a:ext cx="10671511" cy="4524315"/>
+          </a:xfrm>
+          <a:prstGeom prst="rect">
+            <a:avLst/>
+          </a:prstGeom>
+          <a:noFill/>
+        </p:spPr>
+        <p:txBody>
+          <a:bodyPr wrap="none" rtlCol="0">
+            <a:spAutoFit/>
+          </a:bodyPr>
+          <a:lstStyle/>
+          <a:p>
+            <a:pPr marL="0" marR="0" lvl="0" indent="0" algn="l" defTabSz="914400" rtl="0" eaLnBrk="1" fontAlgn="auto" latinLnBrk="0" hangingPunct="1">
+              <a:lnSpc>
+                <a:spcPct val="100000"/>
+              </a:lnSpc>
+              <a:spcBef>
+                <a:spcPts val="0"/>
+              </a:spcBef>
+              <a:spcAft>
+                <a:spcPts val="0"/>
+              </a:spcAft>
+              <a:buClrTx/>
+              <a:buSzTx/>
+              <a:buFontTx/>
+              <a:buNone/>
+              <a:tabLst/>
+              <a:defRPr/>
+            </a:pPr>
+            <a:r>
+              <a:rPr kumimoji="1" lang="ja-JP" altLang="en-US" sz="2400" b="0" i="0" u="sng" strike="noStrike" kern="1200" cap="none" spc="0" normalizeH="0" baseline="0" noProof="0" dirty="0">
+                <a:ln>
+                  <a:noFill/>
+                </a:ln>
+                <a:solidFill>
+                  <a:srgbClr val="000000"/>
+                </a:solidFill>
+                <a:effectLst/>
+                <a:uLnTx/>
+                <a:uFillTx/>
+                <a:latin typeface="ＭＳ Ｐゴシック" panose="020B0600070205080204" pitchFamily="50" charset="-128"/>
+                <a:ea typeface="ＭＳ Ｐゴシック" panose="020B0600070205080204" pitchFamily="50" charset="-128"/>
+              </a:rPr>
+              <a:t>１</a:t>
+            </a:r>
+            <a:r>
+              <a:rPr kumimoji="1" lang="en-US" altLang="ja-JP" sz="2400" b="0" i="0" u="sng" strike="noStrike" kern="1200" cap="none" spc="0" normalizeH="0" baseline="0" noProof="0" dirty="0">
+                <a:ln>
+                  <a:noFill/>
+                </a:ln>
+                <a:solidFill>
+                  <a:srgbClr val="000000"/>
+                </a:solidFill>
+                <a:effectLst/>
+                <a:uLnTx/>
+                <a:uFillTx/>
+                <a:latin typeface="ＭＳ Ｐゴシック" panose="020B0600070205080204" pitchFamily="50" charset="-128"/>
+                <a:ea typeface="ＭＳ Ｐゴシック" panose="020B0600070205080204" pitchFamily="50" charset="-128"/>
+              </a:rPr>
+              <a:t>.</a:t>
+            </a:r>
+            <a:r>
+              <a:rPr kumimoji="1" lang="ja-JP" altLang="en-US" sz="2400" b="0" i="0" u="sng" strike="noStrike" kern="1200" cap="none" spc="0" normalizeH="0" baseline="0" noProof="0" dirty="0">
+                <a:ln>
+                  <a:noFill/>
+                </a:ln>
+                <a:solidFill>
+                  <a:srgbClr val="000000"/>
+                </a:solidFill>
+                <a:effectLst/>
+                <a:uLnTx/>
+                <a:uFillTx/>
+                <a:latin typeface="ＭＳ Ｐゴシック" panose="020B0600070205080204" pitchFamily="50" charset="-128"/>
+                <a:ea typeface="ＭＳ Ｐゴシック" panose="020B0600070205080204" pitchFamily="50" charset="-128"/>
+              </a:rPr>
+              <a:t>製作したソフトウェア、設計書、仕様書、手順書等のドキュメントの配布</a:t>
+            </a:r>
+            <a:r>
+              <a:rPr kumimoji="1" lang="ja-JP" altLang="en-US" sz="2400" b="0" i="0" u="none" strike="noStrike" kern="1200" cap="none" spc="0" normalizeH="0" baseline="0" noProof="0" dirty="0">
+                <a:ln>
+                  <a:noFill/>
+                </a:ln>
+                <a:solidFill>
+                  <a:srgbClr val="000000"/>
+                </a:solidFill>
+                <a:effectLst/>
+                <a:uLnTx/>
+                <a:uFillTx/>
+                <a:latin typeface="ＭＳ Ｐゴシック" panose="020B0600070205080204" pitchFamily="50" charset="-128"/>
+                <a:ea typeface="ＭＳ Ｐゴシック" panose="020B0600070205080204" pitchFamily="50" charset="-128"/>
+              </a:rPr>
+              <a:t>を通して</a:t>
+            </a:r>
+            <a:endParaRPr kumimoji="1" lang="en-US" altLang="ja-JP" sz="2400" b="0" i="0" u="none" strike="noStrike" kern="1200" cap="none" spc="0" normalizeH="0" baseline="0" noProof="0" dirty="0">
+              <a:ln>
+                <a:noFill/>
+              </a:ln>
+              <a:solidFill>
+                <a:srgbClr val="000000"/>
+              </a:solidFill>
+              <a:effectLst/>
+              <a:uLnTx/>
+              <a:uFillTx/>
+              <a:latin typeface="ＭＳ Ｐゴシック" panose="020B0600070205080204" pitchFamily="50" charset="-128"/>
+              <a:ea typeface="ＭＳ Ｐゴシック" panose="020B0600070205080204" pitchFamily="50" charset="-128"/>
+            </a:endParaRPr>
+          </a:p>
+          <a:p>
+            <a:pPr marL="0" marR="0" lvl="0" indent="0" algn="l" defTabSz="914400" rtl="0" eaLnBrk="1" fontAlgn="auto" latinLnBrk="0" hangingPunct="1">
+              <a:lnSpc>
+                <a:spcPct val="100000"/>
+              </a:lnSpc>
+              <a:spcBef>
+                <a:spcPts val="0"/>
+              </a:spcBef>
+              <a:spcAft>
+                <a:spcPts val="0"/>
+              </a:spcAft>
+              <a:buClrTx/>
+              <a:buSzTx/>
+              <a:buFontTx/>
+              <a:buNone/>
+              <a:tabLst/>
+              <a:defRPr/>
+            </a:pPr>
+            <a:r>
+              <a:rPr kumimoji="1" lang="ja-JP" altLang="en-US" sz="2400" b="0" i="0" u="none" strike="noStrike" kern="1200" cap="none" spc="0" normalizeH="0" baseline="0" noProof="0" dirty="0">
+                <a:ln>
+                  <a:noFill/>
+                </a:ln>
+                <a:solidFill>
+                  <a:srgbClr val="000000"/>
+                </a:solidFill>
+                <a:effectLst/>
+                <a:uLnTx/>
+                <a:uFillTx/>
+                <a:latin typeface="ＭＳ Ｐゴシック" panose="020B0600070205080204" pitchFamily="50" charset="-128"/>
+                <a:ea typeface="ＭＳ Ｐゴシック" panose="020B0600070205080204" pitchFamily="50" charset="-128"/>
+              </a:rPr>
+              <a:t>容易にプライベートクラウドを構築できるようにする</a:t>
+            </a:r>
+            <a:endParaRPr kumimoji="1" lang="en-US" altLang="ja-JP" sz="2400" b="0" i="0" u="none" strike="noStrike" kern="1200" cap="none" spc="0" normalizeH="0" baseline="0" noProof="0" dirty="0">
+              <a:ln>
+                <a:noFill/>
+              </a:ln>
+              <a:solidFill>
+                <a:srgbClr val="000000"/>
+              </a:solidFill>
+              <a:effectLst/>
+              <a:uLnTx/>
+              <a:uFillTx/>
+              <a:latin typeface="ＭＳ Ｐゴシック" panose="020B0600070205080204" pitchFamily="50" charset="-128"/>
+              <a:ea typeface="ＭＳ Ｐゴシック" panose="020B0600070205080204" pitchFamily="50" charset="-128"/>
+            </a:endParaRPr>
+          </a:p>
+          <a:p>
+            <a:pPr marL="0" marR="0" lvl="0" indent="0" algn="l" defTabSz="914400" rtl="0" eaLnBrk="1" fontAlgn="auto" latinLnBrk="0" hangingPunct="1">
+              <a:lnSpc>
+                <a:spcPct val="100000"/>
+              </a:lnSpc>
+              <a:spcBef>
+                <a:spcPts val="0"/>
+              </a:spcBef>
+              <a:spcAft>
+                <a:spcPts val="0"/>
+              </a:spcAft>
+              <a:buClrTx/>
+              <a:buSzTx/>
+              <a:buFontTx/>
+              <a:buNone/>
+              <a:tabLst/>
+              <a:defRPr/>
+            </a:pPr>
+            <a:r>
+              <a:rPr kumimoji="1" lang="ja-JP" altLang="en-US" sz="2400" b="1" i="0" u="sng" strike="noStrike" kern="1200" cap="none" spc="0" normalizeH="0" baseline="0" noProof="0" dirty="0">
+                <a:ln>
+                  <a:noFill/>
+                </a:ln>
+                <a:solidFill>
+                  <a:srgbClr val="FF0000"/>
+                </a:solidFill>
+                <a:effectLst/>
+                <a:uLnTx/>
+                <a:uFillTx/>
+                <a:latin typeface="ＭＳ Ｐゴシック" panose="020B0600070205080204" pitchFamily="50" charset="-128"/>
+                <a:ea typeface="ＭＳ Ｐゴシック" panose="020B0600070205080204" pitchFamily="50" charset="-128"/>
+              </a:rPr>
+              <a:t>→学習者に対してより深い学びをもたらす</a:t>
+            </a:r>
+            <a:endParaRPr kumimoji="1" lang="en-US" altLang="ja-JP" sz="2400" b="1" i="0" u="sng" strike="noStrike" kern="1200" cap="none" spc="0" normalizeH="0" baseline="0" noProof="0" dirty="0">
+              <a:ln>
+                <a:noFill/>
+              </a:ln>
+              <a:solidFill>
+                <a:srgbClr val="FF0000"/>
+              </a:solidFill>
+              <a:effectLst/>
+              <a:uLnTx/>
+              <a:uFillTx/>
+              <a:latin typeface="ＭＳ Ｐゴシック" panose="020B0600070205080204" pitchFamily="50" charset="-128"/>
+              <a:ea typeface="ＭＳ Ｐゴシック" panose="020B0600070205080204" pitchFamily="50" charset="-128"/>
+            </a:endParaRPr>
+          </a:p>
+          <a:p>
+            <a:pPr marL="0" marR="0" lvl="0" indent="0" algn="l" defTabSz="914400" rtl="0" eaLnBrk="1" fontAlgn="auto" latinLnBrk="0" hangingPunct="1">
+              <a:lnSpc>
+                <a:spcPct val="100000"/>
+              </a:lnSpc>
+              <a:spcBef>
+                <a:spcPts val="0"/>
+              </a:spcBef>
+              <a:spcAft>
+                <a:spcPts val="0"/>
+              </a:spcAft>
+              <a:buClrTx/>
+              <a:buSzTx/>
+              <a:buFontTx/>
+              <a:buNone/>
+              <a:tabLst/>
+              <a:defRPr/>
+            </a:pPr>
+            <a:endParaRPr kumimoji="1" lang="en-US" altLang="ja-JP" sz="2400" b="0" i="0" u="none" strike="noStrike" kern="1200" cap="none" spc="0" normalizeH="0" baseline="0" noProof="0" dirty="0">
+              <a:ln>
+                <a:noFill/>
+              </a:ln>
+              <a:solidFill>
+                <a:srgbClr val="000000"/>
+              </a:solidFill>
+              <a:effectLst/>
+              <a:uLnTx/>
+              <a:uFillTx/>
+              <a:latin typeface="ＭＳ Ｐゴシック" panose="020B0600070205080204" pitchFamily="50" charset="-128"/>
+              <a:ea typeface="ＭＳ Ｐゴシック" panose="020B0600070205080204" pitchFamily="50" charset="-128"/>
+            </a:endParaRPr>
+          </a:p>
+          <a:p>
+            <a:pPr marL="0" marR="0" lvl="0" indent="0" algn="l" defTabSz="914400" rtl="0" eaLnBrk="1" fontAlgn="auto" latinLnBrk="0" hangingPunct="1">
+              <a:lnSpc>
+                <a:spcPct val="100000"/>
+              </a:lnSpc>
+              <a:spcBef>
+                <a:spcPts val="0"/>
+              </a:spcBef>
+              <a:spcAft>
+                <a:spcPts val="0"/>
+              </a:spcAft>
+              <a:buClrTx/>
+              <a:buSzTx/>
+              <a:buFontTx/>
+              <a:buNone/>
+              <a:tabLst/>
+              <a:defRPr/>
+            </a:pPr>
+            <a:r>
+              <a:rPr kumimoji="1" lang="ja-JP" altLang="en-US" sz="2400" b="0" i="0" u="none" strike="noStrike" kern="1200" cap="none" spc="0" normalizeH="0" baseline="0" noProof="0" dirty="0">
+                <a:ln>
+                  <a:noFill/>
+                </a:ln>
+                <a:solidFill>
+                  <a:srgbClr val="000000"/>
+                </a:solidFill>
+                <a:effectLst/>
+                <a:uLnTx/>
+                <a:uFillTx/>
+                <a:latin typeface="ＭＳ Ｐゴシック" panose="020B0600070205080204" pitchFamily="50" charset="-128"/>
+                <a:ea typeface="ＭＳ Ｐゴシック" panose="020B0600070205080204" pitchFamily="50" charset="-128"/>
+              </a:rPr>
+              <a:t>２</a:t>
+            </a:r>
+            <a:r>
+              <a:rPr kumimoji="1" lang="en-US" altLang="ja-JP" sz="2400" b="0" i="0" u="none" strike="noStrike" kern="1200" cap="none" spc="0" normalizeH="0" baseline="0" noProof="0" dirty="0">
+                <a:ln>
+                  <a:noFill/>
+                </a:ln>
+                <a:solidFill>
+                  <a:srgbClr val="000000"/>
+                </a:solidFill>
+                <a:effectLst/>
+                <a:uLnTx/>
+                <a:uFillTx/>
+                <a:latin typeface="ＭＳ Ｐゴシック" panose="020B0600070205080204" pitchFamily="50" charset="-128"/>
+                <a:ea typeface="ＭＳ Ｐゴシック" panose="020B0600070205080204" pitchFamily="50" charset="-128"/>
+              </a:rPr>
+              <a:t>.</a:t>
+            </a:r>
+            <a:r>
+              <a:rPr kumimoji="1" lang="ja-JP" altLang="en-US" sz="2400" b="0" i="0" u="none" strike="noStrike" kern="1200" cap="none" spc="0" normalizeH="0" baseline="0" noProof="0" dirty="0">
+                <a:ln>
+                  <a:noFill/>
+                </a:ln>
+                <a:solidFill>
+                  <a:srgbClr val="000000"/>
+                </a:solidFill>
+                <a:effectLst/>
+                <a:uLnTx/>
+                <a:uFillTx/>
+                <a:latin typeface="ＭＳ Ｐゴシック" panose="020B0600070205080204" pitchFamily="50" charset="-128"/>
+                <a:ea typeface="ＭＳ Ｐゴシック" panose="020B0600070205080204" pitchFamily="50" charset="-128"/>
+              </a:rPr>
+              <a:t>上記作成した技術を用いての様々な環境上でのデモンストレーション展示・検証</a:t>
+            </a:r>
+          </a:p>
+          <a:p>
+            <a:pPr marL="0" marR="0" lvl="0" indent="0" algn="l" defTabSz="914400" rtl="0" eaLnBrk="1" fontAlgn="auto" latinLnBrk="0" hangingPunct="1">
+              <a:lnSpc>
+                <a:spcPct val="100000"/>
+              </a:lnSpc>
+              <a:spcBef>
+                <a:spcPts val="0"/>
+              </a:spcBef>
+              <a:spcAft>
+                <a:spcPts val="0"/>
+              </a:spcAft>
+              <a:buClrTx/>
+              <a:buSzTx/>
+              <a:buFontTx/>
+              <a:buNone/>
+              <a:tabLst/>
+              <a:defRPr/>
+            </a:pPr>
+            <a:r>
+              <a:rPr kumimoji="1" lang="en-US" altLang="ja-JP" sz="2400" b="0" i="0" u="none" strike="noStrike" kern="1200" cap="none" spc="0" normalizeH="0" baseline="0" noProof="0" dirty="0">
+                <a:ln>
+                  <a:noFill/>
+                </a:ln>
+                <a:solidFill>
+                  <a:srgbClr val="000000"/>
+                </a:solidFill>
+                <a:effectLst/>
+                <a:uLnTx/>
+                <a:uFillTx/>
+                <a:latin typeface="ＭＳ Ｐゴシック" panose="020B0600070205080204" pitchFamily="50" charset="-128"/>
+                <a:ea typeface="ＭＳ Ｐゴシック" panose="020B0600070205080204" pitchFamily="50" charset="-128"/>
+              </a:rPr>
+              <a:t>(</a:t>
+            </a:r>
+            <a:r>
+              <a:rPr kumimoji="1" lang="ja-JP" altLang="en-US" sz="2400" b="0" i="0" u="none" strike="noStrike" kern="1200" cap="none" spc="0" normalizeH="0" baseline="0" noProof="0" dirty="0">
+                <a:ln>
+                  <a:noFill/>
+                </a:ln>
+                <a:solidFill>
+                  <a:srgbClr val="000000"/>
+                </a:solidFill>
+                <a:effectLst/>
+                <a:uLnTx/>
+                <a:uFillTx/>
+                <a:latin typeface="ＭＳ Ｐゴシック" panose="020B0600070205080204" pitchFamily="50" charset="-128"/>
+                <a:ea typeface="ＭＳ Ｐゴシック" panose="020B0600070205080204" pitchFamily="50" charset="-128"/>
+              </a:rPr>
+              <a:t>卒業展で目に見える展示物はこれ</a:t>
+            </a:r>
+            <a:r>
+              <a:rPr kumimoji="1" lang="en-US" altLang="ja-JP" sz="2400" b="0" i="0" u="none" strike="noStrike" kern="1200" cap="none" spc="0" normalizeH="0" baseline="0" noProof="0" dirty="0">
+                <a:ln>
+                  <a:noFill/>
+                </a:ln>
+                <a:solidFill>
+                  <a:srgbClr val="000000"/>
+                </a:solidFill>
+                <a:effectLst/>
+                <a:uLnTx/>
+                <a:uFillTx/>
+                <a:latin typeface="ＭＳ Ｐゴシック" panose="020B0600070205080204" pitchFamily="50" charset="-128"/>
+                <a:ea typeface="ＭＳ Ｐゴシック" panose="020B0600070205080204" pitchFamily="50" charset="-128"/>
+              </a:rPr>
+              <a:t>)</a:t>
+            </a:r>
+          </a:p>
+          <a:p>
+            <a:pPr marL="0" marR="0" lvl="0" indent="0" algn="l" defTabSz="914400" rtl="0" eaLnBrk="1" fontAlgn="auto" latinLnBrk="0" hangingPunct="1">
+              <a:lnSpc>
+                <a:spcPct val="100000"/>
+              </a:lnSpc>
+              <a:spcBef>
+                <a:spcPts val="0"/>
+              </a:spcBef>
+              <a:spcAft>
+                <a:spcPts val="0"/>
+              </a:spcAft>
+              <a:buClrTx/>
+              <a:buSzTx/>
+              <a:buFontTx/>
+              <a:buNone/>
+              <a:tabLst/>
+              <a:defRPr/>
+            </a:pPr>
+            <a:endParaRPr kumimoji="1" lang="en-US" altLang="ja-JP" sz="2400" b="1" i="0" u="sng" strike="noStrike" kern="1200" cap="none" spc="0" normalizeH="0" baseline="0" noProof="0" dirty="0">
+              <a:ln>
+                <a:noFill/>
+              </a:ln>
+              <a:solidFill>
+                <a:srgbClr val="FF0000"/>
+              </a:solidFill>
+              <a:effectLst/>
+              <a:uLnTx/>
+              <a:uFillTx/>
+              <a:latin typeface="ＭＳ Ｐゴシック" panose="020B0600070205080204" pitchFamily="50" charset="-128"/>
+              <a:ea typeface="ＭＳ Ｐゴシック" panose="020B0600070205080204" pitchFamily="50" charset="-128"/>
+            </a:endParaRPr>
+          </a:p>
+          <a:p>
+            <a:pPr marL="0" marR="0" lvl="0" indent="0" algn="l" defTabSz="914400" rtl="0" eaLnBrk="1" fontAlgn="auto" latinLnBrk="0" hangingPunct="1">
+              <a:lnSpc>
+                <a:spcPct val="100000"/>
+              </a:lnSpc>
+              <a:spcBef>
+                <a:spcPts val="0"/>
+              </a:spcBef>
+              <a:spcAft>
+                <a:spcPts val="0"/>
+              </a:spcAft>
+              <a:buClrTx/>
+              <a:buSzTx/>
+              <a:buFontTx/>
+              <a:buNone/>
+              <a:tabLst/>
+              <a:defRPr/>
+            </a:pPr>
+            <a:r>
+              <a:rPr kumimoji="1" lang="ja-JP" altLang="en-US" sz="2400" b="1" i="0" u="sng" strike="noStrike" kern="1200" cap="none" spc="0" normalizeH="0" baseline="0" noProof="0" dirty="0">
+                <a:ln>
+                  <a:noFill/>
+                </a:ln>
+                <a:solidFill>
+                  <a:srgbClr val="FF0000"/>
+                </a:solidFill>
+                <a:effectLst/>
+                <a:uLnTx/>
+                <a:uFillTx/>
+                <a:latin typeface="ＭＳ Ｐゴシック" panose="020B0600070205080204" pitchFamily="50" charset="-128"/>
+                <a:ea typeface="ＭＳ Ｐゴシック" panose="020B0600070205080204" pitchFamily="50" charset="-128"/>
+              </a:rPr>
+              <a:t>→そのため、サービスの提供がゴールではなく、</a:t>
+            </a:r>
+          </a:p>
+          <a:p>
+            <a:pPr marL="0" marR="0" lvl="0" indent="0" algn="l" defTabSz="914400" rtl="0" eaLnBrk="1" fontAlgn="auto" latinLnBrk="0" hangingPunct="1">
+              <a:lnSpc>
+                <a:spcPct val="100000"/>
+              </a:lnSpc>
+              <a:spcBef>
+                <a:spcPts val="0"/>
+              </a:spcBef>
+              <a:spcAft>
+                <a:spcPts val="0"/>
+              </a:spcAft>
+              <a:buClrTx/>
+              <a:buSzTx/>
+              <a:buFontTx/>
+              <a:buNone/>
+              <a:tabLst/>
+              <a:defRPr/>
+            </a:pPr>
+            <a:r>
+              <a:rPr kumimoji="1" lang="ja-JP" altLang="en-US" sz="2400" b="1" i="0" u="sng" strike="noStrike" kern="1200" cap="none" spc="0" normalizeH="0" baseline="0" noProof="0" dirty="0">
+                <a:ln>
+                  <a:noFill/>
+                </a:ln>
+                <a:solidFill>
+                  <a:srgbClr val="FF0000"/>
+                </a:solidFill>
+                <a:effectLst/>
+                <a:uLnTx/>
+                <a:uFillTx/>
+                <a:latin typeface="ＭＳ Ｐゴシック" panose="020B0600070205080204" pitchFamily="50" charset="-128"/>
+                <a:ea typeface="ＭＳ Ｐゴシック" panose="020B0600070205080204" pitchFamily="50" charset="-128"/>
+              </a:rPr>
+              <a:t>サービスを提供できる基盤の構築を容易にするための</a:t>
+            </a:r>
+          </a:p>
+          <a:p>
+            <a:pPr marL="0" marR="0" lvl="0" indent="0" algn="l" defTabSz="914400" rtl="0" eaLnBrk="1" fontAlgn="auto" latinLnBrk="0" hangingPunct="1">
+              <a:lnSpc>
+                <a:spcPct val="100000"/>
+              </a:lnSpc>
+              <a:spcBef>
+                <a:spcPts val="0"/>
+              </a:spcBef>
+              <a:spcAft>
+                <a:spcPts val="0"/>
+              </a:spcAft>
+              <a:buClrTx/>
+              <a:buSzTx/>
+              <a:buFontTx/>
+              <a:buNone/>
+              <a:tabLst/>
+              <a:defRPr/>
+            </a:pPr>
+            <a:r>
+              <a:rPr kumimoji="1" lang="ja-JP" altLang="en-US" sz="2400" b="1" i="0" u="sng" strike="noStrike" kern="1200" cap="none" spc="0" normalizeH="0" baseline="0" noProof="0" dirty="0">
+                <a:ln>
+                  <a:noFill/>
+                </a:ln>
+                <a:solidFill>
+                  <a:srgbClr val="FF0000"/>
+                </a:solidFill>
+                <a:effectLst/>
+                <a:uLnTx/>
+                <a:uFillTx/>
+                <a:latin typeface="ＭＳ Ｐゴシック" panose="020B0600070205080204" pitchFamily="50" charset="-128"/>
+                <a:ea typeface="ＭＳ Ｐゴシック" panose="020B0600070205080204" pitchFamily="50" charset="-128"/>
+              </a:rPr>
+              <a:t>パッケージの公開・頒布が目指すゴール</a:t>
+            </a:r>
+          </a:p>
+          <a:p>
+            <a:pPr marL="0" marR="0" lvl="0" indent="0" algn="l" defTabSz="914400" rtl="0" eaLnBrk="1" fontAlgn="auto" latinLnBrk="0" hangingPunct="1">
+              <a:lnSpc>
+                <a:spcPct val="100000"/>
+              </a:lnSpc>
+              <a:spcBef>
+                <a:spcPts val="0"/>
+              </a:spcBef>
+              <a:spcAft>
+                <a:spcPts val="0"/>
+              </a:spcAft>
+              <a:buClrTx/>
+              <a:buSzTx/>
+              <a:buFontTx/>
+              <a:buNone/>
+              <a:tabLst/>
+              <a:defRPr/>
+            </a:pPr>
+            <a:endParaRPr kumimoji="1" lang="en-US" altLang="ja-JP" sz="2400" b="1" i="0" u="sng" strike="noStrike" kern="1200" cap="none" spc="0" normalizeH="0" baseline="0" noProof="0" dirty="0">
+              <a:ln>
+                <a:noFill/>
+              </a:ln>
+              <a:solidFill>
+                <a:srgbClr val="FF0000"/>
+              </a:solidFill>
+              <a:effectLst/>
+              <a:uLnTx/>
+              <a:uFillTx/>
+              <a:latin typeface="ＭＳ Ｐゴシック" panose="020B0600070205080204" pitchFamily="50" charset="-128"/>
+              <a:ea typeface="ＭＳ Ｐゴシック" panose="020B0600070205080204" pitchFamily="50" charset="-128"/>
+            </a:endParaRPr>
+          </a:p>
+          <a:p>
+            <a:pPr marL="0" marR="0" lvl="0" indent="0" algn="l" defTabSz="914400" rtl="0" eaLnBrk="1" fontAlgn="auto" latinLnBrk="0" hangingPunct="1">
+              <a:lnSpc>
+                <a:spcPct val="100000"/>
+              </a:lnSpc>
+              <a:spcBef>
+                <a:spcPts val="0"/>
+              </a:spcBef>
+              <a:spcAft>
+                <a:spcPts val="0"/>
+              </a:spcAft>
+              <a:buClrTx/>
+              <a:buSzTx/>
+              <a:buFontTx/>
+              <a:buNone/>
+              <a:tabLst/>
+              <a:defRPr/>
+            </a:pPr>
+            <a:endParaRPr kumimoji="1" lang="ja-JP" altLang="en-US" sz="2400" b="1" i="0" u="sng" strike="noStrike" kern="1200" cap="none" spc="0" normalizeH="0" baseline="0" noProof="0" dirty="0">
+              <a:ln>
+                <a:noFill/>
+              </a:ln>
+              <a:solidFill>
+                <a:srgbClr val="FF0000"/>
+              </a:solidFill>
+              <a:effectLst/>
+              <a:uLnTx/>
+              <a:uFillTx/>
+              <a:latin typeface="ＭＳ Ｐゴシック" panose="020B0600070205080204" pitchFamily="50" charset="-128"/>
+              <a:ea typeface="ＭＳ Ｐゴシック" panose="020B0600070205080204" pitchFamily="50" charset="-128"/>
+            </a:endParaRPr>
+          </a:p>
+        </p:txBody>
+      </p:sp>
+    </p:spTree>
+    <p:extLst>
+      <p:ext uri="{BB962C8B-B14F-4D97-AF65-F5344CB8AC3E}">
+        <p14:creationId xmlns:p14="http://schemas.microsoft.com/office/powerpoint/2010/main" val="2248327949"/>
+      </p:ext>
+    </p:extLst>
+  </p:cSld>
+  <p:clrMapOvr>
+    <a:masterClrMapping/>
+  </p:clrMapOvr>
+</p:sld>
+</file>
+
+<file path=ppt/slides/slide4.xml><?xml version="1.0" encoding="utf-8"?>
+<p:sld xmlns:a="http://schemas.openxmlformats.org/drawingml/2006/main" xmlns:r="http://schemas.openxmlformats.org/officeDocument/2006/relationships" xmlns:p="http://schemas.openxmlformats.org/presentationml/2006/main">
+  <p:cSld>
+    <p:spTree>
+      <p:nvGrpSpPr>
+        <p:cNvPr id="1" name=""/>
+        <p:cNvGrpSpPr/>
+        <p:nvPr/>
+      </p:nvGrpSpPr>
+      <p:grpSpPr>
+        <a:xfrm>
+          <a:off x="0" y="0"/>
+          <a:ext cx="0" cy="0"/>
+          <a:chOff x="0" y="0"/>
+          <a:chExt cx="0" cy="0"/>
+        </a:xfrm>
+      </p:grpSpPr>
+      <p:sp>
+        <p:nvSpPr>
+          <p:cNvPr id="5" name="テキスト ボックス 4">
+            <a:extLst>
+              <a:ext uri="{FF2B5EF4-FFF2-40B4-BE49-F238E27FC236}">
+                <a16:creationId xmlns:a16="http://schemas.microsoft.com/office/drawing/2014/main" id="{AE0D2A4C-6FE6-E843-2AF7-60B4B7698A21}"/>
+              </a:ext>
+            </a:extLst>
+          </p:cNvPr>
+          <p:cNvSpPr txBox="1"/>
+          <p:nvPr/>
+        </p:nvSpPr>
+        <p:spPr>
+          <a:xfrm>
+            <a:off x="641622" y="863240"/>
+            <a:ext cx="1723549" cy="707886"/>
+          </a:xfrm>
+          <a:prstGeom prst="rect">
+            <a:avLst/>
+          </a:prstGeom>
+          <a:noFill/>
+        </p:spPr>
+        <p:txBody>
+          <a:bodyPr wrap="none" rtlCol="0">
+            <a:spAutoFit/>
+          </a:bodyPr>
+          <a:lstStyle/>
+          <a:p>
+            <a:pPr marL="0" marR="0" lvl="0" indent="0" algn="l" defTabSz="914400" rtl="0" eaLnBrk="1" fontAlgn="auto" latinLnBrk="0" hangingPunct="1">
+              <a:lnSpc>
+                <a:spcPct val="100000"/>
+              </a:lnSpc>
+              <a:spcBef>
+                <a:spcPts val="0"/>
+              </a:spcBef>
+              <a:spcAft>
+                <a:spcPts val="0"/>
+              </a:spcAft>
+              <a:buClrTx/>
+              <a:buSzTx/>
+              <a:buFontTx/>
+              <a:buNone/>
+              <a:tabLst/>
+              <a:defRPr/>
+            </a:pPr>
+            <a:r>
+              <a:rPr kumimoji="1" lang="ja-JP" altLang="en-US" sz="4000" b="0" i="0" u="none" strike="noStrike" kern="1200" cap="none" spc="0" normalizeH="0" baseline="0" noProof="0" dirty="0">
+                <a:ln>
+                  <a:noFill/>
+                </a:ln>
+                <a:solidFill>
+                  <a:srgbClr val="000000"/>
+                </a:solidFill>
+                <a:effectLst/>
+                <a:uLnTx/>
+                <a:uFillTx/>
+                <a:latin typeface="ＭＳ Ｐゴシック" panose="020B0600070205080204" pitchFamily="50" charset="-128"/>
+                <a:ea typeface="ＭＳ Ｐゴシック" panose="020B0600070205080204" pitchFamily="50" charset="-128"/>
+              </a:rPr>
+              <a:t>成果物</a:t>
+            </a:r>
+          </a:p>
+        </p:txBody>
+      </p:sp>
+      <p:sp>
+        <p:nvSpPr>
+          <p:cNvPr id="6" name="テキスト ボックス 5">
+            <a:extLst>
+              <a:ext uri="{FF2B5EF4-FFF2-40B4-BE49-F238E27FC236}">
+                <a16:creationId xmlns:a16="http://schemas.microsoft.com/office/drawing/2014/main" id="{00F2A629-ECC8-EAAB-322A-04248FA33AB8}"/>
+              </a:ext>
+            </a:extLst>
+          </p:cNvPr>
+          <p:cNvSpPr txBox="1"/>
+          <p:nvPr/>
+        </p:nvSpPr>
+        <p:spPr>
+          <a:xfrm>
+            <a:off x="641622" y="1655793"/>
+            <a:ext cx="9534983" cy="3477875"/>
+          </a:xfrm>
+          <a:prstGeom prst="rect">
+            <a:avLst/>
+          </a:prstGeom>
+          <a:noFill/>
+        </p:spPr>
+        <p:txBody>
+          <a:bodyPr wrap="none" rtlCol="0">
+            <a:spAutoFit/>
+          </a:bodyPr>
+          <a:lstStyle/>
+          <a:p>
+            <a:pPr marL="0" marR="0" lvl="0" indent="0" algn="l" defTabSz="914400" rtl="0" eaLnBrk="1" fontAlgn="auto" latinLnBrk="0" hangingPunct="1">
+              <a:lnSpc>
+                <a:spcPct val="100000"/>
+              </a:lnSpc>
+              <a:spcBef>
+                <a:spcPts val="0"/>
+              </a:spcBef>
+              <a:spcAft>
+                <a:spcPts val="0"/>
+              </a:spcAft>
+              <a:buClrTx/>
+              <a:buSzTx/>
+              <a:buFontTx/>
+              <a:buNone/>
+              <a:tabLst/>
+              <a:defRPr/>
+            </a:pPr>
+            <a:r>
+              <a:rPr kumimoji="1" lang="ja-JP" altLang="en-US" sz="2800" b="0" i="0" u="none" strike="noStrike" kern="1200" cap="none" spc="0" normalizeH="0" baseline="0" noProof="0" dirty="0">
+                <a:ln>
+                  <a:noFill/>
+                </a:ln>
+                <a:solidFill>
+                  <a:srgbClr val="000000"/>
+                </a:solidFill>
+                <a:effectLst/>
+                <a:uLnTx/>
+                <a:uFillTx/>
+                <a:latin typeface="ＭＳ Ｐゴシック" panose="020B0600070205080204" pitchFamily="50" charset="-128"/>
+                <a:ea typeface="ＭＳ Ｐゴシック" panose="020B0600070205080204" pitchFamily="50" charset="-128"/>
+              </a:rPr>
+              <a:t>１</a:t>
+            </a:r>
+            <a:r>
+              <a:rPr kumimoji="1" lang="en-US" altLang="ja-JP" sz="2800" b="0" i="0" u="none" strike="noStrike" kern="1200" cap="none" spc="0" normalizeH="0" baseline="0" noProof="0" dirty="0">
+                <a:ln>
+                  <a:noFill/>
+                </a:ln>
+                <a:solidFill>
+                  <a:srgbClr val="000000"/>
+                </a:solidFill>
+                <a:effectLst/>
+                <a:uLnTx/>
+                <a:uFillTx/>
+                <a:latin typeface="ＭＳ Ｐゴシック" panose="020B0600070205080204" pitchFamily="50" charset="-128"/>
+                <a:ea typeface="ＭＳ Ｐゴシック" panose="020B0600070205080204" pitchFamily="50" charset="-128"/>
+              </a:rPr>
+              <a:t>.</a:t>
+            </a:r>
+            <a:r>
+              <a:rPr kumimoji="1" lang="ja-JP" altLang="en-US" sz="2800" b="0" i="0" u="none" strike="noStrike" kern="1200" cap="none" spc="0" normalizeH="0" baseline="0" noProof="0" dirty="0">
+                <a:ln>
+                  <a:noFill/>
+                </a:ln>
+                <a:solidFill>
+                  <a:srgbClr val="000000"/>
+                </a:solidFill>
+                <a:effectLst/>
+                <a:uLnTx/>
+                <a:uFillTx/>
+                <a:latin typeface="ＭＳ Ｐゴシック" panose="020B0600070205080204" pitchFamily="50" charset="-128"/>
+                <a:ea typeface="ＭＳ Ｐゴシック" panose="020B0600070205080204" pitchFamily="50" charset="-128"/>
+              </a:rPr>
+              <a:t>プライベートクラウドサービスを容易に構築することができる</a:t>
+            </a:r>
+            <a:endParaRPr kumimoji="1" lang="en-US" altLang="ja-JP" sz="2800" b="0" i="0" u="none" strike="noStrike" kern="1200" cap="none" spc="0" normalizeH="0" baseline="0" noProof="0" dirty="0">
+              <a:ln>
+                <a:noFill/>
+              </a:ln>
+              <a:solidFill>
+                <a:srgbClr val="000000"/>
+              </a:solidFill>
+              <a:effectLst/>
+              <a:uLnTx/>
+              <a:uFillTx/>
+              <a:latin typeface="ＭＳ Ｐゴシック" panose="020B0600070205080204" pitchFamily="50" charset="-128"/>
+              <a:ea typeface="ＭＳ Ｐゴシック" panose="020B0600070205080204" pitchFamily="50" charset="-128"/>
+            </a:endParaRPr>
+          </a:p>
+          <a:p>
+            <a:pPr marL="0" marR="0" lvl="0" indent="0" algn="l" defTabSz="914400" rtl="0" eaLnBrk="1" fontAlgn="auto" latinLnBrk="0" hangingPunct="1">
+              <a:lnSpc>
+                <a:spcPct val="100000"/>
+              </a:lnSpc>
+              <a:spcBef>
+                <a:spcPts val="0"/>
+              </a:spcBef>
+              <a:spcAft>
+                <a:spcPts val="0"/>
+              </a:spcAft>
+              <a:buClrTx/>
+              <a:buSzTx/>
+              <a:buFontTx/>
+              <a:buNone/>
+              <a:tabLst/>
+              <a:defRPr/>
+            </a:pPr>
+            <a:r>
+              <a:rPr kumimoji="1" lang="ja-JP" altLang="en-US" sz="2800" b="0" i="0" u="none" strike="noStrike" kern="1200" cap="none" spc="0" normalizeH="0" baseline="0" noProof="0" dirty="0">
+                <a:ln>
+                  <a:noFill/>
+                </a:ln>
+                <a:solidFill>
+                  <a:srgbClr val="000000"/>
+                </a:solidFill>
+                <a:effectLst/>
+                <a:uLnTx/>
+                <a:uFillTx/>
+                <a:latin typeface="ＭＳ Ｐゴシック" panose="020B0600070205080204" pitchFamily="50" charset="-128"/>
+                <a:ea typeface="ＭＳ Ｐゴシック" panose="020B0600070205080204" pitchFamily="50" charset="-128"/>
+              </a:rPr>
+              <a:t>ソフトウェアパッケージ</a:t>
+            </a:r>
+            <a:endParaRPr kumimoji="1" lang="en-US" altLang="ja-JP" sz="2800" b="0" i="0" u="none" strike="noStrike" kern="1200" cap="none" spc="0" normalizeH="0" baseline="0" noProof="0" dirty="0">
+              <a:ln>
+                <a:noFill/>
+              </a:ln>
+              <a:solidFill>
+                <a:srgbClr val="000000"/>
+              </a:solidFill>
+              <a:effectLst/>
+              <a:uLnTx/>
+              <a:uFillTx/>
+              <a:latin typeface="ＭＳ Ｐゴシック" panose="020B0600070205080204" pitchFamily="50" charset="-128"/>
+              <a:ea typeface="ＭＳ Ｐゴシック" panose="020B0600070205080204" pitchFamily="50" charset="-128"/>
+            </a:endParaRPr>
+          </a:p>
+          <a:p>
+            <a:pPr marL="0" marR="0" lvl="0" indent="0" algn="l" defTabSz="914400" rtl="0" eaLnBrk="1" fontAlgn="auto" latinLnBrk="0" hangingPunct="1">
+              <a:lnSpc>
+                <a:spcPct val="100000"/>
+              </a:lnSpc>
+              <a:spcBef>
+                <a:spcPts val="0"/>
+              </a:spcBef>
+              <a:spcAft>
+                <a:spcPts val="0"/>
+              </a:spcAft>
+              <a:buClrTx/>
+              <a:buSzTx/>
+              <a:buFontTx/>
+              <a:buNone/>
+              <a:tabLst/>
+              <a:defRPr/>
+            </a:pPr>
+            <a:r>
+              <a:rPr kumimoji="1" lang="ja-JP" altLang="en-US" sz="1800" b="1" i="0" u="sng" strike="noStrike" kern="1200" cap="none" spc="0" normalizeH="0" baseline="0" noProof="0" dirty="0">
+                <a:ln>
+                  <a:noFill/>
+                </a:ln>
+                <a:solidFill>
+                  <a:srgbClr val="000000"/>
+                </a:solidFill>
+                <a:effectLst/>
+                <a:uLnTx/>
+                <a:uFillTx/>
+                <a:latin typeface="ＭＳ Ｐゴシック" panose="020B0600070205080204" pitchFamily="50" charset="-128"/>
+                <a:ea typeface="ＭＳ Ｐゴシック" panose="020B0600070205080204" pitchFamily="50" charset="-128"/>
+              </a:rPr>
+              <a:t>→</a:t>
+            </a:r>
+            <a:r>
+              <a:rPr kumimoji="1" lang="en-US" altLang="ja-JP" sz="1800" b="1" i="0" u="sng" strike="noStrike" kern="1200" cap="none" spc="0" normalizeH="0" baseline="0" noProof="0" dirty="0">
+                <a:ln>
+                  <a:noFill/>
+                </a:ln>
+                <a:solidFill>
+                  <a:srgbClr val="FF0000"/>
+                </a:solidFill>
+                <a:effectLst/>
+                <a:uLnTx/>
+                <a:uFillTx/>
+                <a:latin typeface="ＭＳ Ｐゴシック" panose="020B0600070205080204" pitchFamily="50" charset="-128"/>
+                <a:ea typeface="ＭＳ Ｐゴシック" panose="020B0600070205080204" pitchFamily="50" charset="-128"/>
+              </a:rPr>
+              <a:t>ISO</a:t>
+            </a:r>
+            <a:r>
+              <a:rPr kumimoji="1" lang="ja-JP" altLang="en-US" sz="1800" b="1" i="0" u="sng" strike="noStrike" kern="1200" cap="none" spc="0" normalizeH="0" baseline="0" noProof="0" dirty="0">
+                <a:ln>
+                  <a:noFill/>
+                </a:ln>
+                <a:solidFill>
+                  <a:srgbClr val="FF0000"/>
+                </a:solidFill>
+                <a:effectLst/>
+                <a:uLnTx/>
+                <a:uFillTx/>
+                <a:latin typeface="ＭＳ Ｐゴシック" panose="020B0600070205080204" pitchFamily="50" charset="-128"/>
+                <a:ea typeface="ＭＳ Ｐゴシック" panose="020B0600070205080204" pitchFamily="50" charset="-128"/>
+              </a:rPr>
+              <a:t>ファイル、パッケージ等種類は問わないが、だれもがダウンロードできて利用できる形に</a:t>
+            </a:r>
+            <a:endParaRPr kumimoji="1" lang="en-US" altLang="ja-JP" sz="1800" b="1" i="0" u="sng" strike="noStrike" kern="1200" cap="none" spc="0" normalizeH="0" baseline="0" noProof="0" dirty="0">
+              <a:ln>
+                <a:noFill/>
+              </a:ln>
+              <a:solidFill>
+                <a:srgbClr val="FF0000"/>
+              </a:solidFill>
+              <a:effectLst/>
+              <a:uLnTx/>
+              <a:uFillTx/>
+              <a:latin typeface="ＭＳ Ｐゴシック" panose="020B0600070205080204" pitchFamily="50" charset="-128"/>
+              <a:ea typeface="ＭＳ Ｐゴシック" panose="020B0600070205080204" pitchFamily="50" charset="-128"/>
+            </a:endParaRPr>
+          </a:p>
+          <a:p>
+            <a:pPr marL="0" marR="0" lvl="0" indent="0" algn="l" defTabSz="914400" rtl="0" eaLnBrk="1" fontAlgn="auto" latinLnBrk="0" hangingPunct="1">
+              <a:lnSpc>
+                <a:spcPct val="100000"/>
+              </a:lnSpc>
+              <a:spcBef>
+                <a:spcPts val="0"/>
+              </a:spcBef>
+              <a:spcAft>
+                <a:spcPts val="0"/>
+              </a:spcAft>
+              <a:buClrTx/>
+              <a:buSzTx/>
+              <a:buFontTx/>
+              <a:buNone/>
+              <a:tabLst/>
+              <a:defRPr/>
+            </a:pPr>
+            <a:endParaRPr kumimoji="1" lang="en-US" altLang="ja-JP" sz="1800" b="1" i="0" u="sng" strike="noStrike" kern="1200" cap="none" spc="0" normalizeH="0" baseline="0" noProof="0" dirty="0">
+              <a:ln>
+                <a:noFill/>
+              </a:ln>
+              <a:solidFill>
+                <a:srgbClr val="FF0000"/>
+              </a:solidFill>
+              <a:effectLst/>
+              <a:uLnTx/>
+              <a:uFillTx/>
+              <a:latin typeface="ＭＳ Ｐゴシック" panose="020B0600070205080204" pitchFamily="50" charset="-128"/>
+              <a:ea typeface="ＭＳ Ｐゴシック" panose="020B0600070205080204" pitchFamily="50" charset="-128"/>
+            </a:endParaRPr>
+          </a:p>
+          <a:p>
+            <a:pPr marL="0" marR="0" lvl="0" indent="0" algn="l" defTabSz="914400" rtl="0" eaLnBrk="1" fontAlgn="auto" latinLnBrk="0" hangingPunct="1">
+              <a:lnSpc>
+                <a:spcPct val="100000"/>
+              </a:lnSpc>
+              <a:spcBef>
+                <a:spcPts val="0"/>
+              </a:spcBef>
+              <a:spcAft>
+                <a:spcPts val="0"/>
+              </a:spcAft>
+              <a:buClrTx/>
+              <a:buSzTx/>
+              <a:buFontTx/>
+              <a:buNone/>
+              <a:tabLst/>
+              <a:defRPr/>
+            </a:pPr>
+            <a:r>
+              <a:rPr kumimoji="1" lang="ja-JP" altLang="en-US" sz="2800" b="0" i="0" u="none" strike="noStrike" kern="1200" cap="none" spc="0" normalizeH="0" baseline="0" noProof="0" dirty="0">
+                <a:ln>
+                  <a:noFill/>
+                </a:ln>
+                <a:solidFill>
+                  <a:srgbClr val="000000"/>
+                </a:solidFill>
+                <a:effectLst/>
+                <a:uLnTx/>
+                <a:uFillTx/>
+                <a:latin typeface="ＭＳ Ｐゴシック" panose="020B0600070205080204" pitchFamily="50" charset="-128"/>
+                <a:ea typeface="ＭＳ Ｐゴシック" panose="020B0600070205080204" pitchFamily="50" charset="-128"/>
+              </a:rPr>
+              <a:t>２</a:t>
+            </a:r>
+            <a:r>
+              <a:rPr kumimoji="1" lang="en-US" altLang="ja-JP" sz="2800" b="0" i="0" u="none" strike="noStrike" kern="1200" cap="none" spc="0" normalizeH="0" baseline="0" noProof="0" dirty="0">
+                <a:ln>
+                  <a:noFill/>
+                </a:ln>
+                <a:solidFill>
+                  <a:srgbClr val="000000"/>
+                </a:solidFill>
+                <a:effectLst/>
+                <a:uLnTx/>
+                <a:uFillTx/>
+                <a:latin typeface="ＭＳ Ｐゴシック" panose="020B0600070205080204" pitchFamily="50" charset="-128"/>
+                <a:ea typeface="ＭＳ Ｐゴシック" panose="020B0600070205080204" pitchFamily="50" charset="-128"/>
+              </a:rPr>
+              <a:t>.</a:t>
+            </a:r>
+            <a:r>
+              <a:rPr kumimoji="1" lang="ja-JP" altLang="en-US" sz="2800" b="0" i="0" u="none" strike="noStrike" kern="1200" cap="none" spc="0" normalizeH="0" baseline="0" noProof="0" dirty="0">
+                <a:ln>
+                  <a:noFill/>
+                </a:ln>
+                <a:solidFill>
+                  <a:srgbClr val="000000"/>
+                </a:solidFill>
+                <a:effectLst/>
+                <a:uLnTx/>
+                <a:uFillTx/>
+                <a:latin typeface="ＭＳ Ｐゴシック" panose="020B0600070205080204" pitchFamily="50" charset="-128"/>
+                <a:ea typeface="ＭＳ Ｐゴシック" panose="020B0600070205080204" pitchFamily="50" charset="-128"/>
+              </a:rPr>
+              <a:t>ソフトウェアをわかりやすく使うことのできるマニュアル</a:t>
+            </a:r>
+            <a:endParaRPr kumimoji="1" lang="en-US" altLang="ja-JP" sz="2800" b="0" i="0" u="none" strike="noStrike" kern="1200" cap="none" spc="0" normalizeH="0" baseline="0" noProof="0" dirty="0">
+              <a:ln>
+                <a:noFill/>
+              </a:ln>
+              <a:solidFill>
+                <a:srgbClr val="000000"/>
+              </a:solidFill>
+              <a:effectLst/>
+              <a:uLnTx/>
+              <a:uFillTx/>
+              <a:latin typeface="ＭＳ Ｐゴシック" panose="020B0600070205080204" pitchFamily="50" charset="-128"/>
+              <a:ea typeface="ＭＳ Ｐゴシック" panose="020B0600070205080204" pitchFamily="50" charset="-128"/>
+            </a:endParaRPr>
+          </a:p>
+          <a:p>
+            <a:pPr marL="0" marR="0" lvl="0" indent="0" algn="l" defTabSz="914400" rtl="0" eaLnBrk="1" fontAlgn="auto" latinLnBrk="0" hangingPunct="1">
+              <a:lnSpc>
+                <a:spcPct val="100000"/>
+              </a:lnSpc>
+              <a:spcBef>
+                <a:spcPts val="0"/>
+              </a:spcBef>
+              <a:spcAft>
+                <a:spcPts val="0"/>
+              </a:spcAft>
+              <a:buClrTx/>
+              <a:buSzTx/>
+              <a:buFontTx/>
+              <a:buNone/>
+              <a:tabLst/>
+              <a:defRPr/>
+            </a:pPr>
+            <a:r>
+              <a:rPr kumimoji="1" lang="ja-JP" altLang="en-US" sz="1800" b="0" i="0" u="sng" strike="noStrike" kern="1200" cap="none" spc="0" normalizeH="0" baseline="0" noProof="0" dirty="0">
+                <a:ln>
+                  <a:noFill/>
+                </a:ln>
+                <a:solidFill>
+                  <a:srgbClr val="000000"/>
+                </a:solidFill>
+                <a:effectLst/>
+                <a:uLnTx/>
+                <a:uFillTx/>
+                <a:latin typeface="ＭＳ Ｐゴシック" panose="020B0600070205080204" pitchFamily="50" charset="-128"/>
+                <a:ea typeface="ＭＳ Ｐゴシック" panose="020B0600070205080204" pitchFamily="50" charset="-128"/>
+              </a:rPr>
+              <a:t>→</a:t>
+            </a:r>
+            <a:r>
+              <a:rPr kumimoji="1" lang="ja-JP" altLang="en-US" sz="1800" b="0" i="0" u="sng" strike="noStrike" kern="1200" cap="none" spc="0" normalizeH="0" baseline="0" noProof="0" dirty="0">
+                <a:ln>
+                  <a:noFill/>
+                </a:ln>
+                <a:solidFill>
+                  <a:srgbClr val="FF0000"/>
+                </a:solidFill>
+                <a:effectLst/>
+                <a:uLnTx/>
+                <a:uFillTx/>
+                <a:latin typeface="ＭＳ Ｐゴシック" panose="020B0600070205080204" pitchFamily="50" charset="-128"/>
+                <a:ea typeface="ＭＳ Ｐゴシック" panose="020B0600070205080204" pitchFamily="50" charset="-128"/>
+              </a:rPr>
+              <a:t>日本語のドキュメントで学生でも簡単に理解することのできる形に</a:t>
+            </a:r>
+            <a:endParaRPr kumimoji="1" lang="en-US" altLang="ja-JP" sz="1800" b="0" i="0" u="sng" strike="noStrike" kern="1200" cap="none" spc="0" normalizeH="0" baseline="0" noProof="0" dirty="0">
+              <a:ln>
+                <a:noFill/>
+              </a:ln>
+              <a:solidFill>
+                <a:srgbClr val="FF0000"/>
+              </a:solidFill>
+              <a:effectLst/>
+              <a:uLnTx/>
+              <a:uFillTx/>
+              <a:latin typeface="ＭＳ Ｐゴシック" panose="020B0600070205080204" pitchFamily="50" charset="-128"/>
+              <a:ea typeface="ＭＳ Ｐゴシック" panose="020B0600070205080204" pitchFamily="50" charset="-128"/>
+            </a:endParaRPr>
+          </a:p>
+          <a:p>
+            <a:pPr marL="0" marR="0" lvl="0" indent="0" algn="l" defTabSz="914400" rtl="0" eaLnBrk="1" fontAlgn="auto" latinLnBrk="0" hangingPunct="1">
+              <a:lnSpc>
+                <a:spcPct val="100000"/>
+              </a:lnSpc>
+              <a:spcBef>
+                <a:spcPts val="0"/>
+              </a:spcBef>
+              <a:spcAft>
+                <a:spcPts val="0"/>
+              </a:spcAft>
+              <a:buClrTx/>
+              <a:buSzTx/>
+              <a:buFontTx/>
+              <a:buNone/>
+              <a:tabLst/>
+              <a:defRPr/>
+            </a:pPr>
+            <a:endParaRPr kumimoji="1" lang="en-US" altLang="ja-JP" sz="1800" b="0" i="0" u="sng" strike="noStrike" kern="1200" cap="none" spc="0" normalizeH="0" baseline="0" noProof="0" dirty="0">
+              <a:ln>
+                <a:noFill/>
+              </a:ln>
+              <a:solidFill>
+                <a:srgbClr val="FF0000"/>
+              </a:solidFill>
+              <a:effectLst/>
+              <a:uLnTx/>
+              <a:uFillTx/>
+              <a:latin typeface="ＭＳ Ｐゴシック" panose="020B0600070205080204" pitchFamily="50" charset="-128"/>
+              <a:ea typeface="ＭＳ Ｐゴシック" panose="020B0600070205080204" pitchFamily="50" charset="-128"/>
+            </a:endParaRPr>
+          </a:p>
+          <a:p>
+            <a:pPr marL="0" marR="0" lvl="0" indent="0" algn="l" defTabSz="914400" rtl="0" eaLnBrk="1" fontAlgn="auto" latinLnBrk="0" hangingPunct="1">
+              <a:lnSpc>
+                <a:spcPct val="100000"/>
+              </a:lnSpc>
+              <a:spcBef>
+                <a:spcPts val="0"/>
+              </a:spcBef>
+              <a:spcAft>
+                <a:spcPts val="0"/>
+              </a:spcAft>
+              <a:buClrTx/>
+              <a:buSzTx/>
+              <a:buFontTx/>
+              <a:buNone/>
+              <a:tabLst/>
+              <a:defRPr/>
+            </a:pPr>
+            <a:r>
+              <a:rPr kumimoji="1" lang="en-US" altLang="ja-JP" sz="2800" b="0" i="0" u="none" strike="noStrike" kern="1200" cap="none" spc="0" normalizeH="0" baseline="0" noProof="0" dirty="0">
+                <a:ln>
+                  <a:noFill/>
+                </a:ln>
+                <a:solidFill>
+                  <a:srgbClr val="000000"/>
+                </a:solidFill>
+                <a:effectLst/>
+                <a:uLnTx/>
+                <a:uFillTx/>
+                <a:latin typeface="ＭＳ Ｐゴシック" panose="020B0600070205080204" pitchFamily="50" charset="-128"/>
+                <a:ea typeface="ＭＳ Ｐゴシック" panose="020B0600070205080204" pitchFamily="50" charset="-128"/>
+              </a:rPr>
+              <a:t>3.</a:t>
+            </a:r>
+            <a:r>
+              <a:rPr kumimoji="1" lang="ja-JP" altLang="en-US" sz="2800" b="0" i="0" u="none" strike="noStrike" kern="1200" cap="none" spc="0" normalizeH="0" baseline="0" noProof="0" dirty="0">
+                <a:ln>
+                  <a:noFill/>
+                </a:ln>
+                <a:solidFill>
+                  <a:srgbClr val="000000"/>
+                </a:solidFill>
+                <a:effectLst/>
+                <a:uLnTx/>
+                <a:uFillTx/>
+                <a:latin typeface="ＭＳ Ｐゴシック" panose="020B0600070205080204" pitchFamily="50" charset="-128"/>
+                <a:ea typeface="ＭＳ Ｐゴシック" panose="020B0600070205080204" pitchFamily="50" charset="-128"/>
+              </a:rPr>
+              <a:t>ソフトウェア・システムの設計書、仕様書</a:t>
+            </a:r>
+            <a:endParaRPr kumimoji="1" lang="en-US" altLang="ja-JP" sz="2800" b="0" i="0" u="none" strike="noStrike" kern="1200" cap="none" spc="0" normalizeH="0" baseline="0" noProof="0" dirty="0">
+              <a:ln>
+                <a:noFill/>
+              </a:ln>
+              <a:solidFill>
+                <a:srgbClr val="000000"/>
+              </a:solidFill>
+              <a:effectLst/>
+              <a:uLnTx/>
+              <a:uFillTx/>
+              <a:latin typeface="ＭＳ Ｐゴシック" panose="020B0600070205080204" pitchFamily="50" charset="-128"/>
+              <a:ea typeface="ＭＳ Ｐゴシック" panose="020B0600070205080204" pitchFamily="50" charset="-128"/>
+            </a:endParaRPr>
+          </a:p>
+          <a:p>
+            <a:pPr marL="0" marR="0" lvl="0" indent="0" algn="l" defTabSz="914400" rtl="0" eaLnBrk="1" fontAlgn="auto" latinLnBrk="0" hangingPunct="1">
+              <a:lnSpc>
+                <a:spcPct val="100000"/>
+              </a:lnSpc>
+              <a:spcBef>
+                <a:spcPts val="0"/>
+              </a:spcBef>
+              <a:spcAft>
+                <a:spcPts val="0"/>
+              </a:spcAft>
+              <a:buClrTx/>
+              <a:buSzTx/>
+              <a:buFontTx/>
+              <a:buNone/>
+              <a:tabLst/>
+              <a:defRPr/>
+            </a:pPr>
+            <a:r>
+              <a:rPr kumimoji="1" lang="ja-JP" altLang="en-US" sz="1800" b="0" i="0" u="sng" strike="noStrike" kern="1200" cap="none" spc="0" normalizeH="0" baseline="0" noProof="0" dirty="0">
+                <a:ln>
+                  <a:noFill/>
+                </a:ln>
+                <a:solidFill>
+                  <a:srgbClr val="000000"/>
+                </a:solidFill>
+                <a:effectLst/>
+                <a:uLnTx/>
+                <a:uFillTx/>
+                <a:latin typeface="ＭＳ Ｐゴシック" panose="020B0600070205080204" pitchFamily="50" charset="-128"/>
+                <a:ea typeface="ＭＳ Ｐゴシック" panose="020B0600070205080204" pitchFamily="50" charset="-128"/>
+              </a:rPr>
+              <a:t>→</a:t>
+            </a:r>
+            <a:r>
+              <a:rPr kumimoji="1" lang="ja-JP" altLang="en-US" sz="1800" b="0" i="0" u="sng" strike="noStrike" kern="1200" cap="none" spc="0" normalizeH="0" baseline="0" noProof="0" dirty="0">
+                <a:ln>
+                  <a:noFill/>
+                </a:ln>
+                <a:solidFill>
+                  <a:srgbClr val="FF0000"/>
+                </a:solidFill>
+                <a:effectLst/>
+                <a:uLnTx/>
+                <a:uFillTx/>
+                <a:latin typeface="ＭＳ Ｐゴシック" panose="020B0600070205080204" pitchFamily="50" charset="-128"/>
+                <a:ea typeface="ＭＳ Ｐゴシック" panose="020B0600070205080204" pitchFamily="50" charset="-128"/>
+              </a:rPr>
+              <a:t>理解できる人物にはさらに詳細な設計仕様等を共有し自分の使いやすいように設定できる形に</a:t>
+            </a:r>
+            <a:endParaRPr kumimoji="1" lang="en-US" altLang="ja-JP" sz="1800" b="0" i="0" u="sng" strike="noStrike" kern="1200" cap="none" spc="0" normalizeH="0" baseline="0" noProof="0" dirty="0">
+              <a:ln>
+                <a:noFill/>
+              </a:ln>
+              <a:solidFill>
+                <a:srgbClr val="FF0000"/>
+              </a:solidFill>
+              <a:effectLst/>
+              <a:uLnTx/>
+              <a:uFillTx/>
+              <a:latin typeface="ＭＳ Ｐゴシック" panose="020B0600070205080204" pitchFamily="50" charset="-128"/>
+              <a:ea typeface="ＭＳ Ｐゴシック" panose="020B0600070205080204" pitchFamily="50" charset="-128"/>
+            </a:endParaRPr>
+          </a:p>
+          <a:p>
+            <a:pPr marL="0" marR="0" lvl="0" indent="0" algn="l" defTabSz="914400" rtl="0" eaLnBrk="1" fontAlgn="auto" latinLnBrk="0" hangingPunct="1">
+              <a:lnSpc>
+                <a:spcPct val="100000"/>
+              </a:lnSpc>
+              <a:spcBef>
+                <a:spcPts val="0"/>
+              </a:spcBef>
+              <a:spcAft>
+                <a:spcPts val="0"/>
+              </a:spcAft>
+              <a:buClrTx/>
+              <a:buSzTx/>
+              <a:buFontTx/>
+              <a:buNone/>
+              <a:tabLst/>
+              <a:defRPr/>
+            </a:pPr>
+            <a:endParaRPr kumimoji="1" lang="en-US" altLang="ja-JP" sz="1800" b="0" i="0" u="sng" strike="noStrike" kern="1200" cap="none" spc="0" normalizeH="0" baseline="0" noProof="0" dirty="0">
+              <a:ln>
+                <a:noFill/>
+              </a:ln>
+              <a:solidFill>
+                <a:srgbClr val="FF0000"/>
+              </a:solidFill>
+              <a:effectLst/>
+              <a:uLnTx/>
+              <a:uFillTx/>
+              <a:latin typeface="ＭＳ Ｐゴシック" panose="020B0600070205080204" pitchFamily="50" charset="-128"/>
+              <a:ea typeface="ＭＳ Ｐゴシック" panose="020B0600070205080204" pitchFamily="50" charset="-128"/>
+            </a:endParaRPr>
+          </a:p>
+        </p:txBody>
+      </p:sp>
+    </p:spTree>
+    <p:extLst>
+      <p:ext uri="{BB962C8B-B14F-4D97-AF65-F5344CB8AC3E}">
+        <p14:creationId xmlns:p14="http://schemas.microsoft.com/office/powerpoint/2010/main" val="305987776"/>
+      </p:ext>
+    </p:extLst>
+  </p:cSld>
+  <p:clrMapOvr>
+    <a:masterClrMapping/>
+  </p:clrMapOvr>
+</p:sld>
+</file>
+
+<file path=ppt/slides/slide5.xml><?xml version="1.0" encoding="utf-8"?>
 <p:sld xmlns:a="http://schemas.openxmlformats.org/drawingml/2006/main" xmlns:r="http://schemas.openxmlformats.org/officeDocument/2006/relationships" xmlns:p="http://schemas.openxmlformats.org/presentationml/2006/main">
   <p:cSld>
     <p:spTree>
@@ -11980,7 +13796,7 @@
 </p:sld>
 </file>
 
-<file path=ppt/slides/slide4.xml><?xml version="1.0" encoding="utf-8"?>
+<file path=ppt/slides/slide6.xml><?xml version="1.0" encoding="utf-8"?>
 <p:sld xmlns:a="http://schemas.openxmlformats.org/drawingml/2006/main" xmlns:r="http://schemas.openxmlformats.org/officeDocument/2006/relationships" xmlns:p="http://schemas.openxmlformats.org/presentationml/2006/main">
   <p:cSld>
     <p:spTree>
@@ -12449,7 +14265,7 @@
 </p:sld>
 </file>
 
-<file path=ppt/slides/slide5.xml><?xml version="1.0" encoding="utf-8"?>
+<file path=ppt/slides/slide7.xml><?xml version="1.0" encoding="utf-8"?>
 <p:sld xmlns:a="http://schemas.openxmlformats.org/drawingml/2006/main" xmlns:r="http://schemas.openxmlformats.org/officeDocument/2006/relationships" xmlns:p="http://schemas.openxmlformats.org/presentationml/2006/main">
   <p:cSld>
     <p:spTree>
@@ -12549,7 +14365,7 @@
 </p:sld>
 </file>
 
-<file path=ppt/slides/slide6.xml><?xml version="1.0" encoding="utf-8"?>
+<file path=ppt/slides/slide8.xml><?xml version="1.0" encoding="utf-8"?>
 <p:sld xmlns:a="http://schemas.openxmlformats.org/drawingml/2006/main" xmlns:r="http://schemas.openxmlformats.org/officeDocument/2006/relationships" xmlns:p="http://schemas.openxmlformats.org/presentationml/2006/main">
   <p:cSld>
     <p:spTree>
@@ -12643,7 +14459,7 @@
 </p:sld>
 </file>
 
-<file path=ppt/slides/slide7.xml><?xml version="1.0" encoding="utf-8"?>
+<file path=ppt/slides/slide9.xml><?xml version="1.0" encoding="utf-8"?>
 <p:sld xmlns:a="http://schemas.openxmlformats.org/drawingml/2006/main" xmlns:r="http://schemas.openxmlformats.org/officeDocument/2006/relationships" xmlns:p="http://schemas.openxmlformats.org/presentationml/2006/main">
   <p:cSld>
     <p:spTree>
@@ -12735,380 +14551,6 @@
     <p:extLst>
       <p:ext uri="{BB962C8B-B14F-4D97-AF65-F5344CB8AC3E}">
         <p14:creationId xmlns:p14="http://schemas.microsoft.com/office/powerpoint/2010/main" val="3719135727"/>
-      </p:ext>
-    </p:extLst>
-  </p:cSld>
-  <p:clrMapOvr>
-    <a:masterClrMapping/>
-  </p:clrMapOvr>
-</p:sld>
-</file>
-
-<file path=ppt/slides/slide8.xml><?xml version="1.0" encoding="utf-8"?>
-<p:sld xmlns:a="http://schemas.openxmlformats.org/drawingml/2006/main" xmlns:r="http://schemas.openxmlformats.org/officeDocument/2006/relationships" xmlns:p="http://schemas.openxmlformats.org/presentationml/2006/main">
-  <p:cSld>
-    <p:spTree>
-      <p:nvGrpSpPr>
-        <p:cNvPr id="1" name=""/>
-        <p:cNvGrpSpPr/>
-        <p:nvPr/>
-      </p:nvGrpSpPr>
-      <p:grpSpPr>
-        <a:xfrm>
-          <a:off x="0" y="0"/>
-          <a:ext cx="0" cy="0"/>
-          <a:chOff x="0" y="0"/>
-          <a:chExt cx="0" cy="0"/>
-        </a:xfrm>
-      </p:grpSpPr>
-      <p:pic>
-        <p:nvPicPr>
-          <p:cNvPr id="5" name="コンテンツ プレースホルダー 4" descr="グラフィカル ユーザー インターフェイス, テキスト, アプリケーション">
-            <a:extLst>
-              <a:ext uri="{FF2B5EF4-FFF2-40B4-BE49-F238E27FC236}">
-                <a16:creationId xmlns:a16="http://schemas.microsoft.com/office/drawing/2014/main" id="{DAFDF843-FFE9-3D3D-FB45-63B8709B9532}"/>
-              </a:ext>
-            </a:extLst>
-          </p:cNvPr>
-          <p:cNvPicPr>
-            <a:picLocks noGrp="1" noChangeAspect="1"/>
-          </p:cNvPicPr>
-          <p:nvPr>
-            <p:ph sz="quarter" idx="13"/>
-          </p:nvPr>
-        </p:nvPicPr>
-        <p:blipFill>
-          <a:blip r:embed="rId2">
-            <a:extLst>
-              <a:ext uri="{28A0092B-C50C-407E-A947-70E740481C1C}">
-                <a14:useLocalDpi xmlns:a14="http://schemas.microsoft.com/office/drawing/2010/main" val="0"/>
-              </a:ext>
-            </a:extLst>
-          </a:blip>
-          <a:stretch>
-            <a:fillRect/>
-          </a:stretch>
-        </p:blipFill>
-        <p:spPr>
-          <a:xfrm>
-            <a:off x="944562" y="1001485"/>
-            <a:ext cx="10302875" cy="5064025"/>
-          </a:xfrm>
-          <a:noFill/>
-        </p:spPr>
-      </p:pic>
-      <p:pic>
-        <p:nvPicPr>
-          <p:cNvPr id="7" name="図 6" descr="背景パターン">
-            <a:extLst>
-              <a:ext uri="{FF2B5EF4-FFF2-40B4-BE49-F238E27FC236}">
-                <a16:creationId xmlns:a16="http://schemas.microsoft.com/office/drawing/2014/main" id="{76B79E18-7F1C-6123-7417-77E3FB10A46B}"/>
-              </a:ext>
-            </a:extLst>
-          </p:cNvPr>
-          <p:cNvPicPr>
-            <a:picLocks noChangeAspect="1"/>
-          </p:cNvPicPr>
-          <p:nvPr/>
-        </p:nvPicPr>
-        <p:blipFill>
-          <a:blip r:embed="rId3">
-            <a:extLst>
-              <a:ext uri="{28A0092B-C50C-407E-A947-70E740481C1C}">
-                <a14:useLocalDpi xmlns:a14="http://schemas.microsoft.com/office/drawing/2010/main" val="0"/>
-              </a:ext>
-            </a:extLst>
-          </a:blip>
-          <a:stretch>
-            <a:fillRect/>
-          </a:stretch>
-        </p:blipFill>
-        <p:spPr>
-          <a:xfrm>
-            <a:off x="2383971" y="1536439"/>
-            <a:ext cx="8863466" cy="2232275"/>
-          </a:xfrm>
-          <a:prstGeom prst="rect">
-            <a:avLst/>
-          </a:prstGeom>
-        </p:spPr>
-      </p:pic>
-      <p:pic>
-        <p:nvPicPr>
-          <p:cNvPr id="9" name="図 8" descr="テキスト&#10;&#10;AI 生成コンテンツは誤りを含む可能性があります。">
-            <a:extLst>
-              <a:ext uri="{FF2B5EF4-FFF2-40B4-BE49-F238E27FC236}">
-                <a16:creationId xmlns:a16="http://schemas.microsoft.com/office/drawing/2014/main" id="{7DDCDD10-4751-8E91-DEBF-77982D2274A7}"/>
-              </a:ext>
-            </a:extLst>
-          </p:cNvPr>
-          <p:cNvPicPr>
-            <a:picLocks noChangeAspect="1"/>
-          </p:cNvPicPr>
-          <p:nvPr/>
-        </p:nvPicPr>
-        <p:blipFill>
-          <a:blip r:embed="rId4">
-            <a:extLst>
-              <a:ext uri="{28A0092B-C50C-407E-A947-70E740481C1C}">
-                <a14:useLocalDpi xmlns:a14="http://schemas.microsoft.com/office/drawing/2010/main" val="0"/>
-              </a:ext>
-            </a:extLst>
-          </a:blip>
-          <a:stretch>
-            <a:fillRect/>
-          </a:stretch>
-        </p:blipFill>
-        <p:spPr>
-          <a:xfrm>
-            <a:off x="4016828" y="1001485"/>
-            <a:ext cx="4419600" cy="1495425"/>
-          </a:xfrm>
-          <a:prstGeom prst="rect">
-            <a:avLst/>
-          </a:prstGeom>
-        </p:spPr>
-      </p:pic>
-    </p:spTree>
-    <p:extLst>
-      <p:ext uri="{BB962C8B-B14F-4D97-AF65-F5344CB8AC3E}">
-        <p14:creationId xmlns:p14="http://schemas.microsoft.com/office/powerpoint/2010/main" val="1060228555"/>
-      </p:ext>
-    </p:extLst>
-  </p:cSld>
-  <p:clrMapOvr>
-    <a:masterClrMapping/>
-  </p:clrMapOvr>
-  <p:timing>
-    <p:tnLst>
-      <p:par>
-        <p:cTn id="1" dur="indefinite" restart="never" nodeType="tmRoot">
-          <p:childTnLst>
-            <p:seq concurrent="1" nextAc="seek">
-              <p:cTn id="2" dur="indefinite" nodeType="mainSeq">
-                <p:childTnLst>
-                  <p:par>
-                    <p:cTn id="3" fill="hold">
-                      <p:stCondLst>
-                        <p:cond delay="indefinite"/>
-                      </p:stCondLst>
-                      <p:childTnLst>
-                        <p:par>
-                          <p:cTn id="4" fill="hold">
-                            <p:stCondLst>
-                              <p:cond delay="0"/>
-                            </p:stCondLst>
-                            <p:childTnLst>
-                              <p:par>
-                                <p:cTn id="5" presetID="10" presetClass="entr" presetSubtype="0" fill="hold" nodeType="clickEffect">
-                                  <p:stCondLst>
-                                    <p:cond delay="0"/>
-                                  </p:stCondLst>
-                                  <p:childTnLst>
-                                    <p:set>
-                                      <p:cBhvr>
-                                        <p:cTn id="6" dur="1" fill="hold">
-                                          <p:stCondLst>
-                                            <p:cond delay="0"/>
-                                          </p:stCondLst>
-                                        </p:cTn>
-                                        <p:tgtEl>
-                                          <p:spTgt spid="7"/>
-                                        </p:tgtEl>
-                                        <p:attrNameLst>
-                                          <p:attrName>style.visibility</p:attrName>
-                                        </p:attrNameLst>
-                                      </p:cBhvr>
-                                      <p:to>
-                                        <p:strVal val="visible"/>
-                                      </p:to>
-                                    </p:set>
-                                    <p:animEffect transition="in" filter="fade">
-                                      <p:cBhvr>
-                                        <p:cTn id="7" dur="500"/>
-                                        <p:tgtEl>
-                                          <p:spTgt spid="7"/>
-                                        </p:tgtEl>
-                                      </p:cBhvr>
-                                    </p:animEffect>
-                                  </p:childTnLst>
-                                </p:cTn>
-                              </p:par>
-                            </p:childTnLst>
-                          </p:cTn>
-                        </p:par>
-                      </p:childTnLst>
-                    </p:cTn>
-                  </p:par>
-                  <p:par>
-                    <p:cTn id="8" fill="hold">
-                      <p:stCondLst>
-                        <p:cond delay="indefinite"/>
-                      </p:stCondLst>
-                      <p:childTnLst>
-                        <p:par>
-                          <p:cTn id="9" fill="hold">
-                            <p:stCondLst>
-                              <p:cond delay="0"/>
-                            </p:stCondLst>
-                            <p:childTnLst>
-                              <p:par>
-                                <p:cTn id="10" presetID="10" presetClass="entr" presetSubtype="0" fill="hold" nodeType="clickEffect">
-                                  <p:stCondLst>
-                                    <p:cond delay="0"/>
-                                  </p:stCondLst>
-                                  <p:childTnLst>
-                                    <p:set>
-                                      <p:cBhvr>
-                                        <p:cTn id="11" dur="1" fill="hold">
-                                          <p:stCondLst>
-                                            <p:cond delay="0"/>
-                                          </p:stCondLst>
-                                        </p:cTn>
-                                        <p:tgtEl>
-                                          <p:spTgt spid="9"/>
-                                        </p:tgtEl>
-                                        <p:attrNameLst>
-                                          <p:attrName>style.visibility</p:attrName>
-                                        </p:attrNameLst>
-                                      </p:cBhvr>
-                                      <p:to>
-                                        <p:strVal val="visible"/>
-                                      </p:to>
-                                    </p:set>
-                                    <p:animEffect transition="in" filter="fade">
-                                      <p:cBhvr>
-                                        <p:cTn id="12" dur="500"/>
-                                        <p:tgtEl>
-                                          <p:spTgt spid="9"/>
-                                        </p:tgtEl>
-                                      </p:cBhvr>
-                                    </p:animEffect>
-                                  </p:childTnLst>
-                                </p:cTn>
-                              </p:par>
-                            </p:childTnLst>
-                          </p:cTn>
-                        </p:par>
-                      </p:childTnLst>
-                    </p:cTn>
-                  </p:par>
-                </p:childTnLst>
-              </p:cTn>
-              <p:prevCondLst>
-                <p:cond evt="onPrev" delay="0">
-                  <p:tgtEl>
-                    <p:sldTgt/>
-                  </p:tgtEl>
-                </p:cond>
-              </p:prevCondLst>
-              <p:nextCondLst>
-                <p:cond evt="onNext" delay="0">
-                  <p:tgtEl>
-                    <p:sldTgt/>
-                  </p:tgtEl>
-                </p:cond>
-              </p:nextCondLst>
-            </p:seq>
-          </p:childTnLst>
-        </p:cTn>
-      </p:par>
-    </p:tnLst>
-  </p:timing>
-</p:sld>
-</file>
-
-<file path=ppt/slides/slide9.xml><?xml version="1.0" encoding="utf-8"?>
-<p:sld xmlns:a="http://schemas.openxmlformats.org/drawingml/2006/main" xmlns:r="http://schemas.openxmlformats.org/officeDocument/2006/relationships" xmlns:p="http://schemas.openxmlformats.org/presentationml/2006/main">
-  <p:cSld>
-    <p:spTree>
-      <p:nvGrpSpPr>
-        <p:cNvPr id="1" name=""/>
-        <p:cNvGrpSpPr/>
-        <p:nvPr/>
-      </p:nvGrpSpPr>
-      <p:grpSpPr>
-        <a:xfrm>
-          <a:off x="0" y="0"/>
-          <a:ext cx="0" cy="0"/>
-          <a:chOff x="0" y="0"/>
-          <a:chExt cx="0" cy="0"/>
-        </a:xfrm>
-      </p:grpSpPr>
-      <p:sp>
-        <p:nvSpPr>
-          <p:cNvPr id="2" name="タイトル 1">
-            <a:extLst>
-              <a:ext uri="{FF2B5EF4-FFF2-40B4-BE49-F238E27FC236}">
-                <a16:creationId xmlns:a16="http://schemas.microsoft.com/office/drawing/2014/main" id="{4379499D-4E2E-6395-34EB-E76DC01CF110}"/>
-              </a:ext>
-            </a:extLst>
-          </p:cNvPr>
-          <p:cNvSpPr>
-            <a:spLocks noGrp="1"/>
-          </p:cNvSpPr>
-          <p:nvPr>
-            <p:ph type="title"/>
-          </p:nvPr>
-        </p:nvSpPr>
-        <p:spPr/>
-        <p:txBody>
-          <a:bodyPr/>
-          <a:lstStyle/>
-          <a:p>
-            <a:r>
-              <a:rPr kumimoji="1" lang="ja-JP" altLang="en-US" sz="2800" dirty="0"/>
-              <a:t>画面レイアウト</a:t>
-            </a:r>
-            <a:br>
-              <a:rPr kumimoji="1" lang="en-US" altLang="ja-JP" dirty="0"/>
-            </a:br>
-            <a:r>
-              <a:rPr kumimoji="1" lang="ja-JP" altLang="en-US" sz="3600" u="sng" dirty="0"/>
-              <a:t>利用者用ダッシュボード画面</a:t>
-            </a:r>
-          </a:p>
-        </p:txBody>
-      </p:sp>
-      <p:pic>
-        <p:nvPicPr>
-          <p:cNvPr id="5" name="コンテンツ プレースホルダー 4" descr="テーブル が含まれている画像">
-            <a:extLst>
-              <a:ext uri="{FF2B5EF4-FFF2-40B4-BE49-F238E27FC236}">
-                <a16:creationId xmlns:a16="http://schemas.microsoft.com/office/drawing/2014/main" id="{EF414F7A-9964-34A0-B91F-4FACD84996C3}"/>
-              </a:ext>
-            </a:extLst>
-          </p:cNvPr>
-          <p:cNvPicPr>
-            <a:picLocks noGrp="1" noChangeAspect="1"/>
-          </p:cNvPicPr>
-          <p:nvPr>
-            <p:ph sz="quarter" idx="13"/>
-          </p:nvPr>
-        </p:nvPicPr>
-        <p:blipFill>
-          <a:blip r:embed="rId2">
-            <a:extLst>
-              <a:ext uri="{28A0092B-C50C-407E-A947-70E740481C1C}">
-                <a14:useLocalDpi xmlns:a14="http://schemas.microsoft.com/office/drawing/2010/main" val="0"/>
-              </a:ext>
-            </a:extLst>
-          </a:blip>
-          <a:stretch>
-            <a:fillRect/>
-          </a:stretch>
-        </p:blipFill>
-        <p:spPr>
-          <a:xfrm>
-            <a:off x="838200" y="1632858"/>
-            <a:ext cx="10003971" cy="4604656"/>
-          </a:xfrm>
-        </p:spPr>
-      </p:pic>
-    </p:spTree>
-    <p:extLst>
-      <p:ext uri="{BB962C8B-B14F-4D97-AF65-F5344CB8AC3E}">
-        <p14:creationId xmlns:p14="http://schemas.microsoft.com/office/powerpoint/2010/main" val="3679207572"/>
       </p:ext>
     </p:extLst>
   </p:cSld>
@@ -13950,15 +15392,6 @@
 </file>
 
 <file path=customXml/item1.xml><?xml version="1.0" encoding="utf-8"?>
-<?mso-contentType ?>
-<FormTemplates xmlns="http://schemas.microsoft.com/sharepoint/v3/contenttype/forms">
-  <Display>DocumentLibraryForm</Display>
-  <Edit>DocumentLibraryForm</Edit>
-  <New>DocumentLibraryForm</New>
-</FormTemplates>
-</file>
-
-<file path=customXml/item2.xml><?xml version="1.0" encoding="utf-8"?>
 <ct:contentTypeSchema xmlns:ct="http://schemas.microsoft.com/office/2006/metadata/contentType" xmlns:ma="http://schemas.microsoft.com/office/2006/metadata/properties/metaAttributes" ct:_="" ma:_="" ma:contentTypeName="ドキュメント" ma:contentTypeID="0x0101001C3C11EF8ACAF14CB59AA12B5DD906E5" ma:contentTypeVersion="6" ma:contentTypeDescription="新しいドキュメントを作成します。" ma:contentTypeScope="" ma:versionID="e7cc16d47ebaad271b878cef749f39d9">
   <xsd:schema xmlns:xsd="http://www.w3.org/2001/XMLSchema" xmlns:xs="http://www.w3.org/2001/XMLSchema" xmlns:p="http://schemas.microsoft.com/office/2006/metadata/properties" xmlns:ns3="ee5c7c0c-f424-41b1-a195-3825f1d1e3c5" targetNamespace="http://schemas.microsoft.com/office/2006/metadata/properties" ma:root="true" ma:fieldsID="127baabf5f5a40328388a8a46cf2aaa3" ns3:_="">
     <xsd:import namespace="ee5c7c0c-f424-41b1-a195-3825f1d1e3c5"/>
@@ -14114,6 +15547,15 @@
 </ct:contentTypeSchema>
 </file>
 
+<file path=customXml/item2.xml><?xml version="1.0" encoding="utf-8"?>
+<?mso-contentType ?>
+<FormTemplates xmlns="http://schemas.microsoft.com/sharepoint/v3/contenttype/forms">
+  <Display>DocumentLibraryForm</Display>
+  <Edit>DocumentLibraryForm</Edit>
+  <New>DocumentLibraryForm</New>
+</FormTemplates>
+</file>
+
 <file path=customXml/item3.xml><?xml version="1.0" encoding="utf-8"?>
 <p:properties xmlns:p="http://schemas.microsoft.com/office/2006/metadata/properties" xmlns:xsi="http://www.w3.org/2001/XMLSchema-instance" xmlns:pc="http://schemas.microsoft.com/office/infopath/2007/PartnerControls">
   <documentManagement>
@@ -14123,14 +15565,6 @@
 </file>
 
 <file path=customXml/itemProps1.xml><?xml version="1.0" encoding="utf-8"?>
-<ds:datastoreItem xmlns:ds="http://schemas.openxmlformats.org/officeDocument/2006/customXml" ds:itemID="{4E60708A-6461-4D7F-883F-7E25D731D326}">
-  <ds:schemaRefs>
-    <ds:schemaRef ds:uri="http://schemas.microsoft.com/sharepoint/v3/contenttype/forms"/>
-  </ds:schemaRefs>
-</ds:datastoreItem>
-</file>
-
-<file path=customXml/itemProps2.xml><?xml version="1.0" encoding="utf-8"?>
 <ds:datastoreItem xmlns:ds="http://schemas.openxmlformats.org/officeDocument/2006/customXml" ds:itemID="{876801A7-B90C-4BEB-B5A9-A1C9549B01AA}">
   <ds:schemaRefs>
     <ds:schemaRef ds:uri="ee5c7c0c-f424-41b1-a195-3825f1d1e3c5"/>
@@ -14144,6 +15578,14 @@
     <ds:schemaRef ds:uri="http://schemas.microsoft.com/office/infopath/2007/PartnerControls"/>
     <ds:schemaRef ds:uri="http://schemas.openxmlformats.org/package/2006/metadata/core-properties"/>
     <ds:schemaRef ds:uri="http://www.w3.org/2001/XMLSchema"/>
+  </ds:schemaRefs>
+</ds:datastoreItem>
+</file>
+
+<file path=customXml/itemProps2.xml><?xml version="1.0" encoding="utf-8"?>
+<ds:datastoreItem xmlns:ds="http://schemas.openxmlformats.org/officeDocument/2006/customXml" ds:itemID="{4E60708A-6461-4D7F-883F-7E25D731D326}">
+  <ds:schemaRefs>
+    <ds:schemaRef ds:uri="http://schemas.microsoft.com/sharepoint/v3/contenttype/forms"/>
   </ds:schemaRefs>
 </ds:datastoreItem>
 </file>

--- a/docs/2025_0725_発表用スライド.pptx
+++ b/docs/2025_0725_発表用スライド.pptx
@@ -5,10 +5,10 @@
     <p:sldMasterId id="2147483648" r:id="rId4"/>
   </p:sldMasterIdLst>
   <p:notesMasterIdLst>
-    <p:notesMasterId r:id="rId17"/>
+    <p:notesMasterId r:id="rId18"/>
   </p:notesMasterIdLst>
   <p:handoutMasterIdLst>
-    <p:handoutMasterId r:id="rId18"/>
+    <p:handoutMasterId r:id="rId19"/>
   </p:handoutMasterIdLst>
   <p:sldIdLst>
     <p:sldId id="256" r:id="rId5"/>
@@ -23,6 +23,7 @@
     <p:sldId id="272" r:id="rId14"/>
     <p:sldId id="266" r:id="rId15"/>
     <p:sldId id="273" r:id="rId16"/>
+    <p:sldId id="276" r:id="rId17"/>
   </p:sldIdLst>
   <p:sldSz cx="12192000" cy="6858000"/>
   <p:notesSz cx="6858000" cy="9144000"/>
@@ -243,7 +244,7 @@
                 <a:latin typeface="Meiryo UI" panose="020B0604030504040204" pitchFamily="50" charset="-128"/>
                 <a:ea typeface="Meiryo UI" panose="020B0604030504040204" pitchFamily="50" charset="-128"/>
               </a:rPr>
-              <a:t>2025/7/11</a:t>
+              <a:t>2025/7/23</a:t>
             </a:fld>
             <a:endParaRPr lang="ja-JP">
               <a:latin typeface="Meiryo UI" panose="020B0604030504040204" pitchFamily="50" charset="-128"/>
@@ -444,7 +445,7 @@
             <a:fld id="{C32454D1-07A7-49B5-9163-2710EBC39ACF}" type="datetime1">
               <a:rPr lang="en-US" altLang="ja-JP" smtClean="0"/>
               <a:pPr/>
-              <a:t>7/11/2025</a:t>
+              <a:t>7/23/2025</a:t>
             </a:fld>
             <a:endParaRPr lang="ja-JP" altLang="en-US"/>
           </a:p>
@@ -2446,7 +2447,7 @@
           <a:p>
             <a:fld id="{E56C9E45-5C44-475F-ABDB-05E3656D4AE5}" type="datetime1">
               <a:rPr lang="ja-JP" altLang="en-US" smtClean="0"/>
-              <a:t>2025/7/11</a:t>
+              <a:t>2025/7/23</a:t>
             </a:fld>
             <a:endParaRPr lang="en-US"/>
           </a:p>
@@ -2620,7 +2621,7 @@
             <a:pPr rtl="0"/>
             <a:fld id="{55C255E9-EAE6-4714-9373-FE191EBB4CFC}" type="datetime1">
               <a:rPr lang="ja-JP" altLang="en-US" smtClean="0"/>
-              <a:t>2025/7/11</a:t>
+              <a:t>2025/7/23</a:t>
             </a:fld>
             <a:endParaRPr lang="ja-JP"/>
           </a:p>
@@ -3828,7 +3829,7 @@
           <a:p>
             <a:fld id="{A692C6CF-BE75-44EF-B2C2-D75DE95177B6}" type="datetime1">
               <a:rPr lang="ja-JP" altLang="en-US" smtClean="0"/>
-              <a:t>2025/7/11</a:t>
+              <a:t>2025/7/23</a:t>
             </a:fld>
             <a:endParaRPr lang="en-US"/>
           </a:p>
@@ -5253,7 +5254,7 @@
           <a:p>
             <a:fld id="{23A5F171-EF5C-4534-902D-25B0D2AA90CB}" type="datetime1">
               <a:rPr lang="ja-JP" altLang="en-US" smtClean="0"/>
-              <a:t>2025/7/11</a:t>
+              <a:t>2025/7/23</a:t>
             </a:fld>
             <a:endParaRPr lang="en-US"/>
           </a:p>
@@ -6592,7 +6593,7 @@
           <a:p>
             <a:fld id="{E814C7A4-397F-4B10-8CC5-FA63D1EA50DA}" type="datetime1">
               <a:rPr lang="ja-JP" altLang="en-US" smtClean="0"/>
-              <a:t>2025/7/11</a:t>
+              <a:t>2025/7/23</a:t>
             </a:fld>
             <a:endParaRPr lang="en-US"/>
           </a:p>
@@ -7798,7 +7799,7 @@
           <a:p>
             <a:fld id="{01CA49A7-3342-4780-8B59-9E8A8D6D5799}" type="datetime1">
               <a:rPr lang="ja-JP" altLang="en-US" noProof="0" smtClean="0"/>
-              <a:t>2025/7/11</a:t>
+              <a:t>2025/7/23</a:t>
             </a:fld>
             <a:endParaRPr lang="ja-JP" altLang="en-US" noProof="0"/>
           </a:p>
@@ -8279,7 +8280,7 @@
           <a:p>
             <a:fld id="{F15C0196-7E5D-4577-A8C9-47054227B8B7}" type="datetime1">
               <a:rPr lang="ja-JP" altLang="en-US" smtClean="0"/>
-              <a:t>2025/7/11</a:t>
+              <a:t>2025/7/23</a:t>
             </a:fld>
             <a:endParaRPr lang="en-US"/>
           </a:p>
@@ -9319,7 +9320,7 @@
           <a:p>
             <a:fld id="{AF70EE60-4AF6-408C-98B4-4FDED71820DA}" type="datetime1">
               <a:rPr lang="ja-JP" altLang="en-US" smtClean="0"/>
-              <a:t>2025/7/11</a:t>
+              <a:t>2025/7/23</a:t>
             </a:fld>
             <a:endParaRPr lang="en-US"/>
           </a:p>
@@ -10217,7 +10218,7 @@
           <a:p>
             <a:fld id="{FB068E81-CE6A-48DE-9989-E92DA7C01D68}" type="datetime1">
               <a:rPr lang="ja-JP" altLang="en-US" smtClean="0"/>
-              <a:t>2025/7/11</a:t>
+              <a:t>2025/7/23</a:t>
             </a:fld>
             <a:endParaRPr lang="en-US"/>
           </a:p>
@@ -10490,7 +10491,7 @@
           <a:p>
             <a:fld id="{7264615F-7B45-47C1-BC62-23C82EBBF08C}" type="datetime1">
               <a:rPr lang="ja-JP" altLang="en-US" smtClean="0"/>
-              <a:t>2025/7/11</a:t>
+              <a:t>2025/7/23</a:t>
             </a:fld>
             <a:endParaRPr lang="en-US">
               <a:latin typeface="Meiryo UI" panose="020B0604030504040204" pitchFamily="50" charset="-128"/>
@@ -11627,6 +11628,138 @@
       </p:par>
     </p:tnLst>
   </p:timing>
+</p:sld>
+</file>
+
+<file path=ppt/slides/slide13.xml><?xml version="1.0" encoding="utf-8"?>
+<p:sld xmlns:a="http://schemas.openxmlformats.org/drawingml/2006/main" xmlns:r="http://schemas.openxmlformats.org/officeDocument/2006/relationships" xmlns:p="http://schemas.openxmlformats.org/presentationml/2006/main">
+  <p:cSld>
+    <p:spTree>
+      <p:nvGrpSpPr>
+        <p:cNvPr id="1" name=""/>
+        <p:cNvGrpSpPr/>
+        <p:nvPr/>
+      </p:nvGrpSpPr>
+      <p:grpSpPr>
+        <a:xfrm>
+          <a:off x="0" y="0"/>
+          <a:ext cx="0" cy="0"/>
+          <a:chOff x="0" y="0"/>
+          <a:chExt cx="0" cy="0"/>
+        </a:xfrm>
+      </p:grpSpPr>
+      <p:sp>
+        <p:nvSpPr>
+          <p:cNvPr id="2" name="タイトル 1">
+            <a:extLst>
+              <a:ext uri="{FF2B5EF4-FFF2-40B4-BE49-F238E27FC236}">
+                <a16:creationId xmlns:a16="http://schemas.microsoft.com/office/drawing/2014/main" id="{DBEA41DC-5664-F0B0-4B69-6A28AADF7F81}"/>
+              </a:ext>
+            </a:extLst>
+          </p:cNvPr>
+          <p:cNvSpPr>
+            <a:spLocks noGrp="1"/>
+          </p:cNvSpPr>
+          <p:nvPr>
+            <p:ph type="title"/>
+          </p:nvPr>
+        </p:nvSpPr>
+        <p:spPr/>
+        <p:txBody>
+          <a:bodyPr/>
+          <a:lstStyle/>
+          <a:p>
+            <a:r>
+              <a:rPr kumimoji="1" lang="ja-JP" altLang="en-US" dirty="0"/>
+              <a:t>今後の展望</a:t>
+            </a:r>
+          </a:p>
+        </p:txBody>
+      </p:sp>
+      <p:sp>
+        <p:nvSpPr>
+          <p:cNvPr id="3" name="コンテンツ プレースホルダー 2">
+            <a:extLst>
+              <a:ext uri="{FF2B5EF4-FFF2-40B4-BE49-F238E27FC236}">
+                <a16:creationId xmlns:a16="http://schemas.microsoft.com/office/drawing/2014/main" id="{D21C8BB8-9CE5-3A2D-ABB1-0AC36D11C570}"/>
+              </a:ext>
+            </a:extLst>
+          </p:cNvPr>
+          <p:cNvSpPr>
+            <a:spLocks noGrp="1"/>
+          </p:cNvSpPr>
+          <p:nvPr>
+            <p:ph sz="quarter" idx="13"/>
+          </p:nvPr>
+        </p:nvSpPr>
+        <p:spPr/>
+        <p:txBody>
+          <a:bodyPr>
+            <a:normAutofit lnSpcReduction="10000"/>
+          </a:bodyPr>
+          <a:lstStyle/>
+          <a:p>
+            <a:pPr fontAlgn="base"/>
+            <a:r>
+              <a:rPr lang="ja-JP" altLang="en-US" sz="3200" dirty="0"/>
+              <a:t>現在、画面項目定義書と</a:t>
+            </a:r>
+            <a:r>
+              <a:rPr lang="en-US" altLang="ja-JP" sz="3200" dirty="0"/>
+              <a:t>API</a:t>
+            </a:r>
+            <a:r>
+              <a:rPr lang="ja-JP" altLang="en-US" sz="3200" dirty="0"/>
+              <a:t>設計書の作成に取り組んでいる</a:t>
+            </a:r>
+            <a:endParaRPr lang="en-US" altLang="ja-JP" sz="3200" dirty="0"/>
+          </a:p>
+          <a:p>
+            <a:pPr fontAlgn="base"/>
+            <a:r>
+              <a:rPr lang="ja-JP" altLang="en-US" sz="3200" dirty="0"/>
+              <a:t>夏休みのうちに、</a:t>
+            </a:r>
+            <a:r>
+              <a:rPr lang="en-US" altLang="ja-JP" sz="3200" dirty="0"/>
+              <a:t>API</a:t>
+            </a:r>
+            <a:r>
+              <a:rPr lang="ja-JP" altLang="en-US" sz="3200" dirty="0"/>
+              <a:t>の実装とそれを呼び出すフロントエンド部分の実装を完了させたい</a:t>
+            </a:r>
+            <a:endParaRPr lang="en-US" altLang="ja-JP" sz="3200" dirty="0"/>
+          </a:p>
+          <a:p>
+            <a:pPr fontAlgn="base"/>
+            <a:r>
+              <a:rPr lang="ja-JP" altLang="en-US" sz="3200" dirty="0"/>
+              <a:t>文化祭では、実機を用いたデモンストレーションを行うことを目指す</a:t>
+            </a:r>
+            <a:endParaRPr lang="en-US" altLang="ja-JP" sz="3200" dirty="0"/>
+          </a:p>
+          <a:p>
+            <a:pPr fontAlgn="base"/>
+            <a:r>
+              <a:rPr lang="ja-JP" altLang="en-US" sz="3200" dirty="0"/>
+              <a:t>卒業制作発表会までに、簡便にインストールできる仕組みを構築する</a:t>
+            </a:r>
+          </a:p>
+          <a:p>
+            <a:endParaRPr kumimoji="1" lang="ja-JP" altLang="en-US" dirty="0"/>
+          </a:p>
+        </p:txBody>
+      </p:sp>
+    </p:spTree>
+    <p:extLst>
+      <p:ext uri="{BB962C8B-B14F-4D97-AF65-F5344CB8AC3E}">
+        <p14:creationId xmlns:p14="http://schemas.microsoft.com/office/powerpoint/2010/main" val="3135639390"/>
+      </p:ext>
+    </p:extLst>
+  </p:cSld>
+  <p:clrMapOvr>
+    <a:masterClrMapping/>
+  </p:clrMapOvr>
 </p:sld>
 </file>
 
@@ -15392,6 +15525,15 @@
 </file>
 
 <file path=customXml/item1.xml><?xml version="1.0" encoding="utf-8"?>
+<?mso-contentType ?>
+<FormTemplates xmlns="http://schemas.microsoft.com/sharepoint/v3/contenttype/forms">
+  <Display>DocumentLibraryForm</Display>
+  <Edit>DocumentLibraryForm</Edit>
+  <New>DocumentLibraryForm</New>
+</FormTemplates>
+</file>
+
+<file path=customXml/item2.xml><?xml version="1.0" encoding="utf-8"?>
 <ct:contentTypeSchema xmlns:ct="http://schemas.microsoft.com/office/2006/metadata/contentType" xmlns:ma="http://schemas.microsoft.com/office/2006/metadata/properties/metaAttributes" ct:_="" ma:_="" ma:contentTypeName="ドキュメント" ma:contentTypeID="0x0101001C3C11EF8ACAF14CB59AA12B5DD906E5" ma:contentTypeVersion="6" ma:contentTypeDescription="新しいドキュメントを作成します。" ma:contentTypeScope="" ma:versionID="e7cc16d47ebaad271b878cef749f39d9">
   <xsd:schema xmlns:xsd="http://www.w3.org/2001/XMLSchema" xmlns:xs="http://www.w3.org/2001/XMLSchema" xmlns:p="http://schemas.microsoft.com/office/2006/metadata/properties" xmlns:ns3="ee5c7c0c-f424-41b1-a195-3825f1d1e3c5" targetNamespace="http://schemas.microsoft.com/office/2006/metadata/properties" ma:root="true" ma:fieldsID="127baabf5f5a40328388a8a46cf2aaa3" ns3:_="">
     <xsd:import namespace="ee5c7c0c-f424-41b1-a195-3825f1d1e3c5"/>
@@ -15547,15 +15689,6 @@
 </ct:contentTypeSchema>
 </file>
 
-<file path=customXml/item2.xml><?xml version="1.0" encoding="utf-8"?>
-<?mso-contentType ?>
-<FormTemplates xmlns="http://schemas.microsoft.com/sharepoint/v3/contenttype/forms">
-  <Display>DocumentLibraryForm</Display>
-  <Edit>DocumentLibraryForm</Edit>
-  <New>DocumentLibraryForm</New>
-</FormTemplates>
-</file>
-
 <file path=customXml/item3.xml><?xml version="1.0" encoding="utf-8"?>
 <p:properties xmlns:p="http://schemas.microsoft.com/office/2006/metadata/properties" xmlns:xsi="http://www.w3.org/2001/XMLSchema-instance" xmlns:pc="http://schemas.microsoft.com/office/infopath/2007/PartnerControls">
   <documentManagement>
@@ -15565,6 +15698,14 @@
 </file>
 
 <file path=customXml/itemProps1.xml><?xml version="1.0" encoding="utf-8"?>
+<ds:datastoreItem xmlns:ds="http://schemas.openxmlformats.org/officeDocument/2006/customXml" ds:itemID="{4E60708A-6461-4D7F-883F-7E25D731D326}">
+  <ds:schemaRefs>
+    <ds:schemaRef ds:uri="http://schemas.microsoft.com/sharepoint/v3/contenttype/forms"/>
+  </ds:schemaRefs>
+</ds:datastoreItem>
+</file>
+
+<file path=customXml/itemProps2.xml><?xml version="1.0" encoding="utf-8"?>
 <ds:datastoreItem xmlns:ds="http://schemas.openxmlformats.org/officeDocument/2006/customXml" ds:itemID="{876801A7-B90C-4BEB-B5A9-A1C9549B01AA}">
   <ds:schemaRefs>
     <ds:schemaRef ds:uri="ee5c7c0c-f424-41b1-a195-3825f1d1e3c5"/>
@@ -15578,14 +15719,6 @@
     <ds:schemaRef ds:uri="http://schemas.microsoft.com/office/infopath/2007/PartnerControls"/>
     <ds:schemaRef ds:uri="http://schemas.openxmlformats.org/package/2006/metadata/core-properties"/>
     <ds:schemaRef ds:uri="http://www.w3.org/2001/XMLSchema"/>
-  </ds:schemaRefs>
-</ds:datastoreItem>
-</file>
-
-<file path=customXml/itemProps2.xml><?xml version="1.0" encoding="utf-8"?>
-<ds:datastoreItem xmlns:ds="http://schemas.openxmlformats.org/officeDocument/2006/customXml" ds:itemID="{4E60708A-6461-4D7F-883F-7E25D731D326}">
-  <ds:schemaRefs>
-    <ds:schemaRef ds:uri="http://schemas.microsoft.com/sharepoint/v3/contenttype/forms"/>
   </ds:schemaRefs>
 </ds:datastoreItem>
 </file>
